--- a/Email_spam classification.pptx
+++ b/Email_spam classification.pptx
@@ -5,10 +5,10 @@
     <p:sldMasterId id="2147483648" r:id="rId4"/>
   </p:sldMasterIdLst>
   <p:notesMasterIdLst>
-    <p:notesMasterId r:id="rId15"/>
+    <p:notesMasterId r:id="rId17"/>
   </p:notesMasterIdLst>
   <p:handoutMasterIdLst>
-    <p:handoutMasterId r:id="rId16"/>
+    <p:handoutMasterId r:id="rId18"/>
   </p:handoutMasterIdLst>
   <p:sldIdLst>
     <p:sldId id="256" r:id="rId5"/>
@@ -20,7 +20,9 @@
     <p:sldId id="2467" r:id="rId11"/>
     <p:sldId id="2468" r:id="rId12"/>
     <p:sldId id="2444" r:id="rId13"/>
-    <p:sldId id="2441" r:id="rId14"/>
+    <p:sldId id="2469" r:id="rId14"/>
+    <p:sldId id="2470" r:id="rId15"/>
+    <p:sldId id="2441" r:id="rId16"/>
   </p:sldIdLst>
   <p:sldSz cx="12192000" cy="6858000"/>
   <p:notesSz cx="6858000" cy="9144000"/>
@@ -1334,6 +1336,468 @@
       <dsp:cNvGrpSpPr/>
     </dsp:nvGrpSpPr>
     <dsp:grpSpPr/>
+    <dsp:sp modelId="{772B5BEF-39C2-4E8C-9DAF-92F058494CE1}">
+      <dsp:nvSpPr>
+        <dsp:cNvPr id="0" name=""/>
+        <dsp:cNvSpPr/>
+      </dsp:nvSpPr>
+      <dsp:spPr>
+        <a:xfrm rot="5400000">
+          <a:off x="-233012" y="235525"/>
+          <a:ext cx="1553419" cy="1087393"/>
+        </a:xfrm>
+        <a:prstGeom prst="chevron">
+          <a:avLst/>
+        </a:prstGeom>
+        <a:solidFill>
+          <a:schemeClr val="accent2">
+            <a:hueOff val="0"/>
+            <a:satOff val="0"/>
+            <a:lumOff val="0"/>
+            <a:alphaOff val="0"/>
+          </a:schemeClr>
+        </a:solidFill>
+        <a:ln w="12700" cap="flat" cmpd="sng" algn="ctr">
+          <a:solidFill>
+            <a:schemeClr val="accent2">
+              <a:hueOff val="0"/>
+              <a:satOff val="0"/>
+              <a:lumOff val="0"/>
+              <a:alphaOff val="0"/>
+            </a:schemeClr>
+          </a:solidFill>
+          <a:prstDash val="solid"/>
+          <a:miter lim="800000"/>
+        </a:ln>
+        <a:effectLst/>
+      </dsp:spPr>
+      <dsp:style>
+        <a:lnRef idx="2">
+          <a:scrgbClr r="0" g="0" b="0"/>
+        </a:lnRef>
+        <a:fillRef idx="1">
+          <a:scrgbClr r="0" g="0" b="0"/>
+        </a:fillRef>
+        <a:effectRef idx="0">
+          <a:scrgbClr r="0" g="0" b="0"/>
+        </a:effectRef>
+        <a:fontRef idx="minor">
+          <a:schemeClr val="lt1"/>
+        </a:fontRef>
+      </dsp:style>
+      <dsp:txBody>
+        <a:bodyPr spcFirstLastPara="0" vert="horz" wrap="square" lIns="19050" tIns="19050" rIns="19050" bIns="19050" numCol="1" spcCol="1270" anchor="ctr" anchorCtr="0">
+          <a:noAutofit/>
+        </a:bodyPr>
+        <a:lstStyle/>
+        <a:p>
+          <a:pPr lvl="0" algn="ctr" defTabSz="1333500">
+            <a:lnSpc>
+              <a:spcPct val="90000"/>
+            </a:lnSpc>
+            <a:spcBef>
+              <a:spcPct val="0"/>
+            </a:spcBef>
+            <a:spcAft>
+              <a:spcPct val="35000"/>
+            </a:spcAft>
+          </a:pPr>
+          <a:r>
+            <a:rPr lang="en-US" sz="3000" kern="1200" dirty="0"/>
+            <a:t>1</a:t>
+          </a:r>
+        </a:p>
+      </dsp:txBody>
+      <dsp:txXfrm rot="-5400000">
+        <a:off x="2" y="546209"/>
+        <a:ext cx="1087393" cy="466026"/>
+      </dsp:txXfrm>
+    </dsp:sp>
+    <dsp:sp modelId="{08BA900E-6E00-4E02-B44B-717C1D2CB7E7}">
+      <dsp:nvSpPr>
+        <dsp:cNvPr id="0" name=""/>
+        <dsp:cNvSpPr/>
+      </dsp:nvSpPr>
+      <dsp:spPr>
+        <a:xfrm rot="5400000">
+          <a:off x="3780688" y="-2690782"/>
+          <a:ext cx="1009722" cy="6396313"/>
+        </a:xfrm>
+        <a:prstGeom prst="round2SameRect">
+          <a:avLst/>
+        </a:prstGeom>
+        <a:solidFill>
+          <a:schemeClr val="lt1">
+            <a:alpha val="90000"/>
+            <a:hueOff val="0"/>
+            <a:satOff val="0"/>
+            <a:lumOff val="0"/>
+            <a:alphaOff val="0"/>
+          </a:schemeClr>
+        </a:solidFill>
+        <a:ln w="12700" cap="flat" cmpd="sng" algn="ctr">
+          <a:solidFill>
+            <a:schemeClr val="accent2">
+              <a:hueOff val="0"/>
+              <a:satOff val="0"/>
+              <a:lumOff val="0"/>
+              <a:alphaOff val="0"/>
+            </a:schemeClr>
+          </a:solidFill>
+          <a:prstDash val="solid"/>
+          <a:miter lim="800000"/>
+        </a:ln>
+        <a:effectLst/>
+      </dsp:spPr>
+      <dsp:style>
+        <a:lnRef idx="2">
+          <a:scrgbClr r="0" g="0" b="0"/>
+        </a:lnRef>
+        <a:fillRef idx="1">
+          <a:scrgbClr r="0" g="0" b="0"/>
+        </a:fillRef>
+        <a:effectRef idx="0">
+          <a:scrgbClr r="0" g="0" b="0"/>
+        </a:effectRef>
+        <a:fontRef idx="minor"/>
+      </dsp:style>
+      <dsp:txBody>
+        <a:bodyPr spcFirstLastPara="0" vert="horz" wrap="square" lIns="227584" tIns="20320" rIns="20320" bIns="20320" numCol="1" spcCol="1270" anchor="ctr" anchorCtr="0">
+          <a:noAutofit/>
+        </a:bodyPr>
+        <a:lstStyle/>
+        <a:p>
+          <a:pPr marL="285750" lvl="1" indent="-285750" algn="l" defTabSz="1422400">
+            <a:lnSpc>
+              <a:spcPct val="90000"/>
+            </a:lnSpc>
+            <a:spcBef>
+              <a:spcPct val="0"/>
+            </a:spcBef>
+            <a:spcAft>
+              <a:spcPct val="15000"/>
+            </a:spcAft>
+            <a:buChar char="••"/>
+          </a:pPr>
+          <a:r>
+            <a:rPr lang="en-US" sz="3200" kern="1200" dirty="0"/>
+            <a:t>Anaconda (Jupyter)</a:t>
+          </a:r>
+        </a:p>
+      </dsp:txBody>
+      <dsp:txXfrm rot="-5400000">
+        <a:off x="1087393" y="51804"/>
+        <a:ext cx="6347022" cy="911140"/>
+      </dsp:txXfrm>
+    </dsp:sp>
+    <dsp:sp modelId="{CF8B69CF-2CEF-4366-854B-A49D4946B848}">
+      <dsp:nvSpPr>
+        <dsp:cNvPr id="0" name=""/>
+        <dsp:cNvSpPr/>
+      </dsp:nvSpPr>
+      <dsp:spPr>
+        <a:xfrm rot="5400000">
+          <a:off x="-233012" y="1594342"/>
+          <a:ext cx="1553419" cy="1087393"/>
+        </a:xfrm>
+        <a:prstGeom prst="chevron">
+          <a:avLst/>
+        </a:prstGeom>
+        <a:solidFill>
+          <a:schemeClr val="accent2">
+            <a:hueOff val="2604600"/>
+            <a:satOff val="-39319"/>
+            <a:lumOff val="-10490"/>
+            <a:alphaOff val="0"/>
+          </a:schemeClr>
+        </a:solidFill>
+        <a:ln w="12700" cap="flat" cmpd="sng" algn="ctr">
+          <a:solidFill>
+            <a:schemeClr val="accent2">
+              <a:hueOff val="2604600"/>
+              <a:satOff val="-39319"/>
+              <a:lumOff val="-10490"/>
+              <a:alphaOff val="0"/>
+            </a:schemeClr>
+          </a:solidFill>
+          <a:prstDash val="solid"/>
+          <a:miter lim="800000"/>
+        </a:ln>
+        <a:effectLst/>
+      </dsp:spPr>
+      <dsp:style>
+        <a:lnRef idx="2">
+          <a:scrgbClr r="0" g="0" b="0"/>
+        </a:lnRef>
+        <a:fillRef idx="1">
+          <a:scrgbClr r="0" g="0" b="0"/>
+        </a:fillRef>
+        <a:effectRef idx="0">
+          <a:scrgbClr r="0" g="0" b="0"/>
+        </a:effectRef>
+        <a:fontRef idx="minor">
+          <a:schemeClr val="lt1"/>
+        </a:fontRef>
+      </dsp:style>
+      <dsp:txBody>
+        <a:bodyPr spcFirstLastPara="0" vert="horz" wrap="square" lIns="19050" tIns="19050" rIns="19050" bIns="19050" numCol="1" spcCol="1270" anchor="ctr" anchorCtr="0">
+          <a:noAutofit/>
+        </a:bodyPr>
+        <a:lstStyle/>
+        <a:p>
+          <a:pPr lvl="0" algn="ctr" defTabSz="1333500">
+            <a:lnSpc>
+              <a:spcPct val="90000"/>
+            </a:lnSpc>
+            <a:spcBef>
+              <a:spcPct val="0"/>
+            </a:spcBef>
+            <a:spcAft>
+              <a:spcPct val="35000"/>
+            </a:spcAft>
+          </a:pPr>
+          <a:r>
+            <a:rPr lang="en-US" sz="3000" kern="1200" dirty="0"/>
+            <a:t>2</a:t>
+          </a:r>
+        </a:p>
+      </dsp:txBody>
+      <dsp:txXfrm rot="-5400000">
+        <a:off x="2" y="1905026"/>
+        <a:ext cx="1087393" cy="466026"/>
+      </dsp:txXfrm>
+    </dsp:sp>
+    <dsp:sp modelId="{81D585AB-01E0-402C-9092-1499FF54F9C8}">
+      <dsp:nvSpPr>
+        <dsp:cNvPr id="0" name=""/>
+        <dsp:cNvSpPr/>
+      </dsp:nvSpPr>
+      <dsp:spPr>
+        <a:xfrm rot="5400000">
+          <a:off x="3780688" y="-1331965"/>
+          <a:ext cx="1009722" cy="6396313"/>
+        </a:xfrm>
+        <a:prstGeom prst="round2SameRect">
+          <a:avLst/>
+        </a:prstGeom>
+        <a:solidFill>
+          <a:schemeClr val="lt1">
+            <a:alpha val="90000"/>
+            <a:hueOff val="0"/>
+            <a:satOff val="0"/>
+            <a:lumOff val="0"/>
+            <a:alphaOff val="0"/>
+          </a:schemeClr>
+        </a:solidFill>
+        <a:ln w="12700" cap="flat" cmpd="sng" algn="ctr">
+          <a:solidFill>
+            <a:schemeClr val="accent2">
+              <a:hueOff val="2604600"/>
+              <a:satOff val="-39319"/>
+              <a:lumOff val="-10490"/>
+              <a:alphaOff val="0"/>
+            </a:schemeClr>
+          </a:solidFill>
+          <a:prstDash val="solid"/>
+          <a:miter lim="800000"/>
+        </a:ln>
+        <a:effectLst/>
+      </dsp:spPr>
+      <dsp:style>
+        <a:lnRef idx="2">
+          <a:scrgbClr r="0" g="0" b="0"/>
+        </a:lnRef>
+        <a:fillRef idx="1">
+          <a:scrgbClr r="0" g="0" b="0"/>
+        </a:fillRef>
+        <a:effectRef idx="0">
+          <a:scrgbClr r="0" g="0" b="0"/>
+        </a:effectRef>
+        <a:fontRef idx="minor"/>
+      </dsp:style>
+      <dsp:txBody>
+        <a:bodyPr spcFirstLastPara="0" vert="horz" wrap="square" lIns="227584" tIns="20320" rIns="20320" bIns="20320" numCol="1" spcCol="1270" anchor="ctr" anchorCtr="0">
+          <a:noAutofit/>
+        </a:bodyPr>
+        <a:lstStyle/>
+        <a:p>
+          <a:pPr marL="285750" lvl="1" indent="-285750" algn="l" defTabSz="1422400">
+            <a:lnSpc>
+              <a:spcPct val="90000"/>
+            </a:lnSpc>
+            <a:spcBef>
+              <a:spcPct val="0"/>
+            </a:spcBef>
+            <a:spcAft>
+              <a:spcPct val="15000"/>
+            </a:spcAft>
+            <a:buChar char="••"/>
+          </a:pPr>
+          <a:r>
+            <a:rPr lang="en-US" sz="3200" kern="1200" dirty="0"/>
+            <a:t>Visual Studio code</a:t>
+          </a:r>
+        </a:p>
+      </dsp:txBody>
+      <dsp:txXfrm rot="-5400000">
+        <a:off x="1087393" y="1410621"/>
+        <a:ext cx="6347022" cy="911140"/>
+      </dsp:txXfrm>
+    </dsp:sp>
+    <dsp:sp modelId="{BDE79BBB-364D-47F8-A65D-20D3502759C7}">
+      <dsp:nvSpPr>
+        <dsp:cNvPr id="0" name=""/>
+        <dsp:cNvSpPr/>
+      </dsp:nvSpPr>
+      <dsp:spPr>
+        <a:xfrm rot="5400000">
+          <a:off x="-233012" y="2953159"/>
+          <a:ext cx="1553419" cy="1087393"/>
+        </a:xfrm>
+        <a:prstGeom prst="chevron">
+          <a:avLst/>
+        </a:prstGeom>
+        <a:solidFill>
+          <a:schemeClr val="accent2">
+            <a:hueOff val="5209200"/>
+            <a:satOff val="-78638"/>
+            <a:lumOff val="-20981"/>
+            <a:alphaOff val="0"/>
+          </a:schemeClr>
+        </a:solidFill>
+        <a:ln w="12700" cap="flat" cmpd="sng" algn="ctr">
+          <a:solidFill>
+            <a:schemeClr val="accent2">
+              <a:hueOff val="5209200"/>
+              <a:satOff val="-78638"/>
+              <a:lumOff val="-20981"/>
+              <a:alphaOff val="0"/>
+            </a:schemeClr>
+          </a:solidFill>
+          <a:prstDash val="solid"/>
+          <a:miter lim="800000"/>
+        </a:ln>
+        <a:effectLst/>
+      </dsp:spPr>
+      <dsp:style>
+        <a:lnRef idx="2">
+          <a:scrgbClr r="0" g="0" b="0"/>
+        </a:lnRef>
+        <a:fillRef idx="1">
+          <a:scrgbClr r="0" g="0" b="0"/>
+        </a:fillRef>
+        <a:effectRef idx="0">
+          <a:scrgbClr r="0" g="0" b="0"/>
+        </a:effectRef>
+        <a:fontRef idx="minor">
+          <a:schemeClr val="lt1"/>
+        </a:fontRef>
+      </dsp:style>
+      <dsp:txBody>
+        <a:bodyPr spcFirstLastPara="0" vert="horz" wrap="square" lIns="19050" tIns="19050" rIns="19050" bIns="19050" numCol="1" spcCol="1270" anchor="ctr" anchorCtr="0">
+          <a:noAutofit/>
+        </a:bodyPr>
+        <a:lstStyle/>
+        <a:p>
+          <a:pPr lvl="0" algn="ctr" defTabSz="1333500">
+            <a:lnSpc>
+              <a:spcPct val="90000"/>
+            </a:lnSpc>
+            <a:spcBef>
+              <a:spcPct val="0"/>
+            </a:spcBef>
+            <a:spcAft>
+              <a:spcPct val="35000"/>
+            </a:spcAft>
+          </a:pPr>
+          <a:r>
+            <a:rPr lang="en-US" sz="3000" kern="1200" dirty="0"/>
+            <a:t>3</a:t>
+          </a:r>
+        </a:p>
+      </dsp:txBody>
+      <dsp:txXfrm rot="-5400000">
+        <a:off x="2" y="3263843"/>
+        <a:ext cx="1087393" cy="466026"/>
+      </dsp:txXfrm>
+    </dsp:sp>
+    <dsp:sp modelId="{6BF4E68B-806B-448A-AB1F-1C25BD4ADF2D}">
+      <dsp:nvSpPr>
+        <dsp:cNvPr id="0" name=""/>
+        <dsp:cNvSpPr/>
+      </dsp:nvSpPr>
+      <dsp:spPr>
+        <a:xfrm rot="5400000">
+          <a:off x="3780688" y="26851"/>
+          <a:ext cx="1009722" cy="6396313"/>
+        </a:xfrm>
+        <a:prstGeom prst="round2SameRect">
+          <a:avLst/>
+        </a:prstGeom>
+        <a:solidFill>
+          <a:schemeClr val="lt1">
+            <a:alpha val="90000"/>
+            <a:hueOff val="0"/>
+            <a:satOff val="0"/>
+            <a:lumOff val="0"/>
+            <a:alphaOff val="0"/>
+          </a:schemeClr>
+        </a:solidFill>
+        <a:ln w="12700" cap="flat" cmpd="sng" algn="ctr">
+          <a:solidFill>
+            <a:schemeClr val="accent2">
+              <a:hueOff val="5209200"/>
+              <a:satOff val="-78638"/>
+              <a:lumOff val="-20981"/>
+              <a:alphaOff val="0"/>
+            </a:schemeClr>
+          </a:solidFill>
+          <a:prstDash val="solid"/>
+          <a:miter lim="800000"/>
+        </a:ln>
+        <a:effectLst/>
+      </dsp:spPr>
+      <dsp:style>
+        <a:lnRef idx="2">
+          <a:scrgbClr r="0" g="0" b="0"/>
+        </a:lnRef>
+        <a:fillRef idx="1">
+          <a:scrgbClr r="0" g="0" b="0"/>
+        </a:fillRef>
+        <a:effectRef idx="0">
+          <a:scrgbClr r="0" g="0" b="0"/>
+        </a:effectRef>
+        <a:fontRef idx="minor"/>
+      </dsp:style>
+      <dsp:txBody>
+        <a:bodyPr spcFirstLastPara="0" vert="horz" wrap="square" lIns="227584" tIns="20320" rIns="20320" bIns="20320" numCol="1" spcCol="1270" anchor="ctr" anchorCtr="0">
+          <a:noAutofit/>
+        </a:bodyPr>
+        <a:lstStyle/>
+        <a:p>
+          <a:pPr marL="285750" lvl="1" indent="-285750" algn="l" defTabSz="1422400">
+            <a:lnSpc>
+              <a:spcPct val="90000"/>
+            </a:lnSpc>
+            <a:spcBef>
+              <a:spcPct val="0"/>
+            </a:spcBef>
+            <a:spcAft>
+              <a:spcPct val="15000"/>
+            </a:spcAft>
+            <a:buChar char="••"/>
+          </a:pPr>
+          <a:r>
+            <a:rPr lang="en-US" sz="3200" kern="1200" dirty="0"/>
+            <a:t>Notepad</a:t>
+          </a:r>
+        </a:p>
+      </dsp:txBody>
+      <dsp:txXfrm rot="-5400000">
+        <a:off x="1087393" y="2769438"/>
+        <a:ext cx="6347022" cy="911140"/>
+      </dsp:txXfrm>
+    </dsp:sp>
   </dsp:spTree>
 </dsp:drawing>
 </file>
@@ -2655,7 +3119,7 @@
           <p:cNvPr id="2" name="Header Placeholder 1">
             <a:extLst>
               <a:ext uri="{FF2B5EF4-FFF2-40B4-BE49-F238E27FC236}">
-                <a16:creationId xmlns:a16="http://schemas.microsoft.com/office/drawing/2014/main" xmlns="" id="{254265FD-4E3F-4008-BF0D-92438DDF38EF}"/>
+                <a16:creationId xmlns="" xmlns:a16="http://schemas.microsoft.com/office/drawing/2014/main" id="{254265FD-4E3F-4008-BF0D-92438DDF38EF}"/>
               </a:ext>
             </a:extLst>
           </p:cNvPr>
@@ -2692,7 +3156,7 @@
           <p:cNvPr id="3" name="Date Placeholder 2">
             <a:extLst>
               <a:ext uri="{FF2B5EF4-FFF2-40B4-BE49-F238E27FC236}">
-                <a16:creationId xmlns:a16="http://schemas.microsoft.com/office/drawing/2014/main" xmlns="" id="{7411FABC-D2A4-4DDD-AE15-415703DDD3EA}"/>
+                <a16:creationId xmlns="" xmlns:a16="http://schemas.microsoft.com/office/drawing/2014/main" id="{7411FABC-D2A4-4DDD-AE15-415703DDD3EA}"/>
               </a:ext>
             </a:extLst>
           </p:cNvPr>
@@ -2723,7 +3187,7 @@
             <a:fld id="{D1CB9CF0-A540-4793-A5F3-F4917CFDDCB6}" type="datetimeFigureOut">
               <a:rPr lang="en-US" smtClean="0"/>
               <a:pPr/>
-              <a:t>9/14/2022</a:t>
+              <a:t>9/19/2022</a:t>
             </a:fld>
             <a:endParaRPr lang="en-US" dirty="0"/>
           </a:p>
@@ -2734,7 +3198,7 @@
           <p:cNvPr id="4" name="Footer Placeholder 3">
             <a:extLst>
               <a:ext uri="{FF2B5EF4-FFF2-40B4-BE49-F238E27FC236}">
-                <a16:creationId xmlns:a16="http://schemas.microsoft.com/office/drawing/2014/main" xmlns="" id="{27EBBAB0-AE2E-4EA6-BE3D-A8C4DA400704}"/>
+                <a16:creationId xmlns="" xmlns:a16="http://schemas.microsoft.com/office/drawing/2014/main" id="{27EBBAB0-AE2E-4EA6-BE3D-A8C4DA400704}"/>
               </a:ext>
             </a:extLst>
           </p:cNvPr>
@@ -2771,7 +3235,7 @@
           <p:cNvPr id="5" name="Slide Number Placeholder 4">
             <a:extLst>
               <a:ext uri="{FF2B5EF4-FFF2-40B4-BE49-F238E27FC236}">
-                <a16:creationId xmlns:a16="http://schemas.microsoft.com/office/drawing/2014/main" xmlns="" id="{A31D462F-4914-49FC-A851-7FFFE9D6E86B}"/>
+                <a16:creationId xmlns="" xmlns:a16="http://schemas.microsoft.com/office/drawing/2014/main" id="{A31D462F-4914-49FC-A851-7FFFE9D6E86B}"/>
               </a:ext>
             </a:extLst>
           </p:cNvPr>
@@ -2902,7 +3366,7 @@
             <a:fld id="{EDA03753-A5BE-4D79-AEA9-C0A65A6F8851}" type="datetimeFigureOut">
               <a:rPr lang="en-US" smtClean="0"/>
               <a:pPr/>
-              <a:t>9/14/2022</a:t>
+              <a:t>9/19/2022</a:t>
             </a:fld>
             <a:endParaRPr lang="en-US" dirty="0"/>
           </a:p>
@@ -3192,7 +3656,7 @@
           <p:cNvPr id="12" name="Picture Placeholder 13">
             <a:extLst>
               <a:ext uri="{FF2B5EF4-FFF2-40B4-BE49-F238E27FC236}">
-                <a16:creationId xmlns:a16="http://schemas.microsoft.com/office/drawing/2014/main" xmlns="" id="{9FB41AE7-07AD-43D7-9418-6D32BE5E3192}"/>
+                <a16:creationId xmlns="" xmlns:a16="http://schemas.microsoft.com/office/drawing/2014/main" id="{9FB41AE7-07AD-43D7-9418-6D32BE5E3192}"/>
               </a:ext>
             </a:extLst>
           </p:cNvPr>
@@ -3231,7 +3695,7 @@
           <p:cNvPr id="14" name="Group 13">
             <a:extLst>
               <a:ext uri="{FF2B5EF4-FFF2-40B4-BE49-F238E27FC236}">
-                <a16:creationId xmlns:a16="http://schemas.microsoft.com/office/drawing/2014/main" xmlns="" id="{846D6A0C-E2C3-43CB-83D0-B5F6221079CA}"/>
+                <a16:creationId xmlns="" xmlns:a16="http://schemas.microsoft.com/office/drawing/2014/main" id="{846D6A0C-E2C3-43CB-83D0-B5F6221079CA}"/>
               </a:ext>
             </a:extLst>
           </p:cNvPr>
@@ -3251,7 +3715,7 @@
             <p:cNvPr id="15" name="Rectangle 14">
               <a:extLst>
                 <a:ext uri="{FF2B5EF4-FFF2-40B4-BE49-F238E27FC236}">
-                  <a16:creationId xmlns:a16="http://schemas.microsoft.com/office/drawing/2014/main" xmlns="" id="{F997D03F-0BE2-458F-92A2-4FE73B0FBF51}"/>
+                  <a16:creationId xmlns="" xmlns:a16="http://schemas.microsoft.com/office/drawing/2014/main" id="{F997D03F-0BE2-458F-92A2-4FE73B0FBF51}"/>
                 </a:ext>
               </a:extLst>
             </p:cNvPr>
@@ -3303,7 +3767,7 @@
             <p:cNvPr id="16" name="Rectangle 15">
               <a:extLst>
                 <a:ext uri="{FF2B5EF4-FFF2-40B4-BE49-F238E27FC236}">
-                  <a16:creationId xmlns:a16="http://schemas.microsoft.com/office/drawing/2014/main" xmlns="" id="{EDC96296-0FBF-47A5-9D6A-5D9BB647A4D7}"/>
+                  <a16:creationId xmlns="" xmlns:a16="http://schemas.microsoft.com/office/drawing/2014/main" id="{EDC96296-0FBF-47A5-9D6A-5D9BB647A4D7}"/>
                 </a:ext>
               </a:extLst>
             </p:cNvPr>
@@ -3646,7 +4110,7 @@
             <p:cNvPr id="17" name="Rectangle 16">
               <a:extLst>
                 <a:ext uri="{FF2B5EF4-FFF2-40B4-BE49-F238E27FC236}">
-                  <a16:creationId xmlns:a16="http://schemas.microsoft.com/office/drawing/2014/main" xmlns="" id="{53F17719-10FE-433E-9CCC-4509DE17F22A}"/>
+                  <a16:creationId xmlns="" xmlns:a16="http://schemas.microsoft.com/office/drawing/2014/main" id="{53F17719-10FE-433E-9CCC-4509DE17F22A}"/>
                 </a:ext>
               </a:extLst>
             </p:cNvPr>
@@ -3699,7 +4163,7 @@
           <p:cNvPr id="2" name="Title 1">
             <a:extLst>
               <a:ext uri="{FF2B5EF4-FFF2-40B4-BE49-F238E27FC236}">
-                <a16:creationId xmlns:a16="http://schemas.microsoft.com/office/drawing/2014/main" xmlns="" id="{0DE73F1A-AAF0-4EB4-8DF0-C152BD93C69B}"/>
+                <a16:creationId xmlns="" xmlns:a16="http://schemas.microsoft.com/office/drawing/2014/main" id="{0DE73F1A-AAF0-4EB4-8DF0-C152BD93C69B}"/>
               </a:ext>
             </a:extLst>
           </p:cNvPr>
@@ -3750,7 +4214,7 @@
           <p:cNvPr id="3" name="Subtitle 2">
             <a:extLst>
               <a:ext uri="{FF2B5EF4-FFF2-40B4-BE49-F238E27FC236}">
-                <a16:creationId xmlns:a16="http://schemas.microsoft.com/office/drawing/2014/main" xmlns="" id="{A3075AE6-92D3-4205-B268-E1AD6C5901DE}"/>
+                <a16:creationId xmlns="" xmlns:a16="http://schemas.microsoft.com/office/drawing/2014/main" id="{A3075AE6-92D3-4205-B268-E1AD6C5901DE}"/>
               </a:ext>
             </a:extLst>
           </p:cNvPr>
@@ -3856,7 +4320,7 @@
           <p:cNvPr id="14" name="Group 13">
             <a:extLst>
               <a:ext uri="{FF2B5EF4-FFF2-40B4-BE49-F238E27FC236}">
-                <a16:creationId xmlns:a16="http://schemas.microsoft.com/office/drawing/2014/main" xmlns="" id="{846D6A0C-E2C3-43CB-83D0-B5F6221079CA}"/>
+                <a16:creationId xmlns="" xmlns:a16="http://schemas.microsoft.com/office/drawing/2014/main" id="{846D6A0C-E2C3-43CB-83D0-B5F6221079CA}"/>
               </a:ext>
             </a:extLst>
           </p:cNvPr>
@@ -3876,7 +4340,7 @@
             <p:cNvPr id="16" name="Rectangle 15">
               <a:extLst>
                 <a:ext uri="{FF2B5EF4-FFF2-40B4-BE49-F238E27FC236}">
-                  <a16:creationId xmlns:a16="http://schemas.microsoft.com/office/drawing/2014/main" xmlns="" id="{EDC96296-0FBF-47A5-9D6A-5D9BB647A4D7}"/>
+                  <a16:creationId xmlns="" xmlns:a16="http://schemas.microsoft.com/office/drawing/2014/main" id="{EDC96296-0FBF-47A5-9D6A-5D9BB647A4D7}"/>
                 </a:ext>
               </a:extLst>
             </p:cNvPr>
@@ -4219,7 +4683,7 @@
             <p:cNvPr id="15" name="Rectangle 14">
               <a:extLst>
                 <a:ext uri="{FF2B5EF4-FFF2-40B4-BE49-F238E27FC236}">
-                  <a16:creationId xmlns:a16="http://schemas.microsoft.com/office/drawing/2014/main" xmlns="" id="{F997D03F-0BE2-458F-92A2-4FE73B0FBF51}"/>
+                  <a16:creationId xmlns="" xmlns:a16="http://schemas.microsoft.com/office/drawing/2014/main" id="{F997D03F-0BE2-458F-92A2-4FE73B0FBF51}"/>
                 </a:ext>
               </a:extLst>
             </p:cNvPr>
@@ -4271,7 +4735,7 @@
             <p:cNvPr id="17" name="Rectangle 16">
               <a:extLst>
                 <a:ext uri="{FF2B5EF4-FFF2-40B4-BE49-F238E27FC236}">
-                  <a16:creationId xmlns:a16="http://schemas.microsoft.com/office/drawing/2014/main" xmlns="" id="{53F17719-10FE-433E-9CCC-4509DE17F22A}"/>
+                  <a16:creationId xmlns="" xmlns:a16="http://schemas.microsoft.com/office/drawing/2014/main" id="{53F17719-10FE-433E-9CCC-4509DE17F22A}"/>
                 </a:ext>
               </a:extLst>
             </p:cNvPr>
@@ -4324,7 +4788,7 @@
           <p:cNvPr id="2" name="Title 1">
             <a:extLst>
               <a:ext uri="{FF2B5EF4-FFF2-40B4-BE49-F238E27FC236}">
-                <a16:creationId xmlns:a16="http://schemas.microsoft.com/office/drawing/2014/main" xmlns="" id="{0DE73F1A-AAF0-4EB4-8DF0-C152BD93C69B}"/>
+                <a16:creationId xmlns="" xmlns:a16="http://schemas.microsoft.com/office/drawing/2014/main" id="{0DE73F1A-AAF0-4EB4-8DF0-C152BD93C69B}"/>
               </a:ext>
             </a:extLst>
           </p:cNvPr>
@@ -4375,7 +4839,7 @@
           <p:cNvPr id="3" name="Subtitle 2">
             <a:extLst>
               <a:ext uri="{FF2B5EF4-FFF2-40B4-BE49-F238E27FC236}">
-                <a16:creationId xmlns:a16="http://schemas.microsoft.com/office/drawing/2014/main" xmlns="" id="{A3075AE6-92D3-4205-B268-E1AD6C5901DE}"/>
+                <a16:creationId xmlns="" xmlns:a16="http://schemas.microsoft.com/office/drawing/2014/main" id="{A3075AE6-92D3-4205-B268-E1AD6C5901DE}"/>
               </a:ext>
             </a:extLst>
           </p:cNvPr>
@@ -4481,7 +4945,7 @@
           <p:cNvPr id="14" name="Group 13">
             <a:extLst>
               <a:ext uri="{FF2B5EF4-FFF2-40B4-BE49-F238E27FC236}">
-                <a16:creationId xmlns:a16="http://schemas.microsoft.com/office/drawing/2014/main" xmlns="" id="{7BF3BF7F-F094-497C-9310-2FE8B059E82B}"/>
+                <a16:creationId xmlns="" xmlns:a16="http://schemas.microsoft.com/office/drawing/2014/main" id="{7BF3BF7F-F094-497C-9310-2FE8B059E82B}"/>
               </a:ext>
             </a:extLst>
           </p:cNvPr>
@@ -4501,7 +4965,7 @@
             <p:cNvPr id="15" name="Rectangle 14">
               <a:extLst>
                 <a:ext uri="{FF2B5EF4-FFF2-40B4-BE49-F238E27FC236}">
-                  <a16:creationId xmlns:a16="http://schemas.microsoft.com/office/drawing/2014/main" xmlns="" id="{2D49E498-4E90-44A2-B49F-157DFF9E8581}"/>
+                  <a16:creationId xmlns="" xmlns:a16="http://schemas.microsoft.com/office/drawing/2014/main" id="{2D49E498-4E90-44A2-B49F-157DFF9E8581}"/>
                 </a:ext>
               </a:extLst>
             </p:cNvPr>
@@ -4844,7 +5308,7 @@
             <p:cNvPr id="17" name="Graphic 16">
               <a:extLst>
                 <a:ext uri="{FF2B5EF4-FFF2-40B4-BE49-F238E27FC236}">
-                  <a16:creationId xmlns:a16="http://schemas.microsoft.com/office/drawing/2014/main" xmlns="" id="{B2D9F108-8C30-4BEC-8122-BE2632644482}"/>
+                  <a16:creationId xmlns="" xmlns:a16="http://schemas.microsoft.com/office/drawing/2014/main" id="{B2D9F108-8C30-4BEC-8122-BE2632644482}"/>
                 </a:ext>
               </a:extLst>
             </p:cNvPr>
@@ -4857,7 +5321,7 @@
             <a:blip r:embed="rId2">
               <a:extLst>
                 <a:ext uri="{96DAC541-7B7A-43D3-8B79-37D633B846F1}">
-                  <asvg:svgBlip xmlns:asvg="http://schemas.microsoft.com/office/drawing/2016/SVG/main" xmlns="" r:embed="rId3"/>
+                  <asvg:svgBlip xmlns="" xmlns:asvg="http://schemas.microsoft.com/office/drawing/2016/SVG/main" r:embed="rId3"/>
                 </a:ext>
               </a:extLst>
             </a:blip>
@@ -4880,7 +5344,7 @@
             <p:cNvPr id="16" name="Rectangle 15">
               <a:extLst>
                 <a:ext uri="{FF2B5EF4-FFF2-40B4-BE49-F238E27FC236}">
-                  <a16:creationId xmlns:a16="http://schemas.microsoft.com/office/drawing/2014/main" xmlns="" id="{FAB546B5-7C56-40DD-B1DF-AE850DE5FDB3}"/>
+                  <a16:creationId xmlns="" xmlns:a16="http://schemas.microsoft.com/office/drawing/2014/main" id="{FAB546B5-7C56-40DD-B1DF-AE850DE5FDB3}"/>
                 </a:ext>
               </a:extLst>
             </p:cNvPr>
@@ -5207,7 +5671,7 @@
           <p:cNvPr id="8" name="Title 1">
             <a:extLst>
               <a:ext uri="{FF2B5EF4-FFF2-40B4-BE49-F238E27FC236}">
-                <a16:creationId xmlns:a16="http://schemas.microsoft.com/office/drawing/2014/main" xmlns="" id="{4C30FD01-9DD8-4ECA-AC52-7C41002A99B3}"/>
+                <a16:creationId xmlns="" xmlns:a16="http://schemas.microsoft.com/office/drawing/2014/main" id="{4C30FD01-9DD8-4ECA-AC52-7C41002A99B3}"/>
               </a:ext>
             </a:extLst>
           </p:cNvPr>
@@ -5252,7 +5716,7 @@
           <p:cNvPr id="2" name="Footer Placeholder 1">
             <a:extLst>
               <a:ext uri="{FF2B5EF4-FFF2-40B4-BE49-F238E27FC236}">
-                <a16:creationId xmlns:a16="http://schemas.microsoft.com/office/drawing/2014/main" xmlns="" id="{C5F17219-39C2-44C1-BFC9-BA0D7ACD78D1}"/>
+                <a16:creationId xmlns="" xmlns:a16="http://schemas.microsoft.com/office/drawing/2014/main" id="{C5F17219-39C2-44C1-BFC9-BA0D7ACD78D1}"/>
               </a:ext>
             </a:extLst>
           </p:cNvPr>
@@ -5280,7 +5744,7 @@
           <p:cNvPr id="3" name="Slide Number Placeholder 2">
             <a:extLst>
               <a:ext uri="{FF2B5EF4-FFF2-40B4-BE49-F238E27FC236}">
-                <a16:creationId xmlns:a16="http://schemas.microsoft.com/office/drawing/2014/main" xmlns="" id="{5087118E-1B0A-407B-BDCE-B343BC9F92E9}"/>
+                <a16:creationId xmlns="" xmlns:a16="http://schemas.microsoft.com/office/drawing/2014/main" id="{5087118E-1B0A-407B-BDCE-B343BC9F92E9}"/>
               </a:ext>
             </a:extLst>
           </p:cNvPr>
@@ -5310,7 +5774,7 @@
           <p:cNvPr id="11" name="Text Placeholder 2">
             <a:extLst>
               <a:ext uri="{FF2B5EF4-FFF2-40B4-BE49-F238E27FC236}">
-                <a16:creationId xmlns:a16="http://schemas.microsoft.com/office/drawing/2014/main" xmlns="" id="{CEC8E835-7291-427D-948E-B544E36AD129}"/>
+                <a16:creationId xmlns="" xmlns:a16="http://schemas.microsoft.com/office/drawing/2014/main" id="{CEC8E835-7291-427D-948E-B544E36AD129}"/>
               </a:ext>
             </a:extLst>
           </p:cNvPr>
@@ -5386,7 +5850,7 @@
           <p:cNvPr id="3" name="Text Placeholder 2">
             <a:extLst>
               <a:ext uri="{FF2B5EF4-FFF2-40B4-BE49-F238E27FC236}">
-                <a16:creationId xmlns:a16="http://schemas.microsoft.com/office/drawing/2014/main" xmlns="" id="{CF38A5A1-070F-43C9-B2D5-C557B0D72B9C}"/>
+                <a16:creationId xmlns="" xmlns:a16="http://schemas.microsoft.com/office/drawing/2014/main" id="{CF38A5A1-070F-43C9-B2D5-C557B0D72B9C}"/>
               </a:ext>
             </a:extLst>
           </p:cNvPr>
@@ -5465,7 +5929,7 @@
           <p:cNvPr id="18" name="Rectangle 17">
             <a:extLst>
               <a:ext uri="{FF2B5EF4-FFF2-40B4-BE49-F238E27FC236}">
-                <a16:creationId xmlns:a16="http://schemas.microsoft.com/office/drawing/2014/main" xmlns="" id="{6EDCBFD0-7AE5-4346-AD3A-01F956626091}"/>
+                <a16:creationId xmlns="" xmlns:a16="http://schemas.microsoft.com/office/drawing/2014/main" id="{6EDCBFD0-7AE5-4346-AD3A-01F956626091}"/>
               </a:ext>
             </a:extLst>
           </p:cNvPr>
@@ -5791,7 +6255,7 @@
           <p:cNvPr id="2" name="Title 1">
             <a:extLst>
               <a:ext uri="{FF2B5EF4-FFF2-40B4-BE49-F238E27FC236}">
-                <a16:creationId xmlns:a16="http://schemas.microsoft.com/office/drawing/2014/main" xmlns="" id="{A41F4A2F-9480-4E94-806C-5D65C71DFB9F}"/>
+                <a16:creationId xmlns="" xmlns:a16="http://schemas.microsoft.com/office/drawing/2014/main" id="{A41F4A2F-9480-4E94-806C-5D65C71DFB9F}"/>
               </a:ext>
             </a:extLst>
           </p:cNvPr>
@@ -5830,7 +6294,7 @@
           <p:cNvPr id="17" name="Rectangle 16">
             <a:extLst>
               <a:ext uri="{FF2B5EF4-FFF2-40B4-BE49-F238E27FC236}">
-                <a16:creationId xmlns:a16="http://schemas.microsoft.com/office/drawing/2014/main" xmlns="" id="{CC3A4379-5E89-42FE-AA5C-BEA0CDFCDD6F}"/>
+                <a16:creationId xmlns="" xmlns:a16="http://schemas.microsoft.com/office/drawing/2014/main" id="{CC3A4379-5E89-42FE-AA5C-BEA0CDFCDD6F}"/>
               </a:ext>
             </a:extLst>
           </p:cNvPr>
@@ -6173,7 +6637,7 @@
           <p:cNvPr id="5" name="Footer Placeholder 4">
             <a:extLst>
               <a:ext uri="{FF2B5EF4-FFF2-40B4-BE49-F238E27FC236}">
-                <a16:creationId xmlns:a16="http://schemas.microsoft.com/office/drawing/2014/main" xmlns="" id="{750DA028-023B-4883-9A48-70FD7A2E5226}"/>
+                <a16:creationId xmlns="" xmlns:a16="http://schemas.microsoft.com/office/drawing/2014/main" id="{750DA028-023B-4883-9A48-70FD7A2E5226}"/>
               </a:ext>
             </a:extLst>
           </p:cNvPr>
@@ -6201,7 +6665,7 @@
           <p:cNvPr id="13" name="Rectangle 12">
             <a:extLst>
               <a:ext uri="{FF2B5EF4-FFF2-40B4-BE49-F238E27FC236}">
-                <a16:creationId xmlns:a16="http://schemas.microsoft.com/office/drawing/2014/main" xmlns="" id="{7EA625CC-388D-4655-BFA6-2CC4FD9E889D}"/>
+                <a16:creationId xmlns="" xmlns:a16="http://schemas.microsoft.com/office/drawing/2014/main" id="{7EA625CC-388D-4655-BFA6-2CC4FD9E889D}"/>
               </a:ext>
             </a:extLst>
           </p:cNvPr>
@@ -6527,7 +6991,7 @@
           <p:cNvPr id="6" name="Slide Number Placeholder 5">
             <a:extLst>
               <a:ext uri="{FF2B5EF4-FFF2-40B4-BE49-F238E27FC236}">
-                <a16:creationId xmlns:a16="http://schemas.microsoft.com/office/drawing/2014/main" xmlns="" id="{492AA6DE-6D7A-4135-8B9F-99A91527F21D}"/>
+                <a16:creationId xmlns="" xmlns:a16="http://schemas.microsoft.com/office/drawing/2014/main" id="{492AA6DE-6D7A-4135-8B9F-99A91527F21D}"/>
               </a:ext>
             </a:extLst>
           </p:cNvPr>
@@ -6557,7 +7021,7 @@
           <p:cNvPr id="14" name="Text Placeholder 4">
             <a:extLst>
               <a:ext uri="{FF2B5EF4-FFF2-40B4-BE49-F238E27FC236}">
-                <a16:creationId xmlns:a16="http://schemas.microsoft.com/office/drawing/2014/main" xmlns="" id="{17A78D63-E00C-4155-A5B2-B3431A09ACB4}"/>
+                <a16:creationId xmlns="" xmlns:a16="http://schemas.microsoft.com/office/drawing/2014/main" id="{17A78D63-E00C-4155-A5B2-B3431A09ACB4}"/>
               </a:ext>
             </a:extLst>
           </p:cNvPr>
@@ -6606,7 +7070,7 @@
           <p:cNvPr id="16" name="Content Placeholder 5">
             <a:extLst>
               <a:ext uri="{FF2B5EF4-FFF2-40B4-BE49-F238E27FC236}">
-                <a16:creationId xmlns:a16="http://schemas.microsoft.com/office/drawing/2014/main" xmlns="" id="{12AF2780-75D3-4992-93BC-8EA50C648A8E}"/>
+                <a16:creationId xmlns="" xmlns:a16="http://schemas.microsoft.com/office/drawing/2014/main" id="{12AF2780-75D3-4992-93BC-8EA50C648A8E}"/>
               </a:ext>
             </a:extLst>
           </p:cNvPr>
@@ -6687,7 +7151,7 @@
           <p:cNvPr id="19" name="Content Placeholder 3">
             <a:extLst>
               <a:ext uri="{FF2B5EF4-FFF2-40B4-BE49-F238E27FC236}">
-                <a16:creationId xmlns:a16="http://schemas.microsoft.com/office/drawing/2014/main" xmlns="" id="{EAAE1C5B-7233-4F49-895F-7566CEB6D819}"/>
+                <a16:creationId xmlns="" xmlns:a16="http://schemas.microsoft.com/office/drawing/2014/main" id="{EAAE1C5B-7233-4F49-895F-7566CEB6D819}"/>
               </a:ext>
             </a:extLst>
           </p:cNvPr>
@@ -6797,7 +7261,7 @@
           <p:cNvPr id="18" name="Rectangle 17">
             <a:extLst>
               <a:ext uri="{FF2B5EF4-FFF2-40B4-BE49-F238E27FC236}">
-                <a16:creationId xmlns:a16="http://schemas.microsoft.com/office/drawing/2014/main" xmlns="" id="{6EDCBFD0-7AE5-4346-AD3A-01F956626091}"/>
+                <a16:creationId xmlns="" xmlns:a16="http://schemas.microsoft.com/office/drawing/2014/main" id="{6EDCBFD0-7AE5-4346-AD3A-01F956626091}"/>
               </a:ext>
             </a:extLst>
           </p:cNvPr>
@@ -7123,7 +7587,7 @@
           <p:cNvPr id="2" name="Title 1">
             <a:extLst>
               <a:ext uri="{FF2B5EF4-FFF2-40B4-BE49-F238E27FC236}">
-                <a16:creationId xmlns:a16="http://schemas.microsoft.com/office/drawing/2014/main" xmlns="" id="{A41F4A2F-9480-4E94-806C-5D65C71DFB9F}"/>
+                <a16:creationId xmlns="" xmlns:a16="http://schemas.microsoft.com/office/drawing/2014/main" id="{A41F4A2F-9480-4E94-806C-5D65C71DFB9F}"/>
               </a:ext>
             </a:extLst>
           </p:cNvPr>
@@ -7162,7 +7626,7 @@
           <p:cNvPr id="17" name="Rectangle 16">
             <a:extLst>
               <a:ext uri="{FF2B5EF4-FFF2-40B4-BE49-F238E27FC236}">
-                <a16:creationId xmlns:a16="http://schemas.microsoft.com/office/drawing/2014/main" xmlns="" id="{CC3A4379-5E89-42FE-AA5C-BEA0CDFCDD6F}"/>
+                <a16:creationId xmlns="" xmlns:a16="http://schemas.microsoft.com/office/drawing/2014/main" id="{CC3A4379-5E89-42FE-AA5C-BEA0CDFCDD6F}"/>
               </a:ext>
             </a:extLst>
           </p:cNvPr>
@@ -7505,7 +7969,7 @@
           <p:cNvPr id="5" name="Footer Placeholder 4">
             <a:extLst>
               <a:ext uri="{FF2B5EF4-FFF2-40B4-BE49-F238E27FC236}">
-                <a16:creationId xmlns:a16="http://schemas.microsoft.com/office/drawing/2014/main" xmlns="" id="{750DA028-023B-4883-9A48-70FD7A2E5226}"/>
+                <a16:creationId xmlns="" xmlns:a16="http://schemas.microsoft.com/office/drawing/2014/main" id="{750DA028-023B-4883-9A48-70FD7A2E5226}"/>
               </a:ext>
             </a:extLst>
           </p:cNvPr>
@@ -7533,7 +7997,7 @@
           <p:cNvPr id="13" name="Rectangle 12">
             <a:extLst>
               <a:ext uri="{FF2B5EF4-FFF2-40B4-BE49-F238E27FC236}">
-                <a16:creationId xmlns:a16="http://schemas.microsoft.com/office/drawing/2014/main" xmlns="" id="{7EA625CC-388D-4655-BFA6-2CC4FD9E889D}"/>
+                <a16:creationId xmlns="" xmlns:a16="http://schemas.microsoft.com/office/drawing/2014/main" id="{7EA625CC-388D-4655-BFA6-2CC4FD9E889D}"/>
               </a:ext>
             </a:extLst>
           </p:cNvPr>
@@ -7859,7 +8323,7 @@
           <p:cNvPr id="6" name="Slide Number Placeholder 5">
             <a:extLst>
               <a:ext uri="{FF2B5EF4-FFF2-40B4-BE49-F238E27FC236}">
-                <a16:creationId xmlns:a16="http://schemas.microsoft.com/office/drawing/2014/main" xmlns="" id="{492AA6DE-6D7A-4135-8B9F-99A91527F21D}"/>
+                <a16:creationId xmlns="" xmlns:a16="http://schemas.microsoft.com/office/drawing/2014/main" id="{492AA6DE-6D7A-4135-8B9F-99A91527F21D}"/>
               </a:ext>
             </a:extLst>
           </p:cNvPr>
@@ -7889,7 +8353,7 @@
           <p:cNvPr id="16" name="Content Placeholder 2">
             <a:extLst>
               <a:ext uri="{FF2B5EF4-FFF2-40B4-BE49-F238E27FC236}">
-                <a16:creationId xmlns:a16="http://schemas.microsoft.com/office/drawing/2014/main" xmlns="" id="{E20B4D13-5F10-4886-AF0F-09B6ABB5C3BF}"/>
+                <a16:creationId xmlns="" xmlns:a16="http://schemas.microsoft.com/office/drawing/2014/main" id="{E20B4D13-5F10-4886-AF0F-09B6ABB5C3BF}"/>
               </a:ext>
             </a:extLst>
           </p:cNvPr>
@@ -7990,7 +8454,7 @@
           <p:cNvPr id="19" name="Content Placeholder 3">
             <a:extLst>
               <a:ext uri="{FF2B5EF4-FFF2-40B4-BE49-F238E27FC236}">
-                <a16:creationId xmlns:a16="http://schemas.microsoft.com/office/drawing/2014/main" xmlns="" id="{EE7BCAD4-8DB6-482F-8DC0-F6D653F92219}"/>
+                <a16:creationId xmlns="" xmlns:a16="http://schemas.microsoft.com/office/drawing/2014/main" id="{EE7BCAD4-8DB6-482F-8DC0-F6D653F92219}"/>
               </a:ext>
             </a:extLst>
           </p:cNvPr>
@@ -8121,7 +8585,7 @@
           <p:cNvPr id="14" name="Rectangle 13">
             <a:extLst>
               <a:ext uri="{FF2B5EF4-FFF2-40B4-BE49-F238E27FC236}">
-                <a16:creationId xmlns:a16="http://schemas.microsoft.com/office/drawing/2014/main" xmlns="" id="{115BFBAA-B5F1-4F95-8C05-5E30A7076BD7}"/>
+                <a16:creationId xmlns="" xmlns:a16="http://schemas.microsoft.com/office/drawing/2014/main" id="{115BFBAA-B5F1-4F95-8C05-5E30A7076BD7}"/>
               </a:ext>
             </a:extLst>
           </p:cNvPr>
@@ -8464,7 +8928,7 @@
           <p:cNvPr id="8" name="Footer Placeholder 7">
             <a:extLst>
               <a:ext uri="{FF2B5EF4-FFF2-40B4-BE49-F238E27FC236}">
-                <a16:creationId xmlns:a16="http://schemas.microsoft.com/office/drawing/2014/main" xmlns="" id="{9B7F3105-8D8F-4FF3-9A7F-0F067BB810A1}"/>
+                <a16:creationId xmlns="" xmlns:a16="http://schemas.microsoft.com/office/drawing/2014/main" id="{9B7F3105-8D8F-4FF3-9A7F-0F067BB810A1}"/>
               </a:ext>
             </a:extLst>
           </p:cNvPr>
@@ -8492,7 +8956,7 @@
           <p:cNvPr id="9" name="Slide Number Placeholder 8">
             <a:extLst>
               <a:ext uri="{FF2B5EF4-FFF2-40B4-BE49-F238E27FC236}">
-                <a16:creationId xmlns:a16="http://schemas.microsoft.com/office/drawing/2014/main" xmlns="" id="{BD117255-8347-4647-9EA2-7ED06A73C1A2}"/>
+                <a16:creationId xmlns="" xmlns:a16="http://schemas.microsoft.com/office/drawing/2014/main" id="{BD117255-8347-4647-9EA2-7ED06A73C1A2}"/>
               </a:ext>
             </a:extLst>
           </p:cNvPr>
@@ -8522,7 +8986,7 @@
           <p:cNvPr id="11" name="Content Placeholder 2">
             <a:extLst>
               <a:ext uri="{FF2B5EF4-FFF2-40B4-BE49-F238E27FC236}">
-                <a16:creationId xmlns:a16="http://schemas.microsoft.com/office/drawing/2014/main" xmlns="" id="{9F3E8482-B43D-4B69-8645-6B735F91B920}"/>
+                <a16:creationId xmlns="" xmlns:a16="http://schemas.microsoft.com/office/drawing/2014/main" id="{9F3E8482-B43D-4B69-8645-6B735F91B920}"/>
               </a:ext>
             </a:extLst>
           </p:cNvPr>
@@ -8615,7 +9079,7 @@
           <p:cNvPr id="15" name="Rectangle 14">
             <a:extLst>
               <a:ext uri="{FF2B5EF4-FFF2-40B4-BE49-F238E27FC236}">
-                <a16:creationId xmlns:a16="http://schemas.microsoft.com/office/drawing/2014/main" xmlns="" id="{D9BC9CBF-CF7B-4E39-9FD1-961882EC596A}"/>
+                <a16:creationId xmlns="" xmlns:a16="http://schemas.microsoft.com/office/drawing/2014/main" id="{D9BC9CBF-CF7B-4E39-9FD1-961882EC596A}"/>
               </a:ext>
             </a:extLst>
           </p:cNvPr>
@@ -8667,7 +9131,7 @@
           <p:cNvPr id="16" name="Group 15">
             <a:extLst>
               <a:ext uri="{FF2B5EF4-FFF2-40B4-BE49-F238E27FC236}">
-                <a16:creationId xmlns:a16="http://schemas.microsoft.com/office/drawing/2014/main" xmlns="" id="{97A3D921-B9D5-42DC-9037-298968D94C95}"/>
+                <a16:creationId xmlns="" xmlns:a16="http://schemas.microsoft.com/office/drawing/2014/main" id="{97A3D921-B9D5-42DC-9037-298968D94C95}"/>
               </a:ext>
             </a:extLst>
           </p:cNvPr>
@@ -8687,7 +9151,7 @@
             <p:cNvPr id="18" name="Rectangle 17">
               <a:extLst>
                 <a:ext uri="{FF2B5EF4-FFF2-40B4-BE49-F238E27FC236}">
-                  <a16:creationId xmlns:a16="http://schemas.microsoft.com/office/drawing/2014/main" xmlns="" id="{6A62F937-16D4-4A6C-B247-D0A62BC6560D}"/>
+                  <a16:creationId xmlns="" xmlns:a16="http://schemas.microsoft.com/office/drawing/2014/main" id="{6A62F937-16D4-4A6C-B247-D0A62BC6560D}"/>
                 </a:ext>
               </a:extLst>
             </p:cNvPr>
@@ -8739,7 +9203,7 @@
             <p:cNvPr id="19" name="Rectangle 18">
               <a:extLst>
                 <a:ext uri="{FF2B5EF4-FFF2-40B4-BE49-F238E27FC236}">
-                  <a16:creationId xmlns:a16="http://schemas.microsoft.com/office/drawing/2014/main" xmlns="" id="{B9335681-5A6F-48BE-8160-2000D0F242FB}"/>
+                  <a16:creationId xmlns="" xmlns:a16="http://schemas.microsoft.com/office/drawing/2014/main" id="{B9335681-5A6F-48BE-8160-2000D0F242FB}"/>
                 </a:ext>
               </a:extLst>
             </p:cNvPr>
@@ -8792,7 +9256,7 @@
           <p:cNvPr id="4" name="Text Placeholder 3">
             <a:extLst>
               <a:ext uri="{FF2B5EF4-FFF2-40B4-BE49-F238E27FC236}">
-                <a16:creationId xmlns:a16="http://schemas.microsoft.com/office/drawing/2014/main" xmlns="" id="{F41E2B8D-1C12-403F-BE59-ECC565466CB0}"/>
+                <a16:creationId xmlns="" xmlns:a16="http://schemas.microsoft.com/office/drawing/2014/main" id="{F41E2B8D-1C12-403F-BE59-ECC565466CB0}"/>
               </a:ext>
             </a:extLst>
           </p:cNvPr>
@@ -8870,7 +9334,7 @@
           <p:cNvPr id="2" name="Title 1">
             <a:extLst>
               <a:ext uri="{FF2B5EF4-FFF2-40B4-BE49-F238E27FC236}">
-                <a16:creationId xmlns:a16="http://schemas.microsoft.com/office/drawing/2014/main" xmlns="" id="{9AF0F519-65FC-434F-8F2F-F778A20A82ED}"/>
+                <a16:creationId xmlns="" xmlns:a16="http://schemas.microsoft.com/office/drawing/2014/main" id="{9AF0F519-65FC-434F-8F2F-F778A20A82ED}"/>
               </a:ext>
             </a:extLst>
           </p:cNvPr>
@@ -8913,7 +9377,7 @@
           <p:cNvPr id="13" name="Rectangle 12" hidden="1">
             <a:extLst>
               <a:ext uri="{FF2B5EF4-FFF2-40B4-BE49-F238E27FC236}">
-                <a16:creationId xmlns:a16="http://schemas.microsoft.com/office/drawing/2014/main" xmlns="" id="{116E8B30-475D-4275-8DC2-14C98F2F9B76}"/>
+                <a16:creationId xmlns="" xmlns:a16="http://schemas.microsoft.com/office/drawing/2014/main" id="{116E8B30-475D-4275-8DC2-14C98F2F9B76}"/>
               </a:ext>
             </a:extLst>
           </p:cNvPr>
@@ -9286,7 +9750,7 @@
           <p:cNvPr id="8" name="Slide Number Placeholder 5">
             <a:extLst>
               <a:ext uri="{FF2B5EF4-FFF2-40B4-BE49-F238E27FC236}">
-                <a16:creationId xmlns:a16="http://schemas.microsoft.com/office/drawing/2014/main" xmlns="" id="{F6B8E8FD-E25A-4462-9917-754D6C619C75}"/>
+                <a16:creationId xmlns="" xmlns:a16="http://schemas.microsoft.com/office/drawing/2014/main" id="{F6B8E8FD-E25A-4462-9917-754D6C619C75}"/>
               </a:ext>
             </a:extLst>
           </p:cNvPr>
@@ -9424,7 +9888,7 @@
           <p:cNvPr id="6" name="Footer Placeholder 5">
             <a:extLst>
               <a:ext uri="{FF2B5EF4-FFF2-40B4-BE49-F238E27FC236}">
-                <a16:creationId xmlns:a16="http://schemas.microsoft.com/office/drawing/2014/main" xmlns="" id="{11752D6C-9D51-45A1-A6B7-B21DC9A94A43}"/>
+                <a16:creationId xmlns="" xmlns:a16="http://schemas.microsoft.com/office/drawing/2014/main" id="{11752D6C-9D51-45A1-A6B7-B21DC9A94A43}"/>
               </a:ext>
             </a:extLst>
           </p:cNvPr>
@@ -9452,7 +9916,7 @@
           <p:cNvPr id="11" name="Rectangle 10" descr="Open square accent block">
             <a:extLst>
               <a:ext uri="{FF2B5EF4-FFF2-40B4-BE49-F238E27FC236}">
-                <a16:creationId xmlns:a16="http://schemas.microsoft.com/office/drawing/2014/main" xmlns="" id="{217FA8D4-1D05-4DF4-AA9D-364B6979733D}"/>
+                <a16:creationId xmlns="" xmlns:a16="http://schemas.microsoft.com/office/drawing/2014/main" id="{217FA8D4-1D05-4DF4-AA9D-364B6979733D}"/>
               </a:ext>
             </a:extLst>
           </p:cNvPr>
@@ -9504,7 +9968,7 @@
           <p:cNvPr id="12" name="Rectangle 11">
             <a:extLst>
               <a:ext uri="{FF2B5EF4-FFF2-40B4-BE49-F238E27FC236}">
-                <a16:creationId xmlns:a16="http://schemas.microsoft.com/office/drawing/2014/main" xmlns="" id="{779B1017-F981-4D2D-A14B-A857FC304F54}"/>
+                <a16:creationId xmlns="" xmlns:a16="http://schemas.microsoft.com/office/drawing/2014/main" id="{779B1017-F981-4D2D-A14B-A857FC304F54}"/>
               </a:ext>
             </a:extLst>
           </p:cNvPr>
@@ -9847,7 +10311,7 @@
           <p:cNvPr id="10" name="Slide Number Placeholder 9">
             <a:extLst>
               <a:ext uri="{FF2B5EF4-FFF2-40B4-BE49-F238E27FC236}">
-                <a16:creationId xmlns:a16="http://schemas.microsoft.com/office/drawing/2014/main" xmlns="" id="{9DD85E79-8DB4-4D93-979C-171105321B3E}"/>
+                <a16:creationId xmlns="" xmlns:a16="http://schemas.microsoft.com/office/drawing/2014/main" id="{9DD85E79-8DB4-4D93-979C-171105321B3E}"/>
               </a:ext>
             </a:extLst>
           </p:cNvPr>
@@ -9877,7 +10341,7 @@
           <p:cNvPr id="2" name="Rectangle 1">
             <a:extLst>
               <a:ext uri="{FF2B5EF4-FFF2-40B4-BE49-F238E27FC236}">
-                <a16:creationId xmlns:a16="http://schemas.microsoft.com/office/drawing/2014/main" xmlns="" id="{774F1136-B1CD-4171-BB47-0281C1974B22}"/>
+                <a16:creationId xmlns="" xmlns:a16="http://schemas.microsoft.com/office/drawing/2014/main" id="{774F1136-B1CD-4171-BB47-0281C1974B22}"/>
               </a:ext>
             </a:extLst>
           </p:cNvPr>
@@ -9929,7 +10393,7 @@
           <p:cNvPr id="3" name="Title 2">
             <a:extLst>
               <a:ext uri="{FF2B5EF4-FFF2-40B4-BE49-F238E27FC236}">
-                <a16:creationId xmlns:a16="http://schemas.microsoft.com/office/drawing/2014/main" xmlns="" id="{389ADD4C-B26C-41B3-B492-DC9D032ACC44}"/>
+                <a16:creationId xmlns="" xmlns:a16="http://schemas.microsoft.com/office/drawing/2014/main" id="{389ADD4C-B26C-41B3-B492-DC9D032ACC44}"/>
               </a:ext>
             </a:extLst>
           </p:cNvPr>
@@ -9987,7 +10451,7 @@
           <p:cNvPr id="6" name="Slide Number Placeholder 5">
             <a:extLst>
               <a:ext uri="{FF2B5EF4-FFF2-40B4-BE49-F238E27FC236}">
-                <a16:creationId xmlns:a16="http://schemas.microsoft.com/office/drawing/2014/main" xmlns="" id="{6504862A-62CA-4399-88B0-181961E0F691}"/>
+                <a16:creationId xmlns="" xmlns:a16="http://schemas.microsoft.com/office/drawing/2014/main" id="{6504862A-62CA-4399-88B0-181961E0F691}"/>
               </a:ext>
             </a:extLst>
           </p:cNvPr>
@@ -10125,7 +10589,7 @@
           <p:cNvPr id="7" name="Footer Placeholder 6">
             <a:extLst>
               <a:ext uri="{FF2B5EF4-FFF2-40B4-BE49-F238E27FC236}">
-                <a16:creationId xmlns:a16="http://schemas.microsoft.com/office/drawing/2014/main" xmlns="" id="{A902D481-2888-4133-AD94-7700AA117DFE}"/>
+                <a16:creationId xmlns="" xmlns:a16="http://schemas.microsoft.com/office/drawing/2014/main" id="{A902D481-2888-4133-AD94-7700AA117DFE}"/>
               </a:ext>
             </a:extLst>
           </p:cNvPr>
@@ -10153,7 +10617,7 @@
           <p:cNvPr id="8" name="Slide Number Placeholder 7">
             <a:extLst>
               <a:ext uri="{FF2B5EF4-FFF2-40B4-BE49-F238E27FC236}">
-                <a16:creationId xmlns:a16="http://schemas.microsoft.com/office/drawing/2014/main" xmlns="" id="{D2B113A8-E04C-44C2-962F-5FFA40FB7866}"/>
+                <a16:creationId xmlns="" xmlns:a16="http://schemas.microsoft.com/office/drawing/2014/main" id="{D2B113A8-E04C-44C2-962F-5FFA40FB7866}"/>
               </a:ext>
             </a:extLst>
           </p:cNvPr>
@@ -10213,7 +10677,7 @@
           <p:cNvPr id="7" name="Title 1">
             <a:extLst>
               <a:ext uri="{FF2B5EF4-FFF2-40B4-BE49-F238E27FC236}">
-                <a16:creationId xmlns:a16="http://schemas.microsoft.com/office/drawing/2014/main" xmlns="" id="{B44C8ED9-0534-4EC5-8080-49DFF65B3B51}"/>
+                <a16:creationId xmlns="" xmlns:a16="http://schemas.microsoft.com/office/drawing/2014/main" id="{B44C8ED9-0534-4EC5-8080-49DFF65B3B51}"/>
               </a:ext>
             </a:extLst>
           </p:cNvPr>
@@ -10257,7 +10721,7 @@
           <p:cNvPr id="8" name="Slide Number Placeholder 5">
             <a:extLst>
               <a:ext uri="{FF2B5EF4-FFF2-40B4-BE49-F238E27FC236}">
-                <a16:creationId xmlns:a16="http://schemas.microsoft.com/office/drawing/2014/main" xmlns="" id="{F6B8E8FD-E25A-4462-9917-754D6C619C75}"/>
+                <a16:creationId xmlns="" xmlns:a16="http://schemas.microsoft.com/office/drawing/2014/main" id="{F6B8E8FD-E25A-4462-9917-754D6C619C75}"/>
               </a:ext>
             </a:extLst>
           </p:cNvPr>
@@ -10395,7 +10859,7 @@
           <p:cNvPr id="6" name="Footer Placeholder 5">
             <a:extLst>
               <a:ext uri="{FF2B5EF4-FFF2-40B4-BE49-F238E27FC236}">
-                <a16:creationId xmlns:a16="http://schemas.microsoft.com/office/drawing/2014/main" xmlns="" id="{11752D6C-9D51-45A1-A6B7-B21DC9A94A43}"/>
+                <a16:creationId xmlns="" xmlns:a16="http://schemas.microsoft.com/office/drawing/2014/main" id="{11752D6C-9D51-45A1-A6B7-B21DC9A94A43}"/>
               </a:ext>
             </a:extLst>
           </p:cNvPr>
@@ -10423,7 +10887,7 @@
           <p:cNvPr id="11" name="Rectangle 10" descr="Open square accent block">
             <a:extLst>
               <a:ext uri="{FF2B5EF4-FFF2-40B4-BE49-F238E27FC236}">
-                <a16:creationId xmlns:a16="http://schemas.microsoft.com/office/drawing/2014/main" xmlns="" id="{217FA8D4-1D05-4DF4-AA9D-364B6979733D}"/>
+                <a16:creationId xmlns="" xmlns:a16="http://schemas.microsoft.com/office/drawing/2014/main" id="{217FA8D4-1D05-4DF4-AA9D-364B6979733D}"/>
               </a:ext>
             </a:extLst>
           </p:cNvPr>
@@ -10475,7 +10939,7 @@
           <p:cNvPr id="12" name="Rectangle 11">
             <a:extLst>
               <a:ext uri="{FF2B5EF4-FFF2-40B4-BE49-F238E27FC236}">
-                <a16:creationId xmlns:a16="http://schemas.microsoft.com/office/drawing/2014/main" xmlns="" id="{779B1017-F981-4D2D-A14B-A857FC304F54}"/>
+                <a16:creationId xmlns="" xmlns:a16="http://schemas.microsoft.com/office/drawing/2014/main" id="{779B1017-F981-4D2D-A14B-A857FC304F54}"/>
               </a:ext>
             </a:extLst>
           </p:cNvPr>
@@ -10818,7 +11282,7 @@
           <p:cNvPr id="10" name="Slide Number Placeholder 9">
             <a:extLst>
               <a:ext uri="{FF2B5EF4-FFF2-40B4-BE49-F238E27FC236}">
-                <a16:creationId xmlns:a16="http://schemas.microsoft.com/office/drawing/2014/main" xmlns="" id="{9DD85E79-8DB4-4D93-979C-171105321B3E}"/>
+                <a16:creationId xmlns="" xmlns:a16="http://schemas.microsoft.com/office/drawing/2014/main" id="{9DD85E79-8DB4-4D93-979C-171105321B3E}"/>
               </a:ext>
             </a:extLst>
           </p:cNvPr>
@@ -10848,7 +11312,7 @@
           <p:cNvPr id="13" name="Content Placeholder 2">
             <a:extLst>
               <a:ext uri="{FF2B5EF4-FFF2-40B4-BE49-F238E27FC236}">
-                <a16:creationId xmlns:a16="http://schemas.microsoft.com/office/drawing/2014/main" xmlns="" id="{B5B32411-640A-47B5-9A67-FED6430E9A73}"/>
+                <a16:creationId xmlns="" xmlns:a16="http://schemas.microsoft.com/office/drawing/2014/main" id="{B5B32411-640A-47B5-9A67-FED6430E9A73}"/>
               </a:ext>
             </a:extLst>
           </p:cNvPr>
@@ -10944,7 +11408,7 @@
           <p:cNvPr id="10" name="Picture Placeholder 13">
             <a:extLst>
               <a:ext uri="{FF2B5EF4-FFF2-40B4-BE49-F238E27FC236}">
-                <a16:creationId xmlns:a16="http://schemas.microsoft.com/office/drawing/2014/main" xmlns="" id="{FE1CFFBA-D756-4740-B375-252727F02D1E}"/>
+                <a16:creationId xmlns="" xmlns:a16="http://schemas.microsoft.com/office/drawing/2014/main" id="{FE1CFFBA-D756-4740-B375-252727F02D1E}"/>
               </a:ext>
             </a:extLst>
           </p:cNvPr>
@@ -10983,7 +11447,7 @@
           <p:cNvPr id="2" name="Title 1">
             <a:extLst>
               <a:ext uri="{FF2B5EF4-FFF2-40B4-BE49-F238E27FC236}">
-                <a16:creationId xmlns:a16="http://schemas.microsoft.com/office/drawing/2014/main" xmlns="" id="{B42DCA22-1DF2-42CB-8741-F0CE575EAFE9}"/>
+                <a16:creationId xmlns="" xmlns:a16="http://schemas.microsoft.com/office/drawing/2014/main" id="{B42DCA22-1DF2-42CB-8741-F0CE575EAFE9}"/>
               </a:ext>
             </a:extLst>
           </p:cNvPr>
@@ -11028,7 +11492,7 @@
           <p:cNvPr id="3" name="Content Placeholder 2">
             <a:extLst>
               <a:ext uri="{FF2B5EF4-FFF2-40B4-BE49-F238E27FC236}">
-                <a16:creationId xmlns:a16="http://schemas.microsoft.com/office/drawing/2014/main" xmlns="" id="{ACDD89F3-6B87-4C54-83B9-A6481CB4FC3A}"/>
+                <a16:creationId xmlns="" xmlns:a16="http://schemas.microsoft.com/office/drawing/2014/main" id="{ACDD89F3-6B87-4C54-83B9-A6481CB4FC3A}"/>
               </a:ext>
             </a:extLst>
           </p:cNvPr>
@@ -11091,7 +11555,7 @@
           <p:cNvPr id="11" name="Graphic 10">
             <a:extLst>
               <a:ext uri="{FF2B5EF4-FFF2-40B4-BE49-F238E27FC236}">
-                <a16:creationId xmlns:a16="http://schemas.microsoft.com/office/drawing/2014/main" xmlns="" id="{479D679C-E90D-4916-BCE6-71C32B831ECF}"/>
+                <a16:creationId xmlns="" xmlns:a16="http://schemas.microsoft.com/office/drawing/2014/main" id="{479D679C-E90D-4916-BCE6-71C32B831ECF}"/>
               </a:ext>
             </a:extLst>
           </p:cNvPr>
@@ -11104,7 +11568,7 @@
           <a:blip r:embed="rId2">
             <a:extLst>
               <a:ext uri="{96DAC541-7B7A-43D3-8B79-37D633B846F1}">
-                <asvg:svgBlip xmlns:asvg="http://schemas.microsoft.com/office/drawing/2016/SVG/main" xmlns="" r:embed="rId3"/>
+                <asvg:svgBlip xmlns="" xmlns:asvg="http://schemas.microsoft.com/office/drawing/2016/SVG/main" r:embed="rId3"/>
               </a:ext>
             </a:extLst>
           </a:blip>
@@ -11127,7 +11591,7 @@
           <p:cNvPr id="6" name="Footer Placeholder 5">
             <a:extLst>
               <a:ext uri="{FF2B5EF4-FFF2-40B4-BE49-F238E27FC236}">
-                <a16:creationId xmlns:a16="http://schemas.microsoft.com/office/drawing/2014/main" xmlns="" id="{75107A3F-3DCD-44DD-AF42-32098DCC3A78}"/>
+                <a16:creationId xmlns="" xmlns:a16="http://schemas.microsoft.com/office/drawing/2014/main" id="{75107A3F-3DCD-44DD-AF42-32098DCC3A78}"/>
               </a:ext>
             </a:extLst>
           </p:cNvPr>
@@ -11155,7 +11619,7 @@
           <p:cNvPr id="7" name="Slide Number Placeholder 6">
             <a:extLst>
               <a:ext uri="{FF2B5EF4-FFF2-40B4-BE49-F238E27FC236}">
-                <a16:creationId xmlns:a16="http://schemas.microsoft.com/office/drawing/2014/main" xmlns="" id="{CE1DB279-F403-4D2A-8D1B-FB3C81796B48}"/>
+                <a16:creationId xmlns="" xmlns:a16="http://schemas.microsoft.com/office/drawing/2014/main" id="{CE1DB279-F403-4D2A-8D1B-FB3C81796B48}"/>
               </a:ext>
             </a:extLst>
           </p:cNvPr>
@@ -11231,7 +11695,7 @@
           <p:cNvPr id="10" name="Picture Placeholder 13">
             <a:extLst>
               <a:ext uri="{FF2B5EF4-FFF2-40B4-BE49-F238E27FC236}">
-                <a16:creationId xmlns:a16="http://schemas.microsoft.com/office/drawing/2014/main" xmlns="" id="{FE1CFFBA-D756-4740-B375-252727F02D1E}"/>
+                <a16:creationId xmlns="" xmlns:a16="http://schemas.microsoft.com/office/drawing/2014/main" id="{FE1CFFBA-D756-4740-B375-252727F02D1E}"/>
               </a:ext>
             </a:extLst>
           </p:cNvPr>
@@ -11270,7 +11734,7 @@
           <p:cNvPr id="12" name="Group 11">
             <a:extLst>
               <a:ext uri="{FF2B5EF4-FFF2-40B4-BE49-F238E27FC236}">
-                <a16:creationId xmlns:a16="http://schemas.microsoft.com/office/drawing/2014/main" xmlns="" id="{99325050-38BE-4AB2-B450-8DC9C0EDD386}"/>
+                <a16:creationId xmlns="" xmlns:a16="http://schemas.microsoft.com/office/drawing/2014/main" id="{99325050-38BE-4AB2-B450-8DC9C0EDD386}"/>
               </a:ext>
             </a:extLst>
           </p:cNvPr>
@@ -11290,7 +11754,7 @@
             <p:cNvPr id="13" name="Rectangle 12">
               <a:extLst>
                 <a:ext uri="{FF2B5EF4-FFF2-40B4-BE49-F238E27FC236}">
-                  <a16:creationId xmlns:a16="http://schemas.microsoft.com/office/drawing/2014/main" xmlns="" id="{3D68A4CE-A5FD-4656-82E1-43D586CC441E}"/>
+                  <a16:creationId xmlns="" xmlns:a16="http://schemas.microsoft.com/office/drawing/2014/main" id="{3D68A4CE-A5FD-4656-82E1-43D586CC441E}"/>
                 </a:ext>
               </a:extLst>
             </p:cNvPr>
@@ -11633,7 +12097,7 @@
             <p:cNvPr id="15" name="Graphic 14">
               <a:extLst>
                 <a:ext uri="{FF2B5EF4-FFF2-40B4-BE49-F238E27FC236}">
-                  <a16:creationId xmlns:a16="http://schemas.microsoft.com/office/drawing/2014/main" xmlns="" id="{E66B1E37-8CEC-44ED-A239-C755B72AC616}"/>
+                  <a16:creationId xmlns="" xmlns:a16="http://schemas.microsoft.com/office/drawing/2014/main" id="{E66B1E37-8CEC-44ED-A239-C755B72AC616}"/>
                 </a:ext>
               </a:extLst>
             </p:cNvPr>
@@ -11646,7 +12110,7 @@
             <a:blip r:embed="rId2">
               <a:extLst>
                 <a:ext uri="{96DAC541-7B7A-43D3-8B79-37D633B846F1}">
-                  <asvg:svgBlip xmlns:asvg="http://schemas.microsoft.com/office/drawing/2016/SVG/main" xmlns="" r:embed="rId3"/>
+                  <asvg:svgBlip xmlns="" xmlns:asvg="http://schemas.microsoft.com/office/drawing/2016/SVG/main" r:embed="rId3"/>
                 </a:ext>
               </a:extLst>
             </a:blip>
@@ -11669,7 +12133,7 @@
             <p:cNvPr id="14" name="Rectangle 13">
               <a:extLst>
                 <a:ext uri="{FF2B5EF4-FFF2-40B4-BE49-F238E27FC236}">
-                  <a16:creationId xmlns:a16="http://schemas.microsoft.com/office/drawing/2014/main" xmlns="" id="{B7E28405-97F5-4E03-86F1-FAE2FEA6CFF8}"/>
+                  <a16:creationId xmlns="" xmlns:a16="http://schemas.microsoft.com/office/drawing/2014/main" id="{B7E28405-97F5-4E03-86F1-FAE2FEA6CFF8}"/>
                 </a:ext>
               </a:extLst>
             </p:cNvPr>
@@ -11996,7 +12460,7 @@
           <p:cNvPr id="16" name="Title 1">
             <a:extLst>
               <a:ext uri="{FF2B5EF4-FFF2-40B4-BE49-F238E27FC236}">
-                <a16:creationId xmlns:a16="http://schemas.microsoft.com/office/drawing/2014/main" xmlns="" id="{719FCC9B-E3B8-49CF-BD22-D553FFAAE5D5}"/>
+                <a16:creationId xmlns="" xmlns:a16="http://schemas.microsoft.com/office/drawing/2014/main" id="{719FCC9B-E3B8-49CF-BD22-D553FFAAE5D5}"/>
               </a:ext>
             </a:extLst>
           </p:cNvPr>
@@ -12041,7 +12505,7 @@
           <p:cNvPr id="17" name="Text Placeholder 2">
             <a:extLst>
               <a:ext uri="{FF2B5EF4-FFF2-40B4-BE49-F238E27FC236}">
-                <a16:creationId xmlns:a16="http://schemas.microsoft.com/office/drawing/2014/main" xmlns="" id="{4F21EA87-CE67-4A1E-B2E0-513F775C76A7}"/>
+                <a16:creationId xmlns="" xmlns:a16="http://schemas.microsoft.com/office/drawing/2014/main" id="{4F21EA87-CE67-4A1E-B2E0-513F775C76A7}"/>
               </a:ext>
             </a:extLst>
           </p:cNvPr>
@@ -12167,7 +12631,7 @@
           <p:cNvPr id="2" name="Footer Placeholder 1">
             <a:extLst>
               <a:ext uri="{FF2B5EF4-FFF2-40B4-BE49-F238E27FC236}">
-                <a16:creationId xmlns:a16="http://schemas.microsoft.com/office/drawing/2014/main" xmlns="" id="{1A26DCC3-B99B-481C-AC63-F17D5215DCC8}"/>
+                <a16:creationId xmlns="" xmlns:a16="http://schemas.microsoft.com/office/drawing/2014/main" id="{1A26DCC3-B99B-481C-AC63-F17D5215DCC8}"/>
               </a:ext>
             </a:extLst>
           </p:cNvPr>
@@ -12195,7 +12659,7 @@
           <p:cNvPr id="3" name="Slide Number Placeholder 2">
             <a:extLst>
               <a:ext uri="{FF2B5EF4-FFF2-40B4-BE49-F238E27FC236}">
-                <a16:creationId xmlns:a16="http://schemas.microsoft.com/office/drawing/2014/main" xmlns="" id="{40D24A36-5F75-40A5-8DA4-0364F4492FC6}"/>
+                <a16:creationId xmlns="" xmlns:a16="http://schemas.microsoft.com/office/drawing/2014/main" id="{40D24A36-5F75-40A5-8DA4-0364F4492FC6}"/>
               </a:ext>
             </a:extLst>
           </p:cNvPr>
@@ -12271,7 +12735,7 @@
           <p:cNvPr id="7" name="Picture Placeholder 13">
             <a:extLst>
               <a:ext uri="{FF2B5EF4-FFF2-40B4-BE49-F238E27FC236}">
-                <a16:creationId xmlns:a16="http://schemas.microsoft.com/office/drawing/2014/main" xmlns="" id="{B599FEC8-12D0-4EB5-8573-C891D56C84E0}"/>
+                <a16:creationId xmlns="" xmlns:a16="http://schemas.microsoft.com/office/drawing/2014/main" id="{B599FEC8-12D0-4EB5-8573-C891D56C84E0}"/>
               </a:ext>
             </a:extLst>
           </p:cNvPr>
@@ -12310,7 +12774,7 @@
           <p:cNvPr id="14" name="Group 13">
             <a:extLst>
               <a:ext uri="{FF2B5EF4-FFF2-40B4-BE49-F238E27FC236}">
-                <a16:creationId xmlns:a16="http://schemas.microsoft.com/office/drawing/2014/main" xmlns="" id="{7BF3BF7F-F094-497C-9310-2FE8B059E82B}"/>
+                <a16:creationId xmlns="" xmlns:a16="http://schemas.microsoft.com/office/drawing/2014/main" id="{7BF3BF7F-F094-497C-9310-2FE8B059E82B}"/>
               </a:ext>
             </a:extLst>
           </p:cNvPr>
@@ -12330,7 +12794,7 @@
             <p:cNvPr id="15" name="Rectangle 14">
               <a:extLst>
                 <a:ext uri="{FF2B5EF4-FFF2-40B4-BE49-F238E27FC236}">
-                  <a16:creationId xmlns:a16="http://schemas.microsoft.com/office/drawing/2014/main" xmlns="" id="{2D49E498-4E90-44A2-B49F-157DFF9E8581}"/>
+                  <a16:creationId xmlns="" xmlns:a16="http://schemas.microsoft.com/office/drawing/2014/main" id="{2D49E498-4E90-44A2-B49F-157DFF9E8581}"/>
                 </a:ext>
               </a:extLst>
             </p:cNvPr>
@@ -12673,7 +13137,7 @@
             <p:cNvPr id="17" name="Graphic 16">
               <a:extLst>
                 <a:ext uri="{FF2B5EF4-FFF2-40B4-BE49-F238E27FC236}">
-                  <a16:creationId xmlns:a16="http://schemas.microsoft.com/office/drawing/2014/main" xmlns="" id="{B2D9F108-8C30-4BEC-8122-BE2632644482}"/>
+                  <a16:creationId xmlns="" xmlns:a16="http://schemas.microsoft.com/office/drawing/2014/main" id="{B2D9F108-8C30-4BEC-8122-BE2632644482}"/>
                 </a:ext>
               </a:extLst>
             </p:cNvPr>
@@ -12686,7 +13150,7 @@
             <a:blip r:embed="rId2">
               <a:extLst>
                 <a:ext uri="{96DAC541-7B7A-43D3-8B79-37D633B846F1}">
-                  <asvg:svgBlip xmlns:asvg="http://schemas.microsoft.com/office/drawing/2016/SVG/main" xmlns="" r:embed="rId3"/>
+                  <asvg:svgBlip xmlns="" xmlns:asvg="http://schemas.microsoft.com/office/drawing/2016/SVG/main" r:embed="rId3"/>
                 </a:ext>
               </a:extLst>
             </a:blip>
@@ -12709,7 +13173,7 @@
             <p:cNvPr id="16" name="Rectangle 15">
               <a:extLst>
                 <a:ext uri="{FF2B5EF4-FFF2-40B4-BE49-F238E27FC236}">
-                  <a16:creationId xmlns:a16="http://schemas.microsoft.com/office/drawing/2014/main" xmlns="" id="{FAB546B5-7C56-40DD-B1DF-AE850DE5FDB3}"/>
+                  <a16:creationId xmlns="" xmlns:a16="http://schemas.microsoft.com/office/drawing/2014/main" id="{FAB546B5-7C56-40DD-B1DF-AE850DE5FDB3}"/>
                 </a:ext>
               </a:extLst>
             </p:cNvPr>
@@ -13036,7 +13500,7 @@
           <p:cNvPr id="8" name="Title 1">
             <a:extLst>
               <a:ext uri="{FF2B5EF4-FFF2-40B4-BE49-F238E27FC236}">
-                <a16:creationId xmlns:a16="http://schemas.microsoft.com/office/drawing/2014/main" xmlns="" id="{4C30FD01-9DD8-4ECA-AC52-7C41002A99B3}"/>
+                <a16:creationId xmlns="" xmlns:a16="http://schemas.microsoft.com/office/drawing/2014/main" id="{4C30FD01-9DD8-4ECA-AC52-7C41002A99B3}"/>
               </a:ext>
             </a:extLst>
           </p:cNvPr>
@@ -13081,7 +13545,7 @@
           <p:cNvPr id="22" name="Text Placeholder 2">
             <a:extLst>
               <a:ext uri="{FF2B5EF4-FFF2-40B4-BE49-F238E27FC236}">
-                <a16:creationId xmlns:a16="http://schemas.microsoft.com/office/drawing/2014/main" xmlns="" id="{74491700-C4EB-4143-ACD3-DE153BF9DD99}"/>
+                <a16:creationId xmlns="" xmlns:a16="http://schemas.microsoft.com/office/drawing/2014/main" id="{74491700-C4EB-4143-ACD3-DE153BF9DD99}"/>
               </a:ext>
             </a:extLst>
           </p:cNvPr>
@@ -13207,7 +13671,7 @@
           <p:cNvPr id="3" name="Slide Number Placeholder 2">
             <a:extLst>
               <a:ext uri="{FF2B5EF4-FFF2-40B4-BE49-F238E27FC236}">
-                <a16:creationId xmlns:a16="http://schemas.microsoft.com/office/drawing/2014/main" xmlns="" id="{D11BF64E-D1E6-463D-B3F0-1491C107C8B1}"/>
+                <a16:creationId xmlns="" xmlns:a16="http://schemas.microsoft.com/office/drawing/2014/main" id="{D11BF64E-D1E6-463D-B3F0-1491C107C8B1}"/>
               </a:ext>
             </a:extLst>
           </p:cNvPr>
@@ -13237,7 +13701,7 @@
           <p:cNvPr id="2" name="Footer Placeholder 1">
             <a:extLst>
               <a:ext uri="{FF2B5EF4-FFF2-40B4-BE49-F238E27FC236}">
-                <a16:creationId xmlns:a16="http://schemas.microsoft.com/office/drawing/2014/main" xmlns="" id="{1149EC66-F633-4F8B-BA43-E48843E5AD21}"/>
+                <a16:creationId xmlns="" xmlns:a16="http://schemas.microsoft.com/office/drawing/2014/main" id="{1149EC66-F633-4F8B-BA43-E48843E5AD21}"/>
               </a:ext>
             </a:extLst>
           </p:cNvPr>
@@ -13303,7 +13767,7 @@
           <p:cNvPr id="17" name="Rectangle 16">
             <a:extLst>
               <a:ext uri="{FF2B5EF4-FFF2-40B4-BE49-F238E27FC236}">
-                <a16:creationId xmlns:a16="http://schemas.microsoft.com/office/drawing/2014/main" xmlns="" id="{CC3A4379-5E89-42FE-AA5C-BEA0CDFCDD6F}"/>
+                <a16:creationId xmlns="" xmlns:a16="http://schemas.microsoft.com/office/drawing/2014/main" id="{CC3A4379-5E89-42FE-AA5C-BEA0CDFCDD6F}"/>
               </a:ext>
             </a:extLst>
           </p:cNvPr>
@@ -13646,7 +14110,7 @@
           <p:cNvPr id="3" name="Text Placeholder 2">
             <a:extLst>
               <a:ext uri="{FF2B5EF4-FFF2-40B4-BE49-F238E27FC236}">
-                <a16:creationId xmlns:a16="http://schemas.microsoft.com/office/drawing/2014/main" xmlns="" id="{CF38A5A1-070F-43C9-B2D5-C557B0D72B9C}"/>
+                <a16:creationId xmlns="" xmlns:a16="http://schemas.microsoft.com/office/drawing/2014/main" id="{CF38A5A1-070F-43C9-B2D5-C557B0D72B9C}"/>
               </a:ext>
             </a:extLst>
           </p:cNvPr>
@@ -13727,7 +14191,7 @@
           <p:cNvPr id="4" name="Content Placeholder 3">
             <a:extLst>
               <a:ext uri="{FF2B5EF4-FFF2-40B4-BE49-F238E27FC236}">
-                <a16:creationId xmlns:a16="http://schemas.microsoft.com/office/drawing/2014/main" xmlns="" id="{FECCBEC1-2F48-4E90-ADF0-BEE2B9E477B0}"/>
+                <a16:creationId xmlns="" xmlns:a16="http://schemas.microsoft.com/office/drawing/2014/main" id="{FECCBEC1-2F48-4E90-ADF0-BEE2B9E477B0}"/>
               </a:ext>
             </a:extLst>
           </p:cNvPr>
@@ -13843,7 +14307,7 @@
           <p:cNvPr id="11" name="Text Placeholder 2">
             <a:extLst>
               <a:ext uri="{FF2B5EF4-FFF2-40B4-BE49-F238E27FC236}">
-                <a16:creationId xmlns:a16="http://schemas.microsoft.com/office/drawing/2014/main" xmlns="" id="{367F380C-58A9-4490-AC57-579A90290F36}"/>
+                <a16:creationId xmlns="" xmlns:a16="http://schemas.microsoft.com/office/drawing/2014/main" id="{367F380C-58A9-4490-AC57-579A90290F36}"/>
               </a:ext>
             </a:extLst>
           </p:cNvPr>
@@ -13924,7 +14388,7 @@
           <p:cNvPr id="12" name="Content Placeholder 3">
             <a:extLst>
               <a:ext uri="{FF2B5EF4-FFF2-40B4-BE49-F238E27FC236}">
-                <a16:creationId xmlns:a16="http://schemas.microsoft.com/office/drawing/2014/main" xmlns="" id="{DA285A94-0E4E-47DC-8E61-41F684F37003}"/>
+                <a16:creationId xmlns="" xmlns:a16="http://schemas.microsoft.com/office/drawing/2014/main" id="{DA285A94-0E4E-47DC-8E61-41F684F37003}"/>
               </a:ext>
             </a:extLst>
           </p:cNvPr>
@@ -14040,7 +14504,7 @@
           <p:cNvPr id="18" name="Rectangle 17">
             <a:extLst>
               <a:ext uri="{FF2B5EF4-FFF2-40B4-BE49-F238E27FC236}">
-                <a16:creationId xmlns:a16="http://schemas.microsoft.com/office/drawing/2014/main" xmlns="" id="{6EDCBFD0-7AE5-4346-AD3A-01F956626091}"/>
+                <a16:creationId xmlns="" xmlns:a16="http://schemas.microsoft.com/office/drawing/2014/main" id="{6EDCBFD0-7AE5-4346-AD3A-01F956626091}"/>
               </a:ext>
             </a:extLst>
           </p:cNvPr>
@@ -14366,7 +14830,7 @@
           <p:cNvPr id="16" name="Picture Placeholder 13">
             <a:extLst>
               <a:ext uri="{FF2B5EF4-FFF2-40B4-BE49-F238E27FC236}">
-                <a16:creationId xmlns:a16="http://schemas.microsoft.com/office/drawing/2014/main" xmlns="" id="{354FBDC8-CD65-4972-A821-C25297B1A8AB}"/>
+                <a16:creationId xmlns="" xmlns:a16="http://schemas.microsoft.com/office/drawing/2014/main" id="{354FBDC8-CD65-4972-A821-C25297B1A8AB}"/>
               </a:ext>
             </a:extLst>
           </p:cNvPr>
@@ -14403,7 +14867,7 @@
           <p:cNvPr id="2" name="Footer Placeholder 1">
             <a:extLst>
               <a:ext uri="{FF2B5EF4-FFF2-40B4-BE49-F238E27FC236}">
-                <a16:creationId xmlns:a16="http://schemas.microsoft.com/office/drawing/2014/main" xmlns="" id="{0C0FCBE5-63C0-4DC7-8687-C2C76ABBDDB2}"/>
+                <a16:creationId xmlns="" xmlns:a16="http://schemas.microsoft.com/office/drawing/2014/main" id="{0C0FCBE5-63C0-4DC7-8687-C2C76ABBDDB2}"/>
               </a:ext>
             </a:extLst>
           </p:cNvPr>
@@ -14431,7 +14895,7 @@
           <p:cNvPr id="5" name="Slide Number Placeholder 4">
             <a:extLst>
               <a:ext uri="{FF2B5EF4-FFF2-40B4-BE49-F238E27FC236}">
-                <a16:creationId xmlns:a16="http://schemas.microsoft.com/office/drawing/2014/main" xmlns="" id="{D0F240C4-B3CD-49AA-8C48-9FE7AA1FE3D0}"/>
+                <a16:creationId xmlns="" xmlns:a16="http://schemas.microsoft.com/office/drawing/2014/main" id="{D0F240C4-B3CD-49AA-8C48-9FE7AA1FE3D0}"/>
               </a:ext>
             </a:extLst>
           </p:cNvPr>
@@ -14461,7 +14925,7 @@
           <p:cNvPr id="6" name="Title 5" hidden="1">
             <a:extLst>
               <a:ext uri="{FF2B5EF4-FFF2-40B4-BE49-F238E27FC236}">
-                <a16:creationId xmlns:a16="http://schemas.microsoft.com/office/drawing/2014/main" xmlns="" id="{A43A44DE-9B7B-49B8-AE13-95164A3FA9F1}"/>
+                <a16:creationId xmlns="" xmlns:a16="http://schemas.microsoft.com/office/drawing/2014/main" id="{A43A44DE-9B7B-49B8-AE13-95164A3FA9F1}"/>
               </a:ext>
             </a:extLst>
           </p:cNvPr>
@@ -14531,7 +14995,7 @@
           <p:cNvPr id="3" name="Picture Placeholder 2">
             <a:extLst>
               <a:ext uri="{FF2B5EF4-FFF2-40B4-BE49-F238E27FC236}">
-                <a16:creationId xmlns:a16="http://schemas.microsoft.com/office/drawing/2014/main" xmlns="" id="{CAE90E16-AEC5-4F82-85B0-DDEA26AA939A}"/>
+                <a16:creationId xmlns="" xmlns:a16="http://schemas.microsoft.com/office/drawing/2014/main" id="{CAE90E16-AEC5-4F82-85B0-DDEA26AA939A}"/>
               </a:ext>
             </a:extLst>
           </p:cNvPr>
@@ -14602,7 +15066,7 @@
           <p:cNvPr id="10" name="Rectangle 9">
             <a:extLst>
               <a:ext uri="{FF2B5EF4-FFF2-40B4-BE49-F238E27FC236}">
-                <a16:creationId xmlns:a16="http://schemas.microsoft.com/office/drawing/2014/main" xmlns="" id="{ABD40C7A-92CE-46D6-B056-C75D73663328}"/>
+                <a16:creationId xmlns="" xmlns:a16="http://schemas.microsoft.com/office/drawing/2014/main" id="{ABD40C7A-92CE-46D6-B056-C75D73663328}"/>
               </a:ext>
             </a:extLst>
           </p:cNvPr>
@@ -14654,7 +15118,7 @@
           <p:cNvPr id="13" name="Rectangle 12">
             <a:extLst>
               <a:ext uri="{FF2B5EF4-FFF2-40B4-BE49-F238E27FC236}">
-                <a16:creationId xmlns:a16="http://schemas.microsoft.com/office/drawing/2014/main" xmlns="" id="{EA1A2116-206B-49CD-9ECC-078E4F72904C}"/>
+                <a16:creationId xmlns="" xmlns:a16="http://schemas.microsoft.com/office/drawing/2014/main" id="{EA1A2116-206B-49CD-9ECC-078E4F72904C}"/>
               </a:ext>
             </a:extLst>
           </p:cNvPr>
@@ -14997,7 +15461,7 @@
           <p:cNvPr id="14" name="Rectangle 13">
             <a:extLst>
               <a:ext uri="{FF2B5EF4-FFF2-40B4-BE49-F238E27FC236}">
-                <a16:creationId xmlns:a16="http://schemas.microsoft.com/office/drawing/2014/main" xmlns="" id="{A69E75A6-06C5-49D0-9164-3098CE0E53D8}"/>
+                <a16:creationId xmlns="" xmlns:a16="http://schemas.microsoft.com/office/drawing/2014/main" id="{A69E75A6-06C5-49D0-9164-3098CE0E53D8}"/>
               </a:ext>
             </a:extLst>
           </p:cNvPr>
@@ -15049,7 +15513,7 @@
           <p:cNvPr id="2" name="Title 1">
             <a:extLst>
               <a:ext uri="{FF2B5EF4-FFF2-40B4-BE49-F238E27FC236}">
-                <a16:creationId xmlns:a16="http://schemas.microsoft.com/office/drawing/2014/main" xmlns="" id="{9AF0F519-65FC-434F-8F2F-F778A20A82ED}"/>
+                <a16:creationId xmlns="" xmlns:a16="http://schemas.microsoft.com/office/drawing/2014/main" id="{9AF0F519-65FC-434F-8F2F-F778A20A82ED}"/>
               </a:ext>
             </a:extLst>
           </p:cNvPr>
@@ -15092,7 +15556,7 @@
           <p:cNvPr id="4" name="Text Placeholder 3">
             <a:extLst>
               <a:ext uri="{FF2B5EF4-FFF2-40B4-BE49-F238E27FC236}">
-                <a16:creationId xmlns:a16="http://schemas.microsoft.com/office/drawing/2014/main" xmlns="" id="{F41E2B8D-1C12-403F-BE59-ECC565466CB0}"/>
+                <a16:creationId xmlns="" xmlns:a16="http://schemas.microsoft.com/office/drawing/2014/main" id="{F41E2B8D-1C12-403F-BE59-ECC565466CB0}"/>
               </a:ext>
             </a:extLst>
           </p:cNvPr>
@@ -15170,7 +15634,7 @@
           <p:cNvPr id="11" name="Text Placeholder 2">
             <a:extLst>
               <a:ext uri="{FF2B5EF4-FFF2-40B4-BE49-F238E27FC236}">
-                <a16:creationId xmlns:a16="http://schemas.microsoft.com/office/drawing/2014/main" xmlns="" id="{D9EF0584-D46D-4C21-99D2-074ADF23E018}"/>
+                <a16:creationId xmlns="" xmlns:a16="http://schemas.microsoft.com/office/drawing/2014/main" id="{D9EF0584-D46D-4C21-99D2-074ADF23E018}"/>
               </a:ext>
             </a:extLst>
           </p:cNvPr>
@@ -15296,7 +15760,7 @@
           <p:cNvPr id="8" name="Footer Placeholder 7">
             <a:extLst>
               <a:ext uri="{FF2B5EF4-FFF2-40B4-BE49-F238E27FC236}">
-                <a16:creationId xmlns:a16="http://schemas.microsoft.com/office/drawing/2014/main" xmlns="" id="{86AFC205-B079-430E-B82F-CBF6F56DE09D}"/>
+                <a16:creationId xmlns="" xmlns:a16="http://schemas.microsoft.com/office/drawing/2014/main" id="{86AFC205-B079-430E-B82F-CBF6F56DE09D}"/>
               </a:ext>
             </a:extLst>
           </p:cNvPr>
@@ -15324,7 +15788,7 @@
           <p:cNvPr id="12" name="Slide Number Placeholder 11">
             <a:extLst>
               <a:ext uri="{FF2B5EF4-FFF2-40B4-BE49-F238E27FC236}">
-                <a16:creationId xmlns:a16="http://schemas.microsoft.com/office/drawing/2014/main" xmlns="" id="{E82B84E2-AAE4-4BC1-8C01-AF4ABADD6EDE}"/>
+                <a16:creationId xmlns="" xmlns:a16="http://schemas.microsoft.com/office/drawing/2014/main" id="{E82B84E2-AAE4-4BC1-8C01-AF4ABADD6EDE}"/>
               </a:ext>
             </a:extLst>
           </p:cNvPr>
@@ -15384,7 +15848,7 @@
           <p:cNvPr id="9" name="Picture Placeholder 13">
             <a:extLst>
               <a:ext uri="{FF2B5EF4-FFF2-40B4-BE49-F238E27FC236}">
-                <a16:creationId xmlns:a16="http://schemas.microsoft.com/office/drawing/2014/main" xmlns="" id="{0CBD5E02-927B-4DF7-8968-617C1C8F0F0E}"/>
+                <a16:creationId xmlns="" xmlns:a16="http://schemas.microsoft.com/office/drawing/2014/main" id="{0CBD5E02-927B-4DF7-8968-617C1C8F0F0E}"/>
               </a:ext>
             </a:extLst>
           </p:cNvPr>
@@ -15423,7 +15887,7 @@
           <p:cNvPr id="5" name="Group 4">
             <a:extLst>
               <a:ext uri="{FF2B5EF4-FFF2-40B4-BE49-F238E27FC236}">
-                <a16:creationId xmlns:a16="http://schemas.microsoft.com/office/drawing/2014/main" xmlns="" id="{1E8CB484-5390-4B2F-9BFB-D0733BEE88A5}"/>
+                <a16:creationId xmlns="" xmlns:a16="http://schemas.microsoft.com/office/drawing/2014/main" id="{1E8CB484-5390-4B2F-9BFB-D0733BEE88A5}"/>
               </a:ext>
             </a:extLst>
           </p:cNvPr>
@@ -15443,7 +15907,7 @@
             <p:cNvPr id="23" name="Rectangle 22">
               <a:extLst>
                 <a:ext uri="{FF2B5EF4-FFF2-40B4-BE49-F238E27FC236}">
-                  <a16:creationId xmlns:a16="http://schemas.microsoft.com/office/drawing/2014/main" xmlns="" id="{36778BD9-B865-4156-B319-6A8242F0D4D5}"/>
+                  <a16:creationId xmlns="" xmlns:a16="http://schemas.microsoft.com/office/drawing/2014/main" id="{36778BD9-B865-4156-B319-6A8242F0D4D5}"/>
                 </a:ext>
               </a:extLst>
             </p:cNvPr>
@@ -15495,7 +15959,7 @@
             <p:cNvPr id="24" name="Rectangle 23">
               <a:extLst>
                 <a:ext uri="{FF2B5EF4-FFF2-40B4-BE49-F238E27FC236}">
-                  <a16:creationId xmlns:a16="http://schemas.microsoft.com/office/drawing/2014/main" xmlns="" id="{A8354BDC-9788-4AB5-A841-99D95C68804F}"/>
+                  <a16:creationId xmlns="" xmlns:a16="http://schemas.microsoft.com/office/drawing/2014/main" id="{A8354BDC-9788-4AB5-A841-99D95C68804F}"/>
                 </a:ext>
               </a:extLst>
             </p:cNvPr>
@@ -15838,7 +16302,7 @@
             <p:cNvPr id="25" name="Rectangle 24">
               <a:extLst>
                 <a:ext uri="{FF2B5EF4-FFF2-40B4-BE49-F238E27FC236}">
-                  <a16:creationId xmlns:a16="http://schemas.microsoft.com/office/drawing/2014/main" xmlns="" id="{AEB70006-7799-4F63-912B-45662CE14500}"/>
+                  <a16:creationId xmlns="" xmlns:a16="http://schemas.microsoft.com/office/drawing/2014/main" id="{AEB70006-7799-4F63-912B-45662CE14500}"/>
                 </a:ext>
               </a:extLst>
             </p:cNvPr>
@@ -15891,7 +16355,7 @@
           <p:cNvPr id="2" name="Title 1">
             <a:extLst>
               <a:ext uri="{FF2B5EF4-FFF2-40B4-BE49-F238E27FC236}">
-                <a16:creationId xmlns:a16="http://schemas.microsoft.com/office/drawing/2014/main" xmlns="" id="{004074E6-E39E-4D19-B91F-8E84F37CBF3C}"/>
+                <a16:creationId xmlns="" xmlns:a16="http://schemas.microsoft.com/office/drawing/2014/main" id="{004074E6-E39E-4D19-B91F-8E84F37CBF3C}"/>
               </a:ext>
             </a:extLst>
           </p:cNvPr>
@@ -15935,7 +16399,7 @@
           <p:cNvPr id="3" name="Content Placeholder 2">
             <a:extLst>
               <a:ext uri="{FF2B5EF4-FFF2-40B4-BE49-F238E27FC236}">
-                <a16:creationId xmlns:a16="http://schemas.microsoft.com/office/drawing/2014/main" xmlns="" id="{607D1B16-7058-45AD-9B19-E19CAF96683B}"/>
+                <a16:creationId xmlns="" xmlns:a16="http://schemas.microsoft.com/office/drawing/2014/main" id="{607D1B16-7058-45AD-9B19-E19CAF96683B}"/>
               </a:ext>
             </a:extLst>
           </p:cNvPr>
@@ -16051,7 +16515,7 @@
           <p:cNvPr id="7" name="Text Placeholder 2">
             <a:extLst>
               <a:ext uri="{FF2B5EF4-FFF2-40B4-BE49-F238E27FC236}">
-                <a16:creationId xmlns:a16="http://schemas.microsoft.com/office/drawing/2014/main" xmlns="" id="{6CAAB964-0A56-4842-AA82-7610F726CD14}"/>
+                <a16:creationId xmlns="" xmlns:a16="http://schemas.microsoft.com/office/drawing/2014/main" id="{6CAAB964-0A56-4842-AA82-7610F726CD14}"/>
               </a:ext>
             </a:extLst>
           </p:cNvPr>
@@ -16177,7 +16641,7 @@
           <p:cNvPr id="6" name="Slide Number Placeholder 5">
             <a:extLst>
               <a:ext uri="{FF2B5EF4-FFF2-40B4-BE49-F238E27FC236}">
-                <a16:creationId xmlns:a16="http://schemas.microsoft.com/office/drawing/2014/main" xmlns="" id="{93F3FF75-3EF1-4F7E-9040-8B957B4D277C}"/>
+                <a16:creationId xmlns="" xmlns:a16="http://schemas.microsoft.com/office/drawing/2014/main" id="{93F3FF75-3EF1-4F7E-9040-8B957B4D277C}"/>
               </a:ext>
             </a:extLst>
           </p:cNvPr>
@@ -16253,7 +16717,7 @@
           <p:cNvPr id="6" name="Content Placeholder 5">
             <a:extLst>
               <a:ext uri="{FF2B5EF4-FFF2-40B4-BE49-F238E27FC236}">
-                <a16:creationId xmlns:a16="http://schemas.microsoft.com/office/drawing/2014/main" xmlns="" id="{C42E9CCD-6BB8-4209-A6BA-851867956084}"/>
+                <a16:creationId xmlns="" xmlns:a16="http://schemas.microsoft.com/office/drawing/2014/main" id="{C42E9CCD-6BB8-4209-A6BA-851867956084}"/>
               </a:ext>
             </a:extLst>
           </p:cNvPr>
@@ -16315,7 +16779,7 @@
           <p:cNvPr id="5" name="Group 4">
             <a:extLst>
               <a:ext uri="{FF2B5EF4-FFF2-40B4-BE49-F238E27FC236}">
-                <a16:creationId xmlns:a16="http://schemas.microsoft.com/office/drawing/2014/main" xmlns="" id="{1E8CB484-5390-4B2F-9BFB-D0733BEE88A5}"/>
+                <a16:creationId xmlns="" xmlns:a16="http://schemas.microsoft.com/office/drawing/2014/main" id="{1E8CB484-5390-4B2F-9BFB-D0733BEE88A5}"/>
               </a:ext>
             </a:extLst>
           </p:cNvPr>
@@ -16335,7 +16799,7 @@
             <p:cNvPr id="24" name="Rectangle 23">
               <a:extLst>
                 <a:ext uri="{FF2B5EF4-FFF2-40B4-BE49-F238E27FC236}">
-                  <a16:creationId xmlns:a16="http://schemas.microsoft.com/office/drawing/2014/main" xmlns="" id="{A8354BDC-9788-4AB5-A841-99D95C68804F}"/>
+                  <a16:creationId xmlns="" xmlns:a16="http://schemas.microsoft.com/office/drawing/2014/main" id="{A8354BDC-9788-4AB5-A841-99D95C68804F}"/>
                 </a:ext>
               </a:extLst>
             </p:cNvPr>
@@ -16678,7 +17142,7 @@
             <p:cNvPr id="23" name="Rectangle 22">
               <a:extLst>
                 <a:ext uri="{FF2B5EF4-FFF2-40B4-BE49-F238E27FC236}">
-                  <a16:creationId xmlns:a16="http://schemas.microsoft.com/office/drawing/2014/main" xmlns="" id="{36778BD9-B865-4156-B319-6A8242F0D4D5}"/>
+                  <a16:creationId xmlns="" xmlns:a16="http://schemas.microsoft.com/office/drawing/2014/main" id="{36778BD9-B865-4156-B319-6A8242F0D4D5}"/>
                 </a:ext>
               </a:extLst>
             </p:cNvPr>
@@ -16730,7 +17194,7 @@
             <p:cNvPr id="25" name="Rectangle 24">
               <a:extLst>
                 <a:ext uri="{FF2B5EF4-FFF2-40B4-BE49-F238E27FC236}">
-                  <a16:creationId xmlns:a16="http://schemas.microsoft.com/office/drawing/2014/main" xmlns="" id="{AEB70006-7799-4F63-912B-45662CE14500}"/>
+                  <a16:creationId xmlns="" xmlns:a16="http://schemas.microsoft.com/office/drawing/2014/main" id="{AEB70006-7799-4F63-912B-45662CE14500}"/>
                 </a:ext>
               </a:extLst>
             </p:cNvPr>
@@ -16783,7 +17247,7 @@
           <p:cNvPr id="2" name="Title 1">
             <a:extLst>
               <a:ext uri="{FF2B5EF4-FFF2-40B4-BE49-F238E27FC236}">
-                <a16:creationId xmlns:a16="http://schemas.microsoft.com/office/drawing/2014/main" xmlns="" id="{004074E6-E39E-4D19-B91F-8E84F37CBF3C}"/>
+                <a16:creationId xmlns="" xmlns:a16="http://schemas.microsoft.com/office/drawing/2014/main" id="{004074E6-E39E-4D19-B91F-8E84F37CBF3C}"/>
               </a:ext>
             </a:extLst>
           </p:cNvPr>
@@ -16827,7 +17291,7 @@
           <p:cNvPr id="3" name="Content Placeholder 2">
             <a:extLst>
               <a:ext uri="{FF2B5EF4-FFF2-40B4-BE49-F238E27FC236}">
-                <a16:creationId xmlns:a16="http://schemas.microsoft.com/office/drawing/2014/main" xmlns="" id="{607D1B16-7058-45AD-9B19-E19CAF96683B}"/>
+                <a16:creationId xmlns="" xmlns:a16="http://schemas.microsoft.com/office/drawing/2014/main" id="{607D1B16-7058-45AD-9B19-E19CAF96683B}"/>
               </a:ext>
             </a:extLst>
           </p:cNvPr>
@@ -16943,7 +17407,7 @@
           <p:cNvPr id="7" name="Text Placeholder 2">
             <a:extLst>
               <a:ext uri="{FF2B5EF4-FFF2-40B4-BE49-F238E27FC236}">
-                <a16:creationId xmlns:a16="http://schemas.microsoft.com/office/drawing/2014/main" xmlns="" id="{6CAAB964-0A56-4842-AA82-7610F726CD14}"/>
+                <a16:creationId xmlns="" xmlns:a16="http://schemas.microsoft.com/office/drawing/2014/main" id="{6CAAB964-0A56-4842-AA82-7610F726CD14}"/>
               </a:ext>
             </a:extLst>
           </p:cNvPr>
@@ -17069,7 +17533,7 @@
           <p:cNvPr id="4" name="Footer Placeholder 3">
             <a:extLst>
               <a:ext uri="{FF2B5EF4-FFF2-40B4-BE49-F238E27FC236}">
-                <a16:creationId xmlns:a16="http://schemas.microsoft.com/office/drawing/2014/main" xmlns="" id="{01A066D4-321A-48BF-84C2-18FC1D7184A7}"/>
+                <a16:creationId xmlns="" xmlns:a16="http://schemas.microsoft.com/office/drawing/2014/main" id="{01A066D4-321A-48BF-84C2-18FC1D7184A7}"/>
               </a:ext>
             </a:extLst>
           </p:cNvPr>
@@ -17097,7 +17561,7 @@
           <p:cNvPr id="8" name="Slide Number Placeholder 7">
             <a:extLst>
               <a:ext uri="{FF2B5EF4-FFF2-40B4-BE49-F238E27FC236}">
-                <a16:creationId xmlns:a16="http://schemas.microsoft.com/office/drawing/2014/main" xmlns="" id="{0CDB4336-A0EC-4019-904C-112405358769}"/>
+                <a16:creationId xmlns="" xmlns:a16="http://schemas.microsoft.com/office/drawing/2014/main" id="{0CDB4336-A0EC-4019-904C-112405358769}"/>
               </a:ext>
             </a:extLst>
           </p:cNvPr>
@@ -17181,7 +17645,7 @@
           <p:cNvPr id="8" name="Rectangle: Single Corner Snipped 7">
             <a:extLst>
               <a:ext uri="{FF2B5EF4-FFF2-40B4-BE49-F238E27FC236}">
-                <a16:creationId xmlns:a16="http://schemas.microsoft.com/office/drawing/2014/main" xmlns="" id="{C39E4676-2097-45B1-B554-0DFE67952792}"/>
+                <a16:creationId xmlns="" xmlns:a16="http://schemas.microsoft.com/office/drawing/2014/main" id="{C39E4676-2097-45B1-B554-0DFE67952792}"/>
               </a:ext>
             </a:extLst>
           </p:cNvPr>
@@ -17233,7 +17697,7 @@
           <p:cNvPr id="2" name="Title Placeholder 1">
             <a:extLst>
               <a:ext uri="{FF2B5EF4-FFF2-40B4-BE49-F238E27FC236}">
-                <a16:creationId xmlns:a16="http://schemas.microsoft.com/office/drawing/2014/main" xmlns="" id="{7F27C465-B000-4905-9328-DBAB7930A0CF}"/>
+                <a16:creationId xmlns="" xmlns:a16="http://schemas.microsoft.com/office/drawing/2014/main" id="{7F27C465-B000-4905-9328-DBAB7930A0CF}"/>
               </a:ext>
             </a:extLst>
           </p:cNvPr>
@@ -17272,7 +17736,7 @@
           <p:cNvPr id="3" name="Text Placeholder 2">
             <a:extLst>
               <a:ext uri="{FF2B5EF4-FFF2-40B4-BE49-F238E27FC236}">
-                <a16:creationId xmlns:a16="http://schemas.microsoft.com/office/drawing/2014/main" xmlns="" id="{FBBF3059-D5B9-418C-A60B-C3C8E261E486}"/>
+                <a16:creationId xmlns="" xmlns:a16="http://schemas.microsoft.com/office/drawing/2014/main" id="{FBBF3059-D5B9-418C-A60B-C3C8E261E486}"/>
               </a:ext>
             </a:extLst>
           </p:cNvPr>
@@ -17339,7 +17803,7 @@
           <p:cNvPr id="5" name="Footer Placeholder 4">
             <a:extLst>
               <a:ext uri="{FF2B5EF4-FFF2-40B4-BE49-F238E27FC236}">
-                <a16:creationId xmlns:a16="http://schemas.microsoft.com/office/drawing/2014/main" xmlns="" id="{E087F727-48BD-4EB4-B57F-5AC03BEB1A4D}"/>
+                <a16:creationId xmlns="" xmlns:a16="http://schemas.microsoft.com/office/drawing/2014/main" id="{E087F727-48BD-4EB4-B57F-5AC03BEB1A4D}"/>
               </a:ext>
             </a:extLst>
           </p:cNvPr>
@@ -17385,7 +17849,7 @@
           <p:cNvPr id="11" name="Slide Number Placeholder 5">
             <a:extLst>
               <a:ext uri="{FF2B5EF4-FFF2-40B4-BE49-F238E27FC236}">
-                <a16:creationId xmlns:a16="http://schemas.microsoft.com/office/drawing/2014/main" xmlns="" id="{49B3254E-B445-46A8-8E69-B2596E25AD38}"/>
+                <a16:creationId xmlns="" xmlns:a16="http://schemas.microsoft.com/office/drawing/2014/main" id="{49B3254E-B445-46A8-8E69-B2596E25AD38}"/>
               </a:ext>
             </a:extLst>
           </p:cNvPr>
@@ -17782,7 +18246,7 @@
           <p:cNvPr id="5" name="Picture Placeholder 4" descr="Abstract Building">
             <a:extLst>
               <a:ext uri="{FF2B5EF4-FFF2-40B4-BE49-F238E27FC236}">
-                <a16:creationId xmlns:a16="http://schemas.microsoft.com/office/drawing/2014/main" xmlns="" id="{1805319F-612A-49F0-B6DA-8A214D5DBD2A}"/>
+                <a16:creationId xmlns="" xmlns:a16="http://schemas.microsoft.com/office/drawing/2014/main" id="{1805319F-612A-49F0-B6DA-8A214D5DBD2A}"/>
               </a:ext>
             </a:extLst>
           </p:cNvPr>
@@ -17813,10 +18277,10 @@
           <p:cNvPr id="35" name="Rectangle 34">
             <a:extLst>
               <a:ext uri="{FF2B5EF4-FFF2-40B4-BE49-F238E27FC236}">
-                <a16:creationId xmlns:a16="http://schemas.microsoft.com/office/drawing/2014/main" xmlns="" id="{B6C8E487-ADDC-4F1B-A30A-BAABB4998F49}"/>
+                <a16:creationId xmlns="" xmlns:a16="http://schemas.microsoft.com/office/drawing/2014/main" id="{B6C8E487-ADDC-4F1B-A30A-BAABB4998F49}"/>
               </a:ext>
               <a:ext uri="{C183D7F6-B498-43B3-948B-1728B52AA6E4}">
-                <adec:decorative xmlns:adec="http://schemas.microsoft.com/office/drawing/2017/decorative" xmlns="" val="1"/>
+                <adec:decorative xmlns="" xmlns:adec="http://schemas.microsoft.com/office/drawing/2017/decorative" val="1"/>
               </a:ext>
             </a:extLst>
           </p:cNvPr>
@@ -18144,10 +18608,10 @@
           <p:cNvPr id="40" name="Group 39">
             <a:extLst>
               <a:ext uri="{FF2B5EF4-FFF2-40B4-BE49-F238E27FC236}">
-                <a16:creationId xmlns:a16="http://schemas.microsoft.com/office/drawing/2014/main" xmlns="" id="{11BEC607-8474-408E-A7AC-48A065F31B63}"/>
+                <a16:creationId xmlns="" xmlns:a16="http://schemas.microsoft.com/office/drawing/2014/main" id="{11BEC607-8474-408E-A7AC-48A065F31B63}"/>
               </a:ext>
               <a:ext uri="{C183D7F6-B498-43B3-948B-1728B52AA6E4}">
-                <adec:decorative xmlns:adec="http://schemas.microsoft.com/office/drawing/2017/decorative" xmlns="" val="1"/>
+                <adec:decorative xmlns="" xmlns:adec="http://schemas.microsoft.com/office/drawing/2017/decorative" val="1"/>
               </a:ext>
             </a:extLst>
           </p:cNvPr>
@@ -18167,7 +18631,7 @@
             <p:cNvPr id="42" name="Rectangle 41">
               <a:extLst>
                 <a:ext uri="{FF2B5EF4-FFF2-40B4-BE49-F238E27FC236}">
-                  <a16:creationId xmlns:a16="http://schemas.microsoft.com/office/drawing/2014/main" xmlns="" id="{B601E3FC-2016-4085-9A4B-A172702EAAE1}"/>
+                  <a16:creationId xmlns="" xmlns:a16="http://schemas.microsoft.com/office/drawing/2014/main" id="{B601E3FC-2016-4085-9A4B-A172702EAAE1}"/>
                 </a:ext>
               </a:extLst>
             </p:cNvPr>
@@ -18510,7 +18974,7 @@
             <p:cNvPr id="41" name="Rectangle 40">
               <a:extLst>
                 <a:ext uri="{FF2B5EF4-FFF2-40B4-BE49-F238E27FC236}">
-                  <a16:creationId xmlns:a16="http://schemas.microsoft.com/office/drawing/2014/main" xmlns="" id="{2CBF662F-A198-4AD3-8EBC-0EC9A52B2994}"/>
+                  <a16:creationId xmlns="" xmlns:a16="http://schemas.microsoft.com/office/drawing/2014/main" id="{2CBF662F-A198-4AD3-8EBC-0EC9A52B2994}"/>
                 </a:ext>
               </a:extLst>
             </p:cNvPr>
@@ -18562,7 +19026,7 @@
             <p:cNvPr id="43" name="Rectangle 42">
               <a:extLst>
                 <a:ext uri="{FF2B5EF4-FFF2-40B4-BE49-F238E27FC236}">
-                  <a16:creationId xmlns:a16="http://schemas.microsoft.com/office/drawing/2014/main" xmlns="" id="{142E86C5-8E5F-4620-A4FB-D1F926179D18}"/>
+                  <a16:creationId xmlns="" xmlns:a16="http://schemas.microsoft.com/office/drawing/2014/main" id="{142E86C5-8E5F-4620-A4FB-D1F926179D18}"/>
                 </a:ext>
               </a:extLst>
             </p:cNvPr>
@@ -18615,7 +19079,7 @@
           <p:cNvPr id="6" name="Title 5">
             <a:extLst>
               <a:ext uri="{FF2B5EF4-FFF2-40B4-BE49-F238E27FC236}">
-                <a16:creationId xmlns:a16="http://schemas.microsoft.com/office/drawing/2014/main" xmlns="" id="{7E0E8055-17FA-43CE-9F03-E712F496B7CF}"/>
+                <a16:creationId xmlns="" xmlns:a16="http://schemas.microsoft.com/office/drawing/2014/main" id="{7E0E8055-17FA-43CE-9F03-E712F496B7CF}"/>
               </a:ext>
             </a:extLst>
           </p:cNvPr>
@@ -18656,7 +19120,7 @@
           <p:cNvPr id="7" name="Subtitle 6">
             <a:extLst>
               <a:ext uri="{FF2B5EF4-FFF2-40B4-BE49-F238E27FC236}">
-                <a16:creationId xmlns:a16="http://schemas.microsoft.com/office/drawing/2014/main" xmlns="" id="{9935280A-EBD5-4EFA-81A0-313C85F987EC}"/>
+                <a16:creationId xmlns="" xmlns:a16="http://schemas.microsoft.com/office/drawing/2014/main" id="{9935280A-EBD5-4EFA-81A0-313C85F987EC}"/>
               </a:ext>
             </a:extLst>
           </p:cNvPr>
@@ -18698,6 +19162,1233 @@
 </file>
 
 <file path=ppt/slides/slide10.xml><?xml version="1.0" encoding="utf-8"?>
+<p:sld xmlns:a="http://schemas.openxmlformats.org/drawingml/2006/main" xmlns:r="http://schemas.openxmlformats.org/officeDocument/2006/relationships" xmlns:p="http://schemas.openxmlformats.org/presentationml/2006/main">
+  <p:cSld>
+    <p:spTree>
+      <p:nvGrpSpPr>
+        <p:cNvPr id="1" name=""/>
+        <p:cNvGrpSpPr/>
+        <p:nvPr/>
+      </p:nvGrpSpPr>
+      <p:grpSpPr>
+        <a:xfrm>
+          <a:off x="0" y="0"/>
+          <a:ext cx="0" cy="0"/>
+          <a:chOff x="0" y="0"/>
+          <a:chExt cx="0" cy="0"/>
+        </a:xfrm>
+      </p:grpSpPr>
+      <p:sp>
+        <p:nvSpPr>
+          <p:cNvPr id="7" name="Title 6">
+            <a:extLst>
+              <a:ext uri="{FF2B5EF4-FFF2-40B4-BE49-F238E27FC236}">
+                <a16:creationId xmlns="" xmlns:a16="http://schemas.microsoft.com/office/drawing/2014/main" id="{4D671F4D-9614-41E9-BA0C-7977DEBBBBB3}"/>
+              </a:ext>
+            </a:extLst>
+          </p:cNvPr>
+          <p:cNvSpPr>
+            <a:spLocks noGrp="1"/>
+          </p:cNvSpPr>
+          <p:nvPr>
+            <p:ph type="title"/>
+          </p:nvPr>
+        </p:nvSpPr>
+        <p:spPr/>
+        <p:txBody>
+          <a:bodyPr/>
+          <a:lstStyle/>
+          <a:p>
+            <a:r>
+              <a:rPr lang="en-US" dirty="0"/>
+              <a:t>Output </a:t>
+            </a:r>
+          </a:p>
+        </p:txBody>
+      </p:sp>
+      <p:sp>
+        <p:nvSpPr>
+          <p:cNvPr id="8" name="Rectangle 7">
+            <a:extLst>
+              <a:ext uri="{FF2B5EF4-FFF2-40B4-BE49-F238E27FC236}">
+                <a16:creationId xmlns="" xmlns:a16="http://schemas.microsoft.com/office/drawing/2014/main" id="{1715FCDC-B95D-46B0-8EBD-FC1451D3C124}"/>
+              </a:ext>
+              <a:ext uri="{C183D7F6-B498-43B3-948B-1728B52AA6E4}">
+                <adec:decorative xmlns="" xmlns:adec="http://schemas.microsoft.com/office/drawing/2017/decorative" val="1"/>
+              </a:ext>
+            </a:extLst>
+          </p:cNvPr>
+          <p:cNvSpPr/>
+          <p:nvPr/>
+        </p:nvSpPr>
+        <p:spPr>
+          <a:xfrm flipH="1">
+            <a:off x="2685137" y="972457"/>
+            <a:ext cx="9172647" cy="4843807"/>
+          </a:xfrm>
+          <a:prstGeom prst="rect">
+            <a:avLst/>
+          </a:prstGeom>
+          <a:noFill/>
+          <a:ln w="88900">
+            <a:solidFill>
+              <a:srgbClr val="2F3342"/>
+            </a:solidFill>
+          </a:ln>
+        </p:spPr>
+        <p:style>
+          <a:lnRef idx="2">
+            <a:schemeClr val="accent1">
+              <a:shade val="50000"/>
+            </a:schemeClr>
+          </a:lnRef>
+          <a:fillRef idx="1">
+            <a:schemeClr val="accent1"/>
+          </a:fillRef>
+          <a:effectRef idx="0">
+            <a:schemeClr val="accent1"/>
+          </a:effectRef>
+          <a:fontRef idx="minor">
+            <a:schemeClr val="lt1"/>
+          </a:fontRef>
+        </p:style>
+        <p:txBody>
+          <a:bodyPr rtlCol="0" anchor="ctr"/>
+          <a:lstStyle/>
+          <a:p>
+            <a:pPr algn="ctr"/>
+            <a:endParaRPr lang="en-US" dirty="0"/>
+          </a:p>
+        </p:txBody>
+      </p:sp>
+      <p:sp>
+        <p:nvSpPr>
+          <p:cNvPr id="9" name="Rectangle 8">
+            <a:extLst>
+              <a:ext uri="{FF2B5EF4-FFF2-40B4-BE49-F238E27FC236}">
+                <a16:creationId xmlns="" xmlns:a16="http://schemas.microsoft.com/office/drawing/2014/main" id="{EF85080C-B66C-4B03-BE77-8C2994DDD44D}"/>
+              </a:ext>
+              <a:ext uri="{C183D7F6-B498-43B3-948B-1728B52AA6E4}">
+                <adec:decorative xmlns="" xmlns:adec="http://schemas.microsoft.com/office/drawing/2017/decorative" val="1"/>
+              </a:ext>
+            </a:extLst>
+          </p:cNvPr>
+          <p:cNvSpPr/>
+          <p:nvPr/>
+        </p:nvSpPr>
+        <p:spPr>
+          <a:xfrm flipH="1">
+            <a:off x="333834" y="1547133"/>
+            <a:ext cx="11026363" cy="4702292"/>
+          </a:xfrm>
+          <a:prstGeom prst="rect">
+            <a:avLst/>
+          </a:prstGeom>
+          <a:gradFill>
+            <a:gsLst>
+              <a:gs pos="0">
+                <a:srgbClr val="038B30">
+                  <a:alpha val="70000"/>
+                </a:srgbClr>
+              </a:gs>
+              <a:gs pos="100000">
+                <a:srgbClr val="C0F400">
+                  <a:alpha val="70000"/>
+                </a:srgbClr>
+              </a:gs>
+              <a:gs pos="50000">
+                <a:srgbClr val="05EE55">
+                  <a:alpha val="70000"/>
+                </a:srgbClr>
+              </a:gs>
+            </a:gsLst>
+            <a:lin ang="16200000" scaled="1"/>
+          </a:gradFill>
+          <a:ln>
+            <a:noFill/>
+          </a:ln>
+        </p:spPr>
+        <p:style>
+          <a:lnRef idx="2">
+            <a:schemeClr val="accent1">
+              <a:shade val="50000"/>
+            </a:schemeClr>
+          </a:lnRef>
+          <a:fillRef idx="1">
+            <a:schemeClr val="accent1"/>
+          </a:fillRef>
+          <a:effectRef idx="0">
+            <a:schemeClr val="accent1"/>
+          </a:effectRef>
+          <a:fontRef idx="minor">
+            <a:schemeClr val="lt1"/>
+          </a:fontRef>
+        </p:style>
+        <p:txBody>
+          <a:bodyPr rtlCol="0" anchor="ctr"/>
+          <a:lstStyle/>
+          <a:p>
+            <a:pPr algn="ctr"/>
+            <a:r>
+              <a:rPr lang="en-US" dirty="0"/>
+              <a:t>2</a:t>
+            </a:r>
+          </a:p>
+          <a:p>
+            <a:pPr algn="ctr"/>
+            <a:endParaRPr lang="en-US" dirty="0"/>
+          </a:p>
+          <a:p>
+            <a:pPr algn="ctr"/>
+            <a:endParaRPr lang="en-US" dirty="0"/>
+          </a:p>
+          <a:p>
+            <a:pPr algn="ctr"/>
+            <a:endParaRPr lang="en-US" dirty="0"/>
+          </a:p>
+          <a:p>
+            <a:pPr algn="ctr"/>
+            <a:endParaRPr lang="en-US" dirty="0"/>
+          </a:p>
+          <a:p>
+            <a:pPr algn="ctr"/>
+            <a:endParaRPr lang="en-US" dirty="0"/>
+          </a:p>
+          <a:p>
+            <a:pPr algn="ctr"/>
+            <a:endParaRPr lang="en-US" dirty="0"/>
+          </a:p>
+          <a:p>
+            <a:pPr algn="ctr"/>
+            <a:endParaRPr lang="en-US" dirty="0"/>
+          </a:p>
+          <a:p>
+            <a:pPr algn="ctr"/>
+            <a:endParaRPr lang="en-US" dirty="0"/>
+          </a:p>
+          <a:p>
+            <a:pPr algn="ctr"/>
+            <a:endParaRPr lang="en-US" dirty="0"/>
+          </a:p>
+          <a:p>
+            <a:pPr algn="ctr"/>
+            <a:endParaRPr lang="en-US" dirty="0"/>
+          </a:p>
+          <a:p>
+            <a:pPr algn="ctr"/>
+            <a:endParaRPr lang="en-US" dirty="0"/>
+          </a:p>
+          <a:p>
+            <a:pPr algn="ctr"/>
+            <a:endParaRPr lang="en-US" dirty="0"/>
+          </a:p>
+          <a:p>
+            <a:pPr algn="ctr"/>
+            <a:endParaRPr lang="en-US" dirty="0"/>
+          </a:p>
+          <a:p>
+            <a:pPr algn="ctr"/>
+            <a:endParaRPr lang="en-US" dirty="0"/>
+          </a:p>
+          <a:p>
+            <a:pPr algn="ctr"/>
+            <a:endParaRPr lang="en-US" dirty="0"/>
+          </a:p>
+          <a:p>
+            <a:pPr algn="ctr"/>
+            <a:endParaRPr lang="en-US" dirty="0"/>
+          </a:p>
+          <a:p>
+            <a:pPr algn="ctr"/>
+            <a:endParaRPr lang="en-US" dirty="0"/>
+          </a:p>
+          <a:p>
+            <a:pPr algn="ctr"/>
+            <a:endParaRPr lang="en-US" dirty="0"/>
+          </a:p>
+          <a:p>
+            <a:pPr algn="ctr"/>
+            <a:endParaRPr lang="en-US" dirty="0"/>
+          </a:p>
+          <a:p>
+            <a:pPr algn="ctr"/>
+            <a:endParaRPr lang="en-US" dirty="0"/>
+          </a:p>
+          <a:p>
+            <a:pPr algn="ctr"/>
+            <a:endParaRPr lang="en-US" dirty="0"/>
+          </a:p>
+          <a:p>
+            <a:pPr algn="ctr"/>
+            <a:endParaRPr lang="en-US" dirty="0"/>
+          </a:p>
+          <a:p>
+            <a:pPr algn="ctr"/>
+            <a:endParaRPr lang="en-US" dirty="0"/>
+          </a:p>
+          <a:p>
+            <a:pPr algn="ctr"/>
+            <a:endParaRPr lang="en-US" dirty="0"/>
+          </a:p>
+          <a:p>
+            <a:pPr algn="ctr"/>
+            <a:endParaRPr lang="en-US" dirty="0"/>
+          </a:p>
+          <a:p>
+            <a:pPr algn="ctr"/>
+            <a:endParaRPr lang="en-US" dirty="0"/>
+          </a:p>
+          <a:p>
+            <a:pPr algn="ctr"/>
+            <a:endParaRPr lang="en-US" dirty="0"/>
+          </a:p>
+          <a:p>
+            <a:pPr algn="ctr"/>
+            <a:endParaRPr lang="en-US" dirty="0"/>
+          </a:p>
+          <a:p>
+            <a:pPr algn="ctr"/>
+            <a:endParaRPr lang="en-US" dirty="0"/>
+          </a:p>
+          <a:p>
+            <a:pPr algn="ctr"/>
+            <a:endParaRPr lang="en-US" dirty="0"/>
+          </a:p>
+          <a:p>
+            <a:pPr algn="ctr"/>
+            <a:endParaRPr lang="en-US" dirty="0"/>
+          </a:p>
+          <a:p>
+            <a:pPr algn="ctr"/>
+            <a:endParaRPr lang="en-US" dirty="0"/>
+          </a:p>
+          <a:p>
+            <a:pPr algn="ctr"/>
+            <a:endParaRPr lang="en-US" dirty="0"/>
+          </a:p>
+          <a:p>
+            <a:pPr algn="ctr"/>
+            <a:endParaRPr lang="en-US" dirty="0"/>
+          </a:p>
+          <a:p>
+            <a:pPr algn="ctr"/>
+            <a:endParaRPr lang="en-US" dirty="0"/>
+          </a:p>
+          <a:p>
+            <a:pPr algn="ctr"/>
+            <a:endParaRPr lang="en-US" dirty="0"/>
+          </a:p>
+          <a:p>
+            <a:pPr algn="ctr"/>
+            <a:endParaRPr lang="en-US" dirty="0"/>
+          </a:p>
+          <a:p>
+            <a:pPr algn="ctr"/>
+            <a:endParaRPr lang="en-US" dirty="0"/>
+          </a:p>
+          <a:p>
+            <a:pPr algn="ctr"/>
+            <a:endParaRPr lang="en-US" dirty="0"/>
+          </a:p>
+          <a:p>
+            <a:pPr algn="ctr"/>
+            <a:endParaRPr lang="en-US" dirty="0"/>
+          </a:p>
+          <a:p>
+            <a:pPr algn="ctr"/>
+            <a:endParaRPr lang="en-US" dirty="0"/>
+          </a:p>
+          <a:p>
+            <a:pPr algn="ctr"/>
+            <a:endParaRPr lang="en-US" dirty="0"/>
+          </a:p>
+          <a:p>
+            <a:pPr algn="ctr"/>
+            <a:endParaRPr lang="en-US" dirty="0"/>
+          </a:p>
+          <a:p>
+            <a:pPr algn="ctr"/>
+            <a:endParaRPr lang="en-US" dirty="0"/>
+          </a:p>
+          <a:p>
+            <a:pPr algn="ctr"/>
+            <a:endParaRPr lang="en-US" dirty="0"/>
+          </a:p>
+          <a:p>
+            <a:pPr algn="ctr"/>
+            <a:endParaRPr lang="en-US" dirty="0"/>
+          </a:p>
+          <a:p>
+            <a:pPr algn="ctr"/>
+            <a:endParaRPr lang="en-US" dirty="0"/>
+          </a:p>
+          <a:p>
+            <a:pPr algn="ctr"/>
+            <a:endParaRPr lang="en-US" dirty="0"/>
+          </a:p>
+          <a:p>
+            <a:pPr algn="ctr"/>
+            <a:endParaRPr lang="en-US" dirty="0"/>
+          </a:p>
+          <a:p>
+            <a:pPr algn="ctr"/>
+            <a:endParaRPr lang="en-US" dirty="0"/>
+          </a:p>
+          <a:p>
+            <a:pPr algn="ctr"/>
+            <a:endParaRPr lang="en-US" dirty="0"/>
+          </a:p>
+          <a:p>
+            <a:pPr algn="ctr"/>
+            <a:endParaRPr lang="en-US" dirty="0"/>
+          </a:p>
+          <a:p>
+            <a:pPr algn="ctr"/>
+            <a:endParaRPr lang="en-US" dirty="0"/>
+          </a:p>
+          <a:p>
+            <a:pPr algn="ctr"/>
+            <a:endParaRPr lang="en-US" dirty="0"/>
+          </a:p>
+          <a:p>
+            <a:pPr algn="ctr"/>
+            <a:endParaRPr lang="en-US" dirty="0"/>
+          </a:p>
+          <a:p>
+            <a:pPr algn="ctr"/>
+            <a:endParaRPr lang="en-US" dirty="0"/>
+          </a:p>
+          <a:p>
+            <a:pPr algn="ctr"/>
+            <a:endParaRPr lang="en-US" dirty="0"/>
+          </a:p>
+          <a:p>
+            <a:pPr algn="ctr"/>
+            <a:endParaRPr lang="en-US" dirty="0"/>
+          </a:p>
+          <a:p>
+            <a:pPr algn="ctr"/>
+            <a:endParaRPr lang="en-US" dirty="0"/>
+          </a:p>
+          <a:p>
+            <a:pPr algn="ctr"/>
+            <a:endParaRPr lang="en-US" dirty="0"/>
+          </a:p>
+          <a:p>
+            <a:pPr algn="ctr"/>
+            <a:endParaRPr lang="en-US" dirty="0"/>
+          </a:p>
+          <a:p>
+            <a:pPr algn="ctr"/>
+            <a:endParaRPr lang="en-US" dirty="0"/>
+          </a:p>
+          <a:p>
+            <a:pPr algn="ctr"/>
+            <a:endParaRPr lang="en-US" dirty="0"/>
+          </a:p>
+          <a:p>
+            <a:pPr algn="ctr"/>
+            <a:endParaRPr lang="en-US" dirty="0"/>
+          </a:p>
+          <a:p>
+            <a:pPr algn="ctr"/>
+            <a:endParaRPr lang="en-US" dirty="0"/>
+          </a:p>
+          <a:p>
+            <a:pPr algn="ctr"/>
+            <a:r>
+              <a:rPr lang="en-US" dirty="0"/>
+              <a:t>+</a:t>
+            </a:r>
+          </a:p>
+          <a:p>
+            <a:pPr algn="ctr"/>
+            <a:endParaRPr lang="en-US" dirty="0"/>
+          </a:p>
+        </p:txBody>
+      </p:sp>
+      <p:sp>
+        <p:nvSpPr>
+          <p:cNvPr id="2" name="Footer Placeholder 1">
+            <a:extLst>
+              <a:ext uri="{FF2B5EF4-FFF2-40B4-BE49-F238E27FC236}">
+                <a16:creationId xmlns="" xmlns:a16="http://schemas.microsoft.com/office/drawing/2014/main" id="{AAB9EEEE-5D24-422D-B76D-987859ECB059}"/>
+              </a:ext>
+            </a:extLst>
+          </p:cNvPr>
+          <p:cNvSpPr>
+            <a:spLocks noGrp="1"/>
+          </p:cNvSpPr>
+          <p:nvPr>
+            <p:ph type="ftr" sz="quarter" idx="10"/>
+          </p:nvPr>
+        </p:nvSpPr>
+        <p:spPr/>
+        <p:txBody>
+          <a:bodyPr/>
+          <a:lstStyle/>
+          <a:p>
+            <a:r>
+              <a:rPr lang="en-US" dirty="0">
+                <a:solidFill>
+                  <a:schemeClr val="tx2">
+                    <a:lumMod val="75000"/>
+                  </a:schemeClr>
+                </a:solidFill>
+              </a:rPr>
+              <a:t>Source: Jinnah Postgraduate Medical Centre (JPMC)</a:t>
+            </a:r>
+          </a:p>
+        </p:txBody>
+      </p:sp>
+      <p:sp>
+        <p:nvSpPr>
+          <p:cNvPr id="5" name="Slide Number Placeholder 4">
+            <a:extLst>
+              <a:ext uri="{FF2B5EF4-FFF2-40B4-BE49-F238E27FC236}">
+                <a16:creationId xmlns="" xmlns:a16="http://schemas.microsoft.com/office/drawing/2014/main" id="{4BFC890C-B560-45C1-9FF4-08AA00E1673F}"/>
+              </a:ext>
+            </a:extLst>
+          </p:cNvPr>
+          <p:cNvSpPr>
+            <a:spLocks noGrp="1"/>
+          </p:cNvSpPr>
+          <p:nvPr>
+            <p:ph type="sldNum" sz="quarter" idx="11"/>
+          </p:nvPr>
+        </p:nvSpPr>
+        <p:spPr/>
+        <p:txBody>
+          <a:bodyPr/>
+          <a:lstStyle/>
+          <a:p>
+            <a:fld id="{8C2E478F-E849-4A8C-AF1F-CBCC78A7CBFA}" type="slidenum">
+              <a:rPr lang="en-US" smtClean="0"/>
+              <a:pPr/>
+              <a:t>10</a:t>
+            </a:fld>
+            <a:endParaRPr lang="en-US" dirty="0"/>
+          </a:p>
+        </p:txBody>
+      </p:sp>
+      <p:pic>
+        <p:nvPicPr>
+          <p:cNvPr id="4" name="Picture 3"/>
+          <p:cNvPicPr>
+            <a:picLocks noChangeAspect="1"/>
+          </p:cNvPicPr>
+          <p:nvPr/>
+        </p:nvPicPr>
+        <p:blipFill>
+          <a:blip r:embed="rId2">
+            <a:extLst>
+              <a:ext uri="{28A0092B-C50C-407E-A947-70E740481C1C}">
+                <a14:useLocalDpi xmlns:a14="http://schemas.microsoft.com/office/drawing/2010/main" val="0"/>
+              </a:ext>
+            </a:extLst>
+          </a:blip>
+          <a:stretch>
+            <a:fillRect/>
+          </a:stretch>
+        </p:blipFill>
+        <p:spPr>
+          <a:xfrm>
+            <a:off x="594519" y="2562895"/>
+            <a:ext cx="5646271" cy="2893421"/>
+          </a:xfrm>
+          <a:prstGeom prst="rect">
+            <a:avLst/>
+          </a:prstGeom>
+        </p:spPr>
+      </p:pic>
+      <p:pic>
+        <p:nvPicPr>
+          <p:cNvPr id="10" name="Picture 9"/>
+          <p:cNvPicPr>
+            <a:picLocks noChangeAspect="1"/>
+          </p:cNvPicPr>
+          <p:nvPr/>
+        </p:nvPicPr>
+        <p:blipFill>
+          <a:blip r:embed="rId3">
+            <a:extLst>
+              <a:ext uri="{28A0092B-C50C-407E-A947-70E740481C1C}">
+                <a14:useLocalDpi xmlns:a14="http://schemas.microsoft.com/office/drawing/2010/main" val="0"/>
+              </a:ext>
+            </a:extLst>
+          </a:blip>
+          <a:stretch>
+            <a:fillRect/>
+          </a:stretch>
+        </p:blipFill>
+        <p:spPr>
+          <a:xfrm>
+            <a:off x="6369890" y="3195880"/>
+            <a:ext cx="4861207" cy="1404798"/>
+          </a:xfrm>
+          <a:prstGeom prst="rect">
+            <a:avLst/>
+          </a:prstGeom>
+        </p:spPr>
+      </p:pic>
+    </p:spTree>
+    <p:extLst>
+      <p:ext uri="{BB962C8B-B14F-4D97-AF65-F5344CB8AC3E}">
+        <p14:creationId xmlns:p14="http://schemas.microsoft.com/office/powerpoint/2010/main" val="1377438980"/>
+      </p:ext>
+    </p:extLst>
+  </p:cSld>
+  <p:clrMapOvr>
+    <a:masterClrMapping/>
+  </p:clrMapOvr>
+</p:sld>
+</file>
+
+<file path=ppt/slides/slide11.xml><?xml version="1.0" encoding="utf-8"?>
+<p:sld xmlns:a="http://schemas.openxmlformats.org/drawingml/2006/main" xmlns:r="http://schemas.openxmlformats.org/officeDocument/2006/relationships" xmlns:p="http://schemas.openxmlformats.org/presentationml/2006/main">
+  <p:cSld>
+    <p:spTree>
+      <p:nvGrpSpPr>
+        <p:cNvPr id="1" name=""/>
+        <p:cNvGrpSpPr/>
+        <p:nvPr/>
+      </p:nvGrpSpPr>
+      <p:grpSpPr>
+        <a:xfrm>
+          <a:off x="0" y="0"/>
+          <a:ext cx="0" cy="0"/>
+          <a:chOff x="0" y="0"/>
+          <a:chExt cx="0" cy="0"/>
+        </a:xfrm>
+      </p:grpSpPr>
+      <p:sp>
+        <p:nvSpPr>
+          <p:cNvPr id="12" name="Rectangle 11">
+            <a:extLst>
+              <a:ext uri="{FF2B5EF4-FFF2-40B4-BE49-F238E27FC236}">
+                <a16:creationId xmlns="" xmlns:a16="http://schemas.microsoft.com/office/drawing/2014/main" id="{663F03C3-322B-449C-A477-EA1D99EDC624}"/>
+              </a:ext>
+              <a:ext uri="{C183D7F6-B498-43B3-948B-1728B52AA6E4}">
+                <adec:decorative xmlns="" xmlns:adec="http://schemas.microsoft.com/office/drawing/2017/decorative" val="1"/>
+              </a:ext>
+            </a:extLst>
+          </p:cNvPr>
+          <p:cNvSpPr/>
+          <p:nvPr/>
+        </p:nvSpPr>
+        <p:spPr>
+          <a:xfrm>
+            <a:off x="979713" y="1181214"/>
+            <a:ext cx="6117771" cy="5426414"/>
+          </a:xfrm>
+          <a:prstGeom prst="rect">
+            <a:avLst/>
+          </a:prstGeom>
+          <a:gradFill>
+            <a:gsLst>
+              <a:gs pos="0">
+                <a:srgbClr val="038B30">
+                  <a:alpha val="70000"/>
+                </a:srgbClr>
+              </a:gs>
+              <a:gs pos="100000">
+                <a:srgbClr val="C0F400">
+                  <a:alpha val="70000"/>
+                </a:srgbClr>
+              </a:gs>
+              <a:gs pos="50000">
+                <a:srgbClr val="05EE55">
+                  <a:alpha val="70000"/>
+                </a:srgbClr>
+              </a:gs>
+            </a:gsLst>
+            <a:lin ang="16200000" scaled="1"/>
+          </a:gradFill>
+          <a:ln>
+            <a:noFill/>
+          </a:ln>
+        </p:spPr>
+        <p:style>
+          <a:lnRef idx="2">
+            <a:schemeClr val="accent1">
+              <a:shade val="50000"/>
+            </a:schemeClr>
+          </a:lnRef>
+          <a:fillRef idx="1">
+            <a:schemeClr val="accent1"/>
+          </a:fillRef>
+          <a:effectRef idx="0">
+            <a:schemeClr val="accent1"/>
+          </a:effectRef>
+          <a:fontRef idx="minor">
+            <a:schemeClr val="lt1"/>
+          </a:fontRef>
+        </p:style>
+        <p:txBody>
+          <a:bodyPr rtlCol="0" anchor="ctr"/>
+          <a:lstStyle/>
+          <a:p>
+            <a:pPr algn="ctr"/>
+            <a:r>
+              <a:rPr lang="en-US" dirty="0"/>
+              <a:t>2</a:t>
+            </a:r>
+          </a:p>
+          <a:p>
+            <a:pPr algn="ctr"/>
+            <a:endParaRPr lang="en-US" dirty="0"/>
+          </a:p>
+          <a:p>
+            <a:pPr algn="ctr"/>
+            <a:endParaRPr lang="en-US" dirty="0"/>
+          </a:p>
+          <a:p>
+            <a:pPr algn="ctr"/>
+            <a:endParaRPr lang="en-US" dirty="0"/>
+          </a:p>
+          <a:p>
+            <a:pPr algn="ctr"/>
+            <a:endParaRPr lang="en-US" dirty="0"/>
+          </a:p>
+          <a:p>
+            <a:pPr algn="ctr"/>
+            <a:endParaRPr lang="en-US" dirty="0"/>
+          </a:p>
+          <a:p>
+            <a:pPr algn="ctr"/>
+            <a:endParaRPr lang="en-US" dirty="0"/>
+          </a:p>
+          <a:p>
+            <a:pPr algn="ctr"/>
+            <a:endParaRPr lang="en-US" dirty="0"/>
+          </a:p>
+          <a:p>
+            <a:pPr algn="ctr"/>
+            <a:endParaRPr lang="en-US" dirty="0"/>
+          </a:p>
+          <a:p>
+            <a:pPr algn="ctr"/>
+            <a:endParaRPr lang="en-US" dirty="0"/>
+          </a:p>
+          <a:p>
+            <a:pPr algn="ctr"/>
+            <a:endParaRPr lang="en-US" dirty="0"/>
+          </a:p>
+          <a:p>
+            <a:pPr algn="ctr"/>
+            <a:endParaRPr lang="en-US" dirty="0"/>
+          </a:p>
+          <a:p>
+            <a:pPr algn="ctr"/>
+            <a:endParaRPr lang="en-US" dirty="0"/>
+          </a:p>
+          <a:p>
+            <a:pPr algn="ctr"/>
+            <a:endParaRPr lang="en-US" dirty="0"/>
+          </a:p>
+          <a:p>
+            <a:pPr algn="ctr"/>
+            <a:endParaRPr lang="en-US" dirty="0"/>
+          </a:p>
+          <a:p>
+            <a:pPr algn="ctr"/>
+            <a:endParaRPr lang="en-US" dirty="0"/>
+          </a:p>
+          <a:p>
+            <a:pPr algn="ctr"/>
+            <a:endParaRPr lang="en-US" dirty="0"/>
+          </a:p>
+          <a:p>
+            <a:pPr algn="ctr"/>
+            <a:endParaRPr lang="en-US" dirty="0"/>
+          </a:p>
+          <a:p>
+            <a:pPr algn="ctr"/>
+            <a:endParaRPr lang="en-US" dirty="0"/>
+          </a:p>
+          <a:p>
+            <a:pPr algn="ctr"/>
+            <a:endParaRPr lang="en-US" dirty="0"/>
+          </a:p>
+          <a:p>
+            <a:pPr algn="ctr"/>
+            <a:endParaRPr lang="en-US" dirty="0"/>
+          </a:p>
+          <a:p>
+            <a:pPr algn="ctr"/>
+            <a:endParaRPr lang="en-US" dirty="0"/>
+          </a:p>
+          <a:p>
+            <a:pPr algn="ctr"/>
+            <a:endParaRPr lang="en-US" dirty="0"/>
+          </a:p>
+          <a:p>
+            <a:pPr algn="ctr"/>
+            <a:endParaRPr lang="en-US" dirty="0"/>
+          </a:p>
+          <a:p>
+            <a:pPr algn="ctr"/>
+            <a:endParaRPr lang="en-US" dirty="0"/>
+          </a:p>
+          <a:p>
+            <a:pPr algn="ctr"/>
+            <a:endParaRPr lang="en-US" dirty="0"/>
+          </a:p>
+          <a:p>
+            <a:pPr algn="ctr"/>
+            <a:endParaRPr lang="en-US" dirty="0"/>
+          </a:p>
+          <a:p>
+            <a:pPr algn="ctr"/>
+            <a:endParaRPr lang="en-US" dirty="0"/>
+          </a:p>
+          <a:p>
+            <a:pPr algn="ctr"/>
+            <a:endParaRPr lang="en-US" dirty="0"/>
+          </a:p>
+          <a:p>
+            <a:pPr algn="ctr"/>
+            <a:endParaRPr lang="en-US" dirty="0"/>
+          </a:p>
+          <a:p>
+            <a:pPr algn="ctr"/>
+            <a:endParaRPr lang="en-US" dirty="0"/>
+          </a:p>
+          <a:p>
+            <a:pPr algn="ctr"/>
+            <a:endParaRPr lang="en-US" dirty="0"/>
+          </a:p>
+          <a:p>
+            <a:pPr algn="ctr"/>
+            <a:endParaRPr lang="en-US" dirty="0"/>
+          </a:p>
+          <a:p>
+            <a:pPr algn="ctr"/>
+            <a:endParaRPr lang="en-US" dirty="0"/>
+          </a:p>
+          <a:p>
+            <a:pPr algn="ctr"/>
+            <a:endParaRPr lang="en-US" dirty="0"/>
+          </a:p>
+          <a:p>
+            <a:pPr algn="ctr"/>
+            <a:endParaRPr lang="en-US" dirty="0"/>
+          </a:p>
+          <a:p>
+            <a:pPr algn="ctr"/>
+            <a:endParaRPr lang="en-US" dirty="0"/>
+          </a:p>
+          <a:p>
+            <a:pPr algn="ctr"/>
+            <a:endParaRPr lang="en-US" dirty="0"/>
+          </a:p>
+          <a:p>
+            <a:pPr algn="ctr"/>
+            <a:endParaRPr lang="en-US" dirty="0"/>
+          </a:p>
+          <a:p>
+            <a:pPr algn="ctr"/>
+            <a:endParaRPr lang="en-US" dirty="0"/>
+          </a:p>
+          <a:p>
+            <a:pPr algn="ctr"/>
+            <a:endParaRPr lang="en-US" dirty="0"/>
+          </a:p>
+          <a:p>
+            <a:pPr algn="ctr"/>
+            <a:endParaRPr lang="en-US" dirty="0"/>
+          </a:p>
+          <a:p>
+            <a:pPr algn="ctr"/>
+            <a:endParaRPr lang="en-US" dirty="0"/>
+          </a:p>
+          <a:p>
+            <a:pPr algn="ctr"/>
+            <a:endParaRPr lang="en-US" dirty="0"/>
+          </a:p>
+          <a:p>
+            <a:pPr algn="ctr"/>
+            <a:endParaRPr lang="en-US" dirty="0"/>
+          </a:p>
+          <a:p>
+            <a:pPr algn="ctr"/>
+            <a:endParaRPr lang="en-US" dirty="0"/>
+          </a:p>
+          <a:p>
+            <a:pPr algn="ctr"/>
+            <a:endParaRPr lang="en-US" dirty="0"/>
+          </a:p>
+          <a:p>
+            <a:pPr algn="ctr"/>
+            <a:endParaRPr lang="en-US" dirty="0"/>
+          </a:p>
+          <a:p>
+            <a:pPr algn="ctr"/>
+            <a:endParaRPr lang="en-US" dirty="0"/>
+          </a:p>
+          <a:p>
+            <a:pPr algn="ctr"/>
+            <a:endParaRPr lang="en-US" dirty="0"/>
+          </a:p>
+          <a:p>
+            <a:pPr algn="ctr"/>
+            <a:endParaRPr lang="en-US" dirty="0"/>
+          </a:p>
+          <a:p>
+            <a:pPr algn="ctr"/>
+            <a:endParaRPr lang="en-US" dirty="0"/>
+          </a:p>
+          <a:p>
+            <a:pPr algn="ctr"/>
+            <a:endParaRPr lang="en-US" dirty="0"/>
+          </a:p>
+          <a:p>
+            <a:pPr algn="ctr"/>
+            <a:endParaRPr lang="en-US" dirty="0"/>
+          </a:p>
+          <a:p>
+            <a:pPr algn="ctr"/>
+            <a:endParaRPr lang="en-US" dirty="0"/>
+          </a:p>
+          <a:p>
+            <a:pPr algn="ctr"/>
+            <a:endParaRPr lang="en-US" dirty="0"/>
+          </a:p>
+          <a:p>
+            <a:pPr algn="ctr"/>
+            <a:endParaRPr lang="en-US" dirty="0"/>
+          </a:p>
+          <a:p>
+            <a:pPr algn="ctr"/>
+            <a:endParaRPr lang="en-US" dirty="0"/>
+          </a:p>
+          <a:p>
+            <a:pPr algn="ctr"/>
+            <a:endParaRPr lang="en-US" dirty="0"/>
+          </a:p>
+          <a:p>
+            <a:pPr algn="ctr"/>
+            <a:endParaRPr lang="en-US" dirty="0"/>
+          </a:p>
+          <a:p>
+            <a:pPr algn="ctr"/>
+            <a:endParaRPr lang="en-US" dirty="0"/>
+          </a:p>
+          <a:p>
+            <a:pPr algn="ctr"/>
+            <a:endParaRPr lang="en-US" dirty="0"/>
+          </a:p>
+          <a:p>
+            <a:pPr algn="ctr"/>
+            <a:endParaRPr lang="en-US" dirty="0"/>
+          </a:p>
+          <a:p>
+            <a:pPr algn="ctr"/>
+            <a:endParaRPr lang="en-US" dirty="0"/>
+          </a:p>
+          <a:p>
+            <a:pPr algn="ctr"/>
+            <a:endParaRPr lang="en-US" dirty="0"/>
+          </a:p>
+          <a:p>
+            <a:pPr algn="ctr"/>
+            <a:endParaRPr lang="en-US" dirty="0"/>
+          </a:p>
+          <a:p>
+            <a:pPr algn="ctr"/>
+            <a:r>
+              <a:rPr lang="en-US" dirty="0"/>
+              <a:t>+</a:t>
+            </a:r>
+          </a:p>
+          <a:p>
+            <a:pPr algn="ctr"/>
+            <a:endParaRPr lang="en-US" dirty="0"/>
+          </a:p>
+        </p:txBody>
+      </p:sp>
+      <p:sp>
+        <p:nvSpPr>
+          <p:cNvPr id="13" name="Rectangle 12">
+            <a:extLst>
+              <a:ext uri="{FF2B5EF4-FFF2-40B4-BE49-F238E27FC236}">
+                <a16:creationId xmlns="" xmlns:a16="http://schemas.microsoft.com/office/drawing/2014/main" id="{AA0E0CBA-1F82-43A8-9DE3-F0F883DB2D26}"/>
+              </a:ext>
+              <a:ext uri="{C183D7F6-B498-43B3-948B-1728B52AA6E4}">
+                <adec:decorative xmlns="" xmlns:adec="http://schemas.microsoft.com/office/drawing/2017/decorative" val="1"/>
+              </a:ext>
+            </a:extLst>
+          </p:cNvPr>
+          <p:cNvSpPr/>
+          <p:nvPr/>
+        </p:nvSpPr>
+        <p:spPr>
+          <a:xfrm>
+            <a:off x="957943" y="655467"/>
+            <a:ext cx="5769428" cy="5701790"/>
+          </a:xfrm>
+          <a:prstGeom prst="rect">
+            <a:avLst/>
+          </a:prstGeom>
+          <a:solidFill>
+            <a:schemeClr val="bg1"/>
+          </a:solidFill>
+          <a:ln>
+            <a:noFill/>
+          </a:ln>
+        </p:spPr>
+        <p:style>
+          <a:lnRef idx="2">
+            <a:schemeClr val="accent1">
+              <a:shade val="50000"/>
+            </a:schemeClr>
+          </a:lnRef>
+          <a:fillRef idx="1">
+            <a:schemeClr val="accent1"/>
+          </a:fillRef>
+          <a:effectRef idx="0">
+            <a:schemeClr val="accent1"/>
+          </a:effectRef>
+          <a:fontRef idx="minor">
+            <a:schemeClr val="lt1"/>
+          </a:fontRef>
+        </p:style>
+        <p:txBody>
+          <a:bodyPr rtlCol="0" anchor="ctr"/>
+          <a:lstStyle/>
+          <a:p>
+            <a:pPr algn="ctr"/>
+            <a:endParaRPr lang="en-US" dirty="0"/>
+          </a:p>
+        </p:txBody>
+      </p:sp>
+      <p:sp>
+        <p:nvSpPr>
+          <p:cNvPr id="7" name="Title 6">
+            <a:extLst>
+              <a:ext uri="{FF2B5EF4-FFF2-40B4-BE49-F238E27FC236}">
+                <a16:creationId xmlns="" xmlns:a16="http://schemas.microsoft.com/office/drawing/2014/main" id="{D5445F47-6D74-450C-BC16-998D2021AD78}"/>
+              </a:ext>
+            </a:extLst>
+          </p:cNvPr>
+          <p:cNvSpPr>
+            <a:spLocks noGrp="1"/>
+          </p:cNvSpPr>
+          <p:nvPr>
+            <p:ph type="title"/>
+          </p:nvPr>
+        </p:nvSpPr>
+        <p:spPr/>
+        <p:txBody>
+          <a:bodyPr/>
+          <a:lstStyle/>
+          <a:p>
+            <a:r>
+              <a:rPr lang="en-US" dirty="0" smtClean="0"/>
+              <a:t>YouTube link</a:t>
+            </a:r>
+            <a:endParaRPr lang="en-US" dirty="0"/>
+          </a:p>
+        </p:txBody>
+      </p:sp>
+      <p:sp>
+        <p:nvSpPr>
+          <p:cNvPr id="8" name="Text Placeholder 7">
+            <a:extLst>
+              <a:ext uri="{FF2B5EF4-FFF2-40B4-BE49-F238E27FC236}">
+                <a16:creationId xmlns="" xmlns:a16="http://schemas.microsoft.com/office/drawing/2014/main" id="{E79DECD2-B85E-4CB3-BBFB-C64131454B65}"/>
+              </a:ext>
+            </a:extLst>
+          </p:cNvPr>
+          <p:cNvSpPr>
+            <a:spLocks noGrp="1"/>
+          </p:cNvSpPr>
+          <p:nvPr>
+            <p:ph type="body" sz="half" idx="2"/>
+          </p:nvPr>
+        </p:nvSpPr>
+        <p:spPr>
+          <a:xfrm>
+            <a:off x="957942" y="2468972"/>
+            <a:ext cx="5138057" cy="3396749"/>
+          </a:xfrm>
+        </p:spPr>
+        <p:txBody>
+          <a:bodyPr>
+            <a:normAutofit/>
+          </a:bodyPr>
+          <a:lstStyle/>
+          <a:p>
+            <a:r>
+              <a:rPr lang="en-US" sz="2800" dirty="0">
+                <a:hlinkClick r:id="rId2"/>
+              </a:rPr>
+              <a:t>https://</a:t>
+            </a:r>
+            <a:r>
+              <a:rPr lang="en-US" sz="2800" dirty="0" smtClean="0">
+                <a:hlinkClick r:id="rId2"/>
+              </a:rPr>
+              <a:t>youtu.be/sOje7qd2srQ</a:t>
+            </a:r>
+            <a:endParaRPr lang="en-US" sz="2800" dirty="0" smtClean="0"/>
+          </a:p>
+          <a:p>
+            <a:endParaRPr lang="en-US" dirty="0"/>
+          </a:p>
+        </p:txBody>
+      </p:sp>
+      <p:sp>
+        <p:nvSpPr>
+          <p:cNvPr id="11" name="Rectangle: Single Corner Snipped 10">
+            <a:extLst>
+              <a:ext uri="{FF2B5EF4-FFF2-40B4-BE49-F238E27FC236}">
+                <a16:creationId xmlns="" xmlns:a16="http://schemas.microsoft.com/office/drawing/2014/main" id="{85DF53DB-409B-49FA-A52D-E30AD84AED76}"/>
+              </a:ext>
+              <a:ext uri="{C183D7F6-B498-43B3-948B-1728B52AA6E4}">
+                <adec:decorative xmlns="" xmlns:adec="http://schemas.microsoft.com/office/drawing/2017/decorative" val="1"/>
+              </a:ext>
+            </a:extLst>
+          </p:cNvPr>
+          <p:cNvSpPr/>
+          <p:nvPr/>
+        </p:nvSpPr>
+        <p:spPr>
+          <a:xfrm flipH="1">
+            <a:off x="11549269" y="6356350"/>
+            <a:ext cx="642731" cy="501650"/>
+          </a:xfrm>
+          <a:prstGeom prst="snip1Rect">
+            <a:avLst/>
+          </a:prstGeom>
+          <a:solidFill>
+            <a:srgbClr val="2F3342"/>
+          </a:solidFill>
+          <a:ln>
+            <a:noFill/>
+          </a:ln>
+        </p:spPr>
+        <p:style>
+          <a:lnRef idx="2">
+            <a:schemeClr val="accent1">
+              <a:shade val="50000"/>
+            </a:schemeClr>
+          </a:lnRef>
+          <a:fillRef idx="1">
+            <a:schemeClr val="accent1"/>
+          </a:fillRef>
+          <a:effectRef idx="0">
+            <a:schemeClr val="accent1"/>
+          </a:effectRef>
+          <a:fontRef idx="minor">
+            <a:schemeClr val="lt1"/>
+          </a:fontRef>
+        </p:style>
+        <p:txBody>
+          <a:bodyPr rtlCol="0" anchor="ctr"/>
+          <a:lstStyle/>
+          <a:p>
+            <a:pPr algn="ctr"/>
+            <a:endParaRPr lang="en-US" dirty="0">
+              <a:solidFill>
+                <a:schemeClr val="bg1"/>
+              </a:solidFill>
+            </a:endParaRPr>
+          </a:p>
+        </p:txBody>
+      </p:sp>
+      <p:sp>
+        <p:nvSpPr>
+          <p:cNvPr id="4" name="Slide Number Placeholder 3">
+            <a:extLst>
+              <a:ext uri="{FF2B5EF4-FFF2-40B4-BE49-F238E27FC236}">
+                <a16:creationId xmlns="" xmlns:a16="http://schemas.microsoft.com/office/drawing/2014/main" id="{5564D90B-FC4E-4781-9E54-536CECF8BA47}"/>
+              </a:ext>
+            </a:extLst>
+          </p:cNvPr>
+          <p:cNvSpPr>
+            <a:spLocks noGrp="1"/>
+          </p:cNvSpPr>
+          <p:nvPr>
+            <p:ph type="sldNum" sz="quarter" idx="15"/>
+          </p:nvPr>
+        </p:nvSpPr>
+        <p:spPr/>
+        <p:txBody>
+          <a:bodyPr/>
+          <a:lstStyle/>
+          <a:p>
+            <a:fld id="{8C2E478F-E849-4A8C-AF1F-CBCC78A7CBFA}" type="slidenum">
+              <a:rPr lang="en-US" smtClean="0"/>
+              <a:pPr/>
+              <a:t>11</a:t>
+            </a:fld>
+            <a:endParaRPr lang="en-US" dirty="0"/>
+          </a:p>
+        </p:txBody>
+      </p:sp>
+      <p:pic>
+        <p:nvPicPr>
+          <p:cNvPr id="1026" name="Picture 2" descr="27+ Youtube Pictures | Download Free Images &amp; Stock Photos on Unsplash"/>
+          <p:cNvPicPr>
+            <a:picLocks noGrp="1" noChangeAspect="1" noChangeArrowheads="1"/>
+          </p:cNvPicPr>
+          <p:nvPr>
+            <p:ph type="pic" idx="1"/>
+          </p:nvPr>
+        </p:nvPicPr>
+        <p:blipFill>
+          <a:blip r:embed="rId3">
+            <a:extLst>
+              <a:ext uri="{28A0092B-C50C-407E-A947-70E740481C1C}">
+                <a14:useLocalDpi xmlns:a14="http://schemas.microsoft.com/office/drawing/2010/main" val="0"/>
+              </a:ext>
+            </a:extLst>
+          </a:blip>
+          <a:srcRect l="27691" r="27691"/>
+          <a:stretch>
+            <a:fillRect/>
+          </a:stretch>
+        </p:blipFill>
+        <p:spPr bwMode="auto">
+          <a:xfrm>
+            <a:off x="7881870" y="309095"/>
+            <a:ext cx="4310130" cy="6047256"/>
+          </a:xfrm>
+          <a:prstGeom prst="rect">
+            <a:avLst/>
+          </a:prstGeom>
+          <a:ln>
+            <a:noFill/>
+          </a:ln>
+          <a:effectLst>
+            <a:softEdge rad="112500"/>
+          </a:effectLst>
+          <a:extLst>
+            <a:ext uri="{909E8E84-426E-40DD-AFC4-6F175D3DCCD1}">
+              <a14:hiddenFill xmlns:a14="http://schemas.microsoft.com/office/drawing/2010/main">
+                <a:solidFill>
+                  <a:srgbClr val="FFFFFF"/>
+                </a:solidFill>
+              </a14:hiddenFill>
+            </a:ext>
+          </a:extLst>
+        </p:spPr>
+      </p:pic>
+    </p:spTree>
+    <p:extLst>
+      <p:ext uri="{BB962C8B-B14F-4D97-AF65-F5344CB8AC3E}">
+        <p14:creationId xmlns:p14="http://schemas.microsoft.com/office/powerpoint/2010/main" val="4176752722"/>
+      </p:ext>
+    </p:extLst>
+  </p:cSld>
+  <p:clrMapOvr>
+    <a:masterClrMapping/>
+  </p:clrMapOvr>
+</p:sld>
+</file>
+
+<file path=ppt/slides/slide12.xml><?xml version="1.0" encoding="utf-8"?>
 <p:sld xmlns:a="http://schemas.openxmlformats.org/drawingml/2006/main" xmlns:r="http://schemas.openxmlformats.org/officeDocument/2006/relationships" xmlns:p="http://schemas.openxmlformats.org/presentationml/2006/main">
   <p:cSld>
     <p:bg>
@@ -18727,7 +20418,7 @@
           <p:cNvPr id="5" name="Picture Placeholder 4" descr="abstract image">
             <a:extLst>
               <a:ext uri="{FF2B5EF4-FFF2-40B4-BE49-F238E27FC236}">
-                <a16:creationId xmlns:a16="http://schemas.microsoft.com/office/drawing/2014/main" xmlns="" id="{BCF9593D-B6BD-4208-A4FF-8CFFE503475A}"/>
+                <a16:creationId xmlns="" xmlns:a16="http://schemas.microsoft.com/office/drawing/2014/main" id="{BCF9593D-B6BD-4208-A4FF-8CFFE503475A}"/>
               </a:ext>
             </a:extLst>
           </p:cNvPr>
@@ -18758,10 +20449,10 @@
           <p:cNvPr id="16" name="Rectangle 15">
             <a:extLst>
               <a:ext uri="{FF2B5EF4-FFF2-40B4-BE49-F238E27FC236}">
-                <a16:creationId xmlns:a16="http://schemas.microsoft.com/office/drawing/2014/main" xmlns="" id="{4273BD65-CFF3-40DD-939C-97A942BD80EE}"/>
+                <a16:creationId xmlns="" xmlns:a16="http://schemas.microsoft.com/office/drawing/2014/main" id="{4273BD65-CFF3-40DD-939C-97A942BD80EE}"/>
               </a:ext>
               <a:ext uri="{C183D7F6-B498-43B3-948B-1728B52AA6E4}">
-                <adec:decorative xmlns:adec="http://schemas.microsoft.com/office/drawing/2017/decorative" xmlns="" val="1"/>
+                <adec:decorative xmlns="" xmlns:adec="http://schemas.microsoft.com/office/drawing/2017/decorative" val="1"/>
               </a:ext>
             </a:extLst>
           </p:cNvPr>
@@ -19089,10 +20780,10 @@
           <p:cNvPr id="40" name="Group 39">
             <a:extLst>
               <a:ext uri="{FF2B5EF4-FFF2-40B4-BE49-F238E27FC236}">
-                <a16:creationId xmlns:a16="http://schemas.microsoft.com/office/drawing/2014/main" xmlns="" id="{11BEC607-8474-408E-A7AC-48A065F31B63}"/>
+                <a16:creationId xmlns="" xmlns:a16="http://schemas.microsoft.com/office/drawing/2014/main" id="{11BEC607-8474-408E-A7AC-48A065F31B63}"/>
               </a:ext>
               <a:ext uri="{C183D7F6-B498-43B3-948B-1728B52AA6E4}">
-                <adec:decorative xmlns:adec="http://schemas.microsoft.com/office/drawing/2017/decorative" xmlns="" val="1"/>
+                <adec:decorative xmlns="" xmlns:adec="http://schemas.microsoft.com/office/drawing/2017/decorative" val="1"/>
               </a:ext>
             </a:extLst>
           </p:cNvPr>
@@ -19112,7 +20803,7 @@
             <p:cNvPr id="42" name="Rectangle 41">
               <a:extLst>
                 <a:ext uri="{FF2B5EF4-FFF2-40B4-BE49-F238E27FC236}">
-                  <a16:creationId xmlns:a16="http://schemas.microsoft.com/office/drawing/2014/main" xmlns="" id="{B601E3FC-2016-4085-9A4B-A172702EAAE1}"/>
+                  <a16:creationId xmlns="" xmlns:a16="http://schemas.microsoft.com/office/drawing/2014/main" id="{B601E3FC-2016-4085-9A4B-A172702EAAE1}"/>
                 </a:ext>
               </a:extLst>
             </p:cNvPr>
@@ -19455,7 +21146,7 @@
             <p:cNvPr id="41" name="Rectangle 40">
               <a:extLst>
                 <a:ext uri="{FF2B5EF4-FFF2-40B4-BE49-F238E27FC236}">
-                  <a16:creationId xmlns:a16="http://schemas.microsoft.com/office/drawing/2014/main" xmlns="" id="{2CBF662F-A198-4AD3-8EBC-0EC9A52B2994}"/>
+                  <a16:creationId xmlns="" xmlns:a16="http://schemas.microsoft.com/office/drawing/2014/main" id="{2CBF662F-A198-4AD3-8EBC-0EC9A52B2994}"/>
                 </a:ext>
               </a:extLst>
             </p:cNvPr>
@@ -19507,7 +21198,7 @@
             <p:cNvPr id="43" name="Rectangle 42">
               <a:extLst>
                 <a:ext uri="{FF2B5EF4-FFF2-40B4-BE49-F238E27FC236}">
-                  <a16:creationId xmlns:a16="http://schemas.microsoft.com/office/drawing/2014/main" xmlns="" id="{142E86C5-8E5F-4620-A4FB-D1F926179D18}"/>
+                  <a16:creationId xmlns="" xmlns:a16="http://schemas.microsoft.com/office/drawing/2014/main" id="{142E86C5-8E5F-4620-A4FB-D1F926179D18}"/>
                 </a:ext>
               </a:extLst>
             </p:cNvPr>
@@ -19560,7 +21251,7 @@
           <p:cNvPr id="6" name="Title 5">
             <a:extLst>
               <a:ext uri="{FF2B5EF4-FFF2-40B4-BE49-F238E27FC236}">
-                <a16:creationId xmlns:a16="http://schemas.microsoft.com/office/drawing/2014/main" xmlns="" id="{7E0E8055-17FA-43CE-9F03-E712F496B7CF}"/>
+                <a16:creationId xmlns="" xmlns:a16="http://schemas.microsoft.com/office/drawing/2014/main" id="{7E0E8055-17FA-43CE-9F03-E712F496B7CF}"/>
               </a:ext>
             </a:extLst>
           </p:cNvPr>
@@ -19593,10 +21284,10 @@
           <p:cNvPr id="29" name="Rectangle: Single Corner Snipped 28">
             <a:extLst>
               <a:ext uri="{FF2B5EF4-FFF2-40B4-BE49-F238E27FC236}">
-                <a16:creationId xmlns:a16="http://schemas.microsoft.com/office/drawing/2014/main" xmlns="" id="{E01195D9-1845-4282-BE5B-F6B840BE40E1}"/>
+                <a16:creationId xmlns="" xmlns:a16="http://schemas.microsoft.com/office/drawing/2014/main" id="{E01195D9-1845-4282-BE5B-F6B840BE40E1}"/>
               </a:ext>
               <a:ext uri="{C183D7F6-B498-43B3-948B-1728B52AA6E4}">
-                <adec:decorative xmlns:adec="http://schemas.microsoft.com/office/drawing/2017/decorative" xmlns="" val="1"/>
+                <adec:decorative xmlns="" xmlns:adec="http://schemas.microsoft.com/office/drawing/2017/decorative" val="1"/>
               </a:ext>
             </a:extLst>
           </p:cNvPr>
@@ -19648,7 +21339,7 @@
           <p:cNvPr id="30" name="Slide Number Placeholder 5">
             <a:extLst>
               <a:ext uri="{FF2B5EF4-FFF2-40B4-BE49-F238E27FC236}">
-                <a16:creationId xmlns:a16="http://schemas.microsoft.com/office/drawing/2014/main" xmlns="" id="{056A6478-CD2B-4077-910A-3D006C82EB9A}"/>
+                <a16:creationId xmlns="" xmlns:a16="http://schemas.microsoft.com/office/drawing/2014/main" id="{056A6478-CD2B-4077-910A-3D006C82EB9A}"/>
               </a:ext>
             </a:extLst>
           </p:cNvPr>
@@ -19683,7 +21374,7 @@
             <a:fld id="{8C2E478F-E849-4A8C-AF1F-CBCC78A7CBFA}" type="slidenum">
               <a:rPr lang="en-US" smtClean="0"/>
               <a:pPr/>
-              <a:t>10</a:t>
+              <a:t>12</a:t>
             </a:fld>
             <a:endParaRPr lang="en-US" dirty="0"/>
           </a:p>
@@ -19724,7 +21415,7 @@
           <p:cNvPr id="6" name="Picture Placeholder 5" descr="City Scape">
             <a:extLst>
               <a:ext uri="{FF2B5EF4-FFF2-40B4-BE49-F238E27FC236}">
-                <a16:creationId xmlns:a16="http://schemas.microsoft.com/office/drawing/2014/main" xmlns="" id="{361EFFB7-8B3E-491D-89F4-6C4D12965016}"/>
+                <a16:creationId xmlns="" xmlns:a16="http://schemas.microsoft.com/office/drawing/2014/main" id="{361EFFB7-8B3E-491D-89F4-6C4D12965016}"/>
               </a:ext>
             </a:extLst>
           </p:cNvPr>
@@ -19764,10 +21455,10 @@
           <p:cNvPr id="11" name="Rectangle 10">
             <a:extLst>
               <a:ext uri="{FF2B5EF4-FFF2-40B4-BE49-F238E27FC236}">
-                <a16:creationId xmlns:a16="http://schemas.microsoft.com/office/drawing/2014/main" xmlns="" id="{32B205EF-4045-42E3-8101-270CAA2CF42C}"/>
+                <a16:creationId xmlns="" xmlns:a16="http://schemas.microsoft.com/office/drawing/2014/main" id="{32B205EF-4045-42E3-8101-270CAA2CF42C}"/>
               </a:ext>
               <a:ext uri="{C183D7F6-B498-43B3-948B-1728B52AA6E4}">
-                <adec:decorative xmlns:adec="http://schemas.microsoft.com/office/drawing/2017/decorative" xmlns="" val="1"/>
+                <adec:decorative xmlns="" xmlns:adec="http://schemas.microsoft.com/office/drawing/2017/decorative" val="1"/>
               </a:ext>
             </a:extLst>
           </p:cNvPr>
@@ -20095,10 +21786,10 @@
           <p:cNvPr id="12" name="Group 11">
             <a:extLst>
               <a:ext uri="{FF2B5EF4-FFF2-40B4-BE49-F238E27FC236}">
-                <a16:creationId xmlns:a16="http://schemas.microsoft.com/office/drawing/2014/main" xmlns="" id="{1101DF86-6B00-49D3-9EFB-456055F79899}"/>
+                <a16:creationId xmlns="" xmlns:a16="http://schemas.microsoft.com/office/drawing/2014/main" id="{1101DF86-6B00-49D3-9EFB-456055F79899}"/>
               </a:ext>
               <a:ext uri="{C183D7F6-B498-43B3-948B-1728B52AA6E4}">
-                <adec:decorative xmlns:adec="http://schemas.microsoft.com/office/drawing/2017/decorative" xmlns="" val="1"/>
+                <adec:decorative xmlns="" xmlns:adec="http://schemas.microsoft.com/office/drawing/2017/decorative" val="1"/>
               </a:ext>
             </a:extLst>
           </p:cNvPr>
@@ -20118,7 +21809,7 @@
             <p:cNvPr id="15" name="Rectangle 14">
               <a:extLst>
                 <a:ext uri="{FF2B5EF4-FFF2-40B4-BE49-F238E27FC236}">
-                  <a16:creationId xmlns:a16="http://schemas.microsoft.com/office/drawing/2014/main" xmlns="" id="{551A06BE-4DC9-42C3-9272-4EF3E833D5F5}"/>
+                  <a16:creationId xmlns="" xmlns:a16="http://schemas.microsoft.com/office/drawing/2014/main" id="{551A06BE-4DC9-42C3-9272-4EF3E833D5F5}"/>
                 </a:ext>
               </a:extLst>
             </p:cNvPr>
@@ -20461,7 +22152,7 @@
             <p:cNvPr id="18" name="Graphic 17" descr="Open square">
               <a:extLst>
                 <a:ext uri="{FF2B5EF4-FFF2-40B4-BE49-F238E27FC236}">
-                  <a16:creationId xmlns:a16="http://schemas.microsoft.com/office/drawing/2014/main" xmlns="" id="{42A4A83C-0C6B-4A7C-B582-33988B027F16}"/>
+                  <a16:creationId xmlns="" xmlns:a16="http://schemas.microsoft.com/office/drawing/2014/main" id="{42A4A83C-0C6B-4A7C-B582-33988B027F16}"/>
                 </a:ext>
               </a:extLst>
             </p:cNvPr>
@@ -20474,7 +22165,7 @@
             <a:blip r:embed="rId4">
               <a:extLst>
                 <a:ext uri="{96DAC541-7B7A-43D3-8B79-37D633B846F1}">
-                  <asvg:svgBlip xmlns:asvg="http://schemas.microsoft.com/office/drawing/2016/SVG/main" xmlns="" r:embed="rId5"/>
+                  <asvg:svgBlip xmlns="" xmlns:asvg="http://schemas.microsoft.com/office/drawing/2016/SVG/main" r:embed="rId5"/>
                 </a:ext>
               </a:extLst>
             </a:blip>
@@ -20497,7 +22188,7 @@
             <p:cNvPr id="16" name="Rectangle 15">
               <a:extLst>
                 <a:ext uri="{FF2B5EF4-FFF2-40B4-BE49-F238E27FC236}">
-                  <a16:creationId xmlns:a16="http://schemas.microsoft.com/office/drawing/2014/main" xmlns="" id="{6568F216-4DE5-421A-A222-041B654BB87E}"/>
+                  <a16:creationId xmlns="" xmlns:a16="http://schemas.microsoft.com/office/drawing/2014/main" id="{6568F216-4DE5-421A-A222-041B654BB87E}"/>
                 </a:ext>
               </a:extLst>
             </p:cNvPr>
@@ -20824,7 +22515,7 @@
           <p:cNvPr id="4" name="Title 3">
             <a:extLst>
               <a:ext uri="{FF2B5EF4-FFF2-40B4-BE49-F238E27FC236}">
-                <a16:creationId xmlns:a16="http://schemas.microsoft.com/office/drawing/2014/main" xmlns="" id="{9C2EEB1E-E5B2-44FA-8D26-4D510438DDB9}"/>
+                <a16:creationId xmlns="" xmlns:a16="http://schemas.microsoft.com/office/drawing/2014/main" id="{9C2EEB1E-E5B2-44FA-8D26-4D510438DDB9}"/>
               </a:ext>
             </a:extLst>
           </p:cNvPr>
@@ -20859,7 +22550,7 @@
           <p:cNvPr id="19" name="Text Placeholder 2">
             <a:extLst>
               <a:ext uri="{FF2B5EF4-FFF2-40B4-BE49-F238E27FC236}">
-                <a16:creationId xmlns:a16="http://schemas.microsoft.com/office/drawing/2014/main" xmlns="" id="{2F2E0D99-FB22-4130-AAF1-73D2822A328F}"/>
+                <a16:creationId xmlns="" xmlns:a16="http://schemas.microsoft.com/office/drawing/2014/main" id="{2F2E0D99-FB22-4130-AAF1-73D2822A328F}"/>
               </a:ext>
             </a:extLst>
           </p:cNvPr>
@@ -21138,10 +22829,10 @@
           <p:cNvPr id="14" name="Rectangle: Single Corner Snipped 13">
             <a:extLst>
               <a:ext uri="{FF2B5EF4-FFF2-40B4-BE49-F238E27FC236}">
-                <a16:creationId xmlns:a16="http://schemas.microsoft.com/office/drawing/2014/main" xmlns="" id="{443EBCED-982A-454F-BC58-43B643EFA10D}"/>
+                <a16:creationId xmlns="" xmlns:a16="http://schemas.microsoft.com/office/drawing/2014/main" id="{443EBCED-982A-454F-BC58-43B643EFA10D}"/>
               </a:ext>
               <a:ext uri="{C183D7F6-B498-43B3-948B-1728B52AA6E4}">
-                <adec:decorative xmlns:adec="http://schemas.microsoft.com/office/drawing/2017/decorative" xmlns="" val="1"/>
+                <adec:decorative xmlns="" xmlns:adec="http://schemas.microsoft.com/office/drawing/2017/decorative" val="1"/>
               </a:ext>
             </a:extLst>
           </p:cNvPr>
@@ -21193,7 +22884,7 @@
           <p:cNvPr id="17" name="Slide Number Placeholder 5">
             <a:extLst>
               <a:ext uri="{FF2B5EF4-FFF2-40B4-BE49-F238E27FC236}">
-                <a16:creationId xmlns:a16="http://schemas.microsoft.com/office/drawing/2014/main" xmlns="" id="{571FE10C-81AC-4781-843B-B9994368CB9A}"/>
+                <a16:creationId xmlns="" xmlns:a16="http://schemas.microsoft.com/office/drawing/2014/main" id="{571FE10C-81AC-4781-843B-B9994368CB9A}"/>
               </a:ext>
             </a:extLst>
           </p:cNvPr>
@@ -21269,10 +22960,10 @@
           <p:cNvPr id="12" name="Rectangle 11">
             <a:extLst>
               <a:ext uri="{FF2B5EF4-FFF2-40B4-BE49-F238E27FC236}">
-                <a16:creationId xmlns:a16="http://schemas.microsoft.com/office/drawing/2014/main" xmlns="" id="{663F03C3-322B-449C-A477-EA1D99EDC624}"/>
+                <a16:creationId xmlns="" xmlns:a16="http://schemas.microsoft.com/office/drawing/2014/main" id="{663F03C3-322B-449C-A477-EA1D99EDC624}"/>
               </a:ext>
               <a:ext uri="{C183D7F6-B498-43B3-948B-1728B52AA6E4}">
-                <adec:decorative xmlns:adec="http://schemas.microsoft.com/office/drawing/2017/decorative" xmlns="" val="1"/>
+                <adec:decorative xmlns="" xmlns:adec="http://schemas.microsoft.com/office/drawing/2017/decorative" val="1"/>
               </a:ext>
             </a:extLst>
           </p:cNvPr>
@@ -21615,10 +23306,10 @@
           <p:cNvPr id="13" name="Rectangle 12">
             <a:extLst>
               <a:ext uri="{FF2B5EF4-FFF2-40B4-BE49-F238E27FC236}">
-                <a16:creationId xmlns:a16="http://schemas.microsoft.com/office/drawing/2014/main" xmlns="" id="{AA0E0CBA-1F82-43A8-9DE3-F0F883DB2D26}"/>
+                <a16:creationId xmlns="" xmlns:a16="http://schemas.microsoft.com/office/drawing/2014/main" id="{AA0E0CBA-1F82-43A8-9DE3-F0F883DB2D26}"/>
               </a:ext>
               <a:ext uri="{C183D7F6-B498-43B3-948B-1728B52AA6E4}">
-                <adec:decorative xmlns:adec="http://schemas.microsoft.com/office/drawing/2017/decorative" xmlns="" val="1"/>
+                <adec:decorative xmlns="" xmlns:adec="http://schemas.microsoft.com/office/drawing/2017/decorative" val="1"/>
               </a:ext>
             </a:extLst>
           </p:cNvPr>
@@ -21670,7 +23361,7 @@
           <p:cNvPr id="7" name="Title 6">
             <a:extLst>
               <a:ext uri="{FF2B5EF4-FFF2-40B4-BE49-F238E27FC236}">
-                <a16:creationId xmlns:a16="http://schemas.microsoft.com/office/drawing/2014/main" xmlns="" id="{D5445F47-6D74-450C-BC16-998D2021AD78}"/>
+                <a16:creationId xmlns="" xmlns:a16="http://schemas.microsoft.com/office/drawing/2014/main" id="{D5445F47-6D74-450C-BC16-998D2021AD78}"/>
               </a:ext>
             </a:extLst>
           </p:cNvPr>
@@ -21698,7 +23389,7 @@
           <p:cNvPr id="8" name="Text Placeholder 7">
             <a:extLst>
               <a:ext uri="{FF2B5EF4-FFF2-40B4-BE49-F238E27FC236}">
-                <a16:creationId xmlns:a16="http://schemas.microsoft.com/office/drawing/2014/main" xmlns="" id="{E79DECD2-B85E-4CB3-BBFB-C64131454B65}"/>
+                <a16:creationId xmlns="" xmlns:a16="http://schemas.microsoft.com/office/drawing/2014/main" id="{E79DECD2-B85E-4CB3-BBFB-C64131454B65}"/>
               </a:ext>
             </a:extLst>
           </p:cNvPr>
@@ -21768,10 +23459,10 @@
           <p:cNvPr id="11" name="Rectangle: Single Corner Snipped 10">
             <a:extLst>
               <a:ext uri="{FF2B5EF4-FFF2-40B4-BE49-F238E27FC236}">
-                <a16:creationId xmlns:a16="http://schemas.microsoft.com/office/drawing/2014/main" xmlns="" id="{85DF53DB-409B-49FA-A52D-E30AD84AED76}"/>
+                <a16:creationId xmlns="" xmlns:a16="http://schemas.microsoft.com/office/drawing/2014/main" id="{85DF53DB-409B-49FA-A52D-E30AD84AED76}"/>
               </a:ext>
               <a:ext uri="{C183D7F6-B498-43B3-948B-1728B52AA6E4}">
-                <adec:decorative xmlns:adec="http://schemas.microsoft.com/office/drawing/2017/decorative" xmlns="" val="1"/>
+                <adec:decorative xmlns="" xmlns:adec="http://schemas.microsoft.com/office/drawing/2017/decorative" val="1"/>
               </a:ext>
             </a:extLst>
           </p:cNvPr>
@@ -21827,7 +23518,7 @@
           <p:cNvPr id="4" name="Slide Number Placeholder 3">
             <a:extLst>
               <a:ext uri="{FF2B5EF4-FFF2-40B4-BE49-F238E27FC236}">
-                <a16:creationId xmlns:a16="http://schemas.microsoft.com/office/drawing/2014/main" xmlns="" id="{5564D90B-FC4E-4781-9E54-536CECF8BA47}"/>
+                <a16:creationId xmlns="" xmlns:a16="http://schemas.microsoft.com/office/drawing/2014/main" id="{5564D90B-FC4E-4781-9E54-536CECF8BA47}"/>
               </a:ext>
             </a:extLst>
           </p:cNvPr>
@@ -21857,7 +23548,7 @@
           <p:cNvPr id="17" name="Picture Placeholder 16">
             <a:extLst>
               <a:ext uri="{FF2B5EF4-FFF2-40B4-BE49-F238E27FC236}">
-                <a16:creationId xmlns:a16="http://schemas.microsoft.com/office/drawing/2014/main" xmlns="" id="{85236BB9-89D6-2DFA-CE7A-919F5977241E}"/>
+                <a16:creationId xmlns="" xmlns:a16="http://schemas.microsoft.com/office/drawing/2014/main" id="{85236BB9-89D6-2DFA-CE7A-919F5977241E}"/>
               </a:ext>
             </a:extLst>
           </p:cNvPr>
@@ -21912,7 +23603,7 @@
           <p:cNvPr id="2" name="Title 1">
             <a:extLst>
               <a:ext uri="{FF2B5EF4-FFF2-40B4-BE49-F238E27FC236}">
-                <a16:creationId xmlns:a16="http://schemas.microsoft.com/office/drawing/2014/main" xmlns="" id="{502A785A-76E2-9B8D-ABD0-25CA5786DA42}"/>
+                <a16:creationId xmlns="" xmlns:a16="http://schemas.microsoft.com/office/drawing/2014/main" id="{502A785A-76E2-9B8D-ABD0-25CA5786DA42}"/>
               </a:ext>
             </a:extLst>
           </p:cNvPr>
@@ -21940,7 +23631,7 @@
           <p:cNvPr id="3" name="Footer Placeholder 2">
             <a:extLst>
               <a:ext uri="{FF2B5EF4-FFF2-40B4-BE49-F238E27FC236}">
-                <a16:creationId xmlns:a16="http://schemas.microsoft.com/office/drawing/2014/main" xmlns="" id="{DBC2A7D4-217F-5F91-DFC9-B797777A4BA4}"/>
+                <a16:creationId xmlns="" xmlns:a16="http://schemas.microsoft.com/office/drawing/2014/main" id="{DBC2A7D4-217F-5F91-DFC9-B797777A4BA4}"/>
               </a:ext>
             </a:extLst>
           </p:cNvPr>
@@ -21969,7 +23660,7 @@
           <p:cNvPr id="4" name="Slide Number Placeholder 3">
             <a:extLst>
               <a:ext uri="{FF2B5EF4-FFF2-40B4-BE49-F238E27FC236}">
-                <a16:creationId xmlns:a16="http://schemas.microsoft.com/office/drawing/2014/main" xmlns="" id="{FAC3F9A4-0DDF-D688-7DC5-EF801FAFA554}"/>
+                <a16:creationId xmlns="" xmlns:a16="http://schemas.microsoft.com/office/drawing/2014/main" id="{FAC3F9A4-0DDF-D688-7DC5-EF801FAFA554}"/>
               </a:ext>
             </a:extLst>
           </p:cNvPr>
@@ -21999,7 +23690,7 @@
           <p:cNvPr id="5" name="Content Placeholder 4">
             <a:extLst>
               <a:ext uri="{FF2B5EF4-FFF2-40B4-BE49-F238E27FC236}">
-                <a16:creationId xmlns:a16="http://schemas.microsoft.com/office/drawing/2014/main" xmlns="" id="{4A8734A7-10B5-01A5-922C-63B9BA6F1035}"/>
+                <a16:creationId xmlns="" xmlns:a16="http://schemas.microsoft.com/office/drawing/2014/main" id="{4A8734A7-10B5-01A5-922C-63B9BA6F1035}"/>
               </a:ext>
             </a:extLst>
           </p:cNvPr>
@@ -22056,7 +23747,7 @@
           <p:cNvPr id="2050" name="Picture 2" descr="Objective Stock Photos, Royalty Free Objective Images | Depositphotos">
             <a:extLst>
               <a:ext uri="{FF2B5EF4-FFF2-40B4-BE49-F238E27FC236}">
-                <a16:creationId xmlns:a16="http://schemas.microsoft.com/office/drawing/2014/main" xmlns="" id="{3FBD3602-6FC9-4996-A1F5-0A60BBBE69BB}"/>
+                <a16:creationId xmlns="" xmlns:a16="http://schemas.microsoft.com/office/drawing/2014/main" id="{3FBD3602-6FC9-4996-A1F5-0A60BBBE69BB}"/>
               </a:ext>
             </a:extLst>
           </p:cNvPr>
@@ -22154,7 +23845,7 @@
           <p:cNvPr id="2" name="Picture Placeholder 1">
             <a:extLst>
               <a:ext uri="{FF2B5EF4-FFF2-40B4-BE49-F238E27FC236}">
-                <a16:creationId xmlns:a16="http://schemas.microsoft.com/office/drawing/2014/main" xmlns="" id="{A1F52F0C-42C0-DD96-8D94-B9E9AA896569}"/>
+                <a16:creationId xmlns="" xmlns:a16="http://schemas.microsoft.com/office/drawing/2014/main" id="{A1F52F0C-42C0-DD96-8D94-B9E9AA896569}"/>
               </a:ext>
             </a:extLst>
           </p:cNvPr>
@@ -22177,7 +23868,7 @@
           <p:cNvPr id="3" name="Title 2">
             <a:extLst>
               <a:ext uri="{FF2B5EF4-FFF2-40B4-BE49-F238E27FC236}">
-                <a16:creationId xmlns:a16="http://schemas.microsoft.com/office/drawing/2014/main" xmlns="" id="{179144A6-A0B0-BB81-A241-91B5384E25CF}"/>
+                <a16:creationId xmlns="" xmlns:a16="http://schemas.microsoft.com/office/drawing/2014/main" id="{179144A6-A0B0-BB81-A241-91B5384E25CF}"/>
               </a:ext>
             </a:extLst>
           </p:cNvPr>
@@ -22205,7 +23896,7 @@
           <p:cNvPr id="4" name="Content Placeholder 3">
             <a:extLst>
               <a:ext uri="{FF2B5EF4-FFF2-40B4-BE49-F238E27FC236}">
-                <a16:creationId xmlns:a16="http://schemas.microsoft.com/office/drawing/2014/main" xmlns="" id="{E5CE57D5-FC6E-4301-8053-C16A7D9DBDB1}"/>
+                <a16:creationId xmlns="" xmlns:a16="http://schemas.microsoft.com/office/drawing/2014/main" id="{E5CE57D5-FC6E-4301-8053-C16A7D9DBDB1}"/>
               </a:ext>
             </a:extLst>
           </p:cNvPr>
@@ -22276,7 +23967,7 @@
           <p:cNvPr id="5" name="Text Placeholder 4">
             <a:extLst>
               <a:ext uri="{FF2B5EF4-FFF2-40B4-BE49-F238E27FC236}">
-                <a16:creationId xmlns:a16="http://schemas.microsoft.com/office/drawing/2014/main" xmlns="" id="{D30B6920-CCFE-795E-F5D6-AB2694A45E75}"/>
+                <a16:creationId xmlns="" xmlns:a16="http://schemas.microsoft.com/office/drawing/2014/main" id="{D30B6920-CCFE-795E-F5D6-AB2694A45E75}"/>
               </a:ext>
             </a:extLst>
           </p:cNvPr>
@@ -22311,7 +24002,7 @@
           <p:cNvPr id="6" name="Slide Number Placeholder 5">
             <a:extLst>
               <a:ext uri="{FF2B5EF4-FFF2-40B4-BE49-F238E27FC236}">
-                <a16:creationId xmlns:a16="http://schemas.microsoft.com/office/drawing/2014/main" xmlns="" id="{3DB2241A-B103-1446-1267-55A372A710BA}"/>
+                <a16:creationId xmlns="" xmlns:a16="http://schemas.microsoft.com/office/drawing/2014/main" id="{3DB2241A-B103-1446-1267-55A372A710BA}"/>
               </a:ext>
             </a:extLst>
           </p:cNvPr>
@@ -22341,7 +24032,7 @@
           <p:cNvPr id="3076" name="Picture 4" descr="Naive Bayes Algorithm in Machine Learning">
             <a:extLst>
               <a:ext uri="{FF2B5EF4-FFF2-40B4-BE49-F238E27FC236}">
-                <a16:creationId xmlns:a16="http://schemas.microsoft.com/office/drawing/2014/main" xmlns="" id="{722BBA7A-7914-EB38-2A1B-A7B289F92E33}"/>
+                <a16:creationId xmlns="" xmlns:a16="http://schemas.microsoft.com/office/drawing/2014/main" id="{722BBA7A-7914-EB38-2A1B-A7B289F92E33}"/>
               </a:ext>
             </a:extLst>
           </p:cNvPr>
@@ -22418,7 +24109,7 @@
           <p:cNvPr id="7" name="Title 6">
             <a:extLst>
               <a:ext uri="{FF2B5EF4-FFF2-40B4-BE49-F238E27FC236}">
-                <a16:creationId xmlns:a16="http://schemas.microsoft.com/office/drawing/2014/main" xmlns="" id="{4D671F4D-9614-41E9-BA0C-7977DEBBBBB3}"/>
+                <a16:creationId xmlns="" xmlns:a16="http://schemas.microsoft.com/office/drawing/2014/main" id="{4D671F4D-9614-41E9-BA0C-7977DEBBBBB3}"/>
               </a:ext>
             </a:extLst>
           </p:cNvPr>
@@ -22446,10 +24137,10 @@
           <p:cNvPr id="8" name="Rectangle 7">
             <a:extLst>
               <a:ext uri="{FF2B5EF4-FFF2-40B4-BE49-F238E27FC236}">
-                <a16:creationId xmlns:a16="http://schemas.microsoft.com/office/drawing/2014/main" xmlns="" id="{1715FCDC-B95D-46B0-8EBD-FC1451D3C124}"/>
+                <a16:creationId xmlns="" xmlns:a16="http://schemas.microsoft.com/office/drawing/2014/main" id="{1715FCDC-B95D-46B0-8EBD-FC1451D3C124}"/>
               </a:ext>
               <a:ext uri="{C183D7F6-B498-43B3-948B-1728B52AA6E4}">
-                <adec:decorative xmlns:adec="http://schemas.microsoft.com/office/drawing/2017/decorative" xmlns="" val="1"/>
+                <adec:decorative xmlns="" xmlns:adec="http://schemas.microsoft.com/office/drawing/2017/decorative" val="1"/>
               </a:ext>
             </a:extLst>
           </p:cNvPr>
@@ -22501,10 +24192,10 @@
           <p:cNvPr id="9" name="Rectangle 8">
             <a:extLst>
               <a:ext uri="{FF2B5EF4-FFF2-40B4-BE49-F238E27FC236}">
-                <a16:creationId xmlns:a16="http://schemas.microsoft.com/office/drawing/2014/main" xmlns="" id="{EF85080C-B66C-4B03-BE77-8C2994DDD44D}"/>
+                <a16:creationId xmlns="" xmlns:a16="http://schemas.microsoft.com/office/drawing/2014/main" id="{EF85080C-B66C-4B03-BE77-8C2994DDD44D}"/>
               </a:ext>
               <a:ext uri="{C183D7F6-B498-43B3-948B-1728B52AA6E4}">
-                <adec:decorative xmlns:adec="http://schemas.microsoft.com/office/drawing/2017/decorative" xmlns="" val="1"/>
+                <adec:decorative xmlns="" xmlns:adec="http://schemas.microsoft.com/office/drawing/2017/decorative" val="1"/>
               </a:ext>
             </a:extLst>
           </p:cNvPr>
@@ -22847,7 +24538,7 @@
           <p:cNvPr id="5" name="Slide Number Placeholder 4">
             <a:extLst>
               <a:ext uri="{FF2B5EF4-FFF2-40B4-BE49-F238E27FC236}">
-                <a16:creationId xmlns:a16="http://schemas.microsoft.com/office/drawing/2014/main" xmlns="" id="{4BFC890C-B560-45C1-9FF4-08AA00E1673F}"/>
+                <a16:creationId xmlns="" xmlns:a16="http://schemas.microsoft.com/office/drawing/2014/main" id="{4BFC890C-B560-45C1-9FF4-08AA00E1673F}"/>
               </a:ext>
             </a:extLst>
           </p:cNvPr>
@@ -22877,7 +24568,7 @@
           <p:cNvPr id="11" name="Picture 10">
             <a:extLst>
               <a:ext uri="{FF2B5EF4-FFF2-40B4-BE49-F238E27FC236}">
-                <a16:creationId xmlns:a16="http://schemas.microsoft.com/office/drawing/2014/main" xmlns="" id="{7D11B5D7-B947-CC4C-E1DB-5472CDAC72BE}"/>
+                <a16:creationId xmlns="" xmlns:a16="http://schemas.microsoft.com/office/drawing/2014/main" id="{7D11B5D7-B947-CC4C-E1DB-5472CDAC72BE}"/>
               </a:ext>
             </a:extLst>
           </p:cNvPr>
@@ -22937,7 +24628,7 @@
           <p:cNvPr id="2" name="Picture Placeholder 1">
             <a:extLst>
               <a:ext uri="{FF2B5EF4-FFF2-40B4-BE49-F238E27FC236}">
-                <a16:creationId xmlns:a16="http://schemas.microsoft.com/office/drawing/2014/main" xmlns="" id="{C5A5C86D-9850-271D-F6D9-849DE7EDE949}"/>
+                <a16:creationId xmlns="" xmlns:a16="http://schemas.microsoft.com/office/drawing/2014/main" id="{C5A5C86D-9850-271D-F6D9-849DE7EDE949}"/>
               </a:ext>
             </a:extLst>
           </p:cNvPr>
@@ -22960,7 +24651,7 @@
           <p:cNvPr id="3" name="Title 2">
             <a:extLst>
               <a:ext uri="{FF2B5EF4-FFF2-40B4-BE49-F238E27FC236}">
-                <a16:creationId xmlns:a16="http://schemas.microsoft.com/office/drawing/2014/main" xmlns="" id="{0E24983A-C5F2-1D77-339C-98435C8D8026}"/>
+                <a16:creationId xmlns="" xmlns:a16="http://schemas.microsoft.com/office/drawing/2014/main" id="{0E24983A-C5F2-1D77-339C-98435C8D8026}"/>
               </a:ext>
             </a:extLst>
           </p:cNvPr>
@@ -22988,7 +24679,7 @@
           <p:cNvPr id="6" name="Slide Number Placeholder 5">
             <a:extLst>
               <a:ext uri="{FF2B5EF4-FFF2-40B4-BE49-F238E27FC236}">
-                <a16:creationId xmlns:a16="http://schemas.microsoft.com/office/drawing/2014/main" xmlns="" id="{5BE76EA4-CE16-2B95-643D-EE5E7951D6D0}"/>
+                <a16:creationId xmlns="" xmlns:a16="http://schemas.microsoft.com/office/drawing/2014/main" id="{5BE76EA4-CE16-2B95-643D-EE5E7951D6D0}"/>
               </a:ext>
             </a:extLst>
           </p:cNvPr>
@@ -23018,7 +24709,7 @@
           <p:cNvPr id="12" name="Picture 11">
             <a:extLst>
               <a:ext uri="{FF2B5EF4-FFF2-40B4-BE49-F238E27FC236}">
-                <a16:creationId xmlns:a16="http://schemas.microsoft.com/office/drawing/2014/main" xmlns="" id="{B0420BE4-6017-3EF8-D649-B1F66F7601E5}"/>
+                <a16:creationId xmlns="" xmlns:a16="http://schemas.microsoft.com/office/drawing/2014/main" id="{B0420BE4-6017-3EF8-D649-B1F66F7601E5}"/>
               </a:ext>
             </a:extLst>
           </p:cNvPr>
@@ -23078,7 +24769,7 @@
           <p:cNvPr id="3" name="Slide Number Placeholder 2">
             <a:extLst>
               <a:ext uri="{FF2B5EF4-FFF2-40B4-BE49-F238E27FC236}">
-                <a16:creationId xmlns:a16="http://schemas.microsoft.com/office/drawing/2014/main" xmlns="" id="{89848CA6-EB33-64F9-DC1C-2B0980B39032}"/>
+                <a16:creationId xmlns="" xmlns:a16="http://schemas.microsoft.com/office/drawing/2014/main" id="{89848CA6-EB33-64F9-DC1C-2B0980B39032}"/>
               </a:ext>
             </a:extLst>
           </p:cNvPr>
@@ -23108,7 +24799,7 @@
           <p:cNvPr id="4" name="Title 3">
             <a:extLst>
               <a:ext uri="{FF2B5EF4-FFF2-40B4-BE49-F238E27FC236}">
-                <a16:creationId xmlns:a16="http://schemas.microsoft.com/office/drawing/2014/main" xmlns="" id="{07893A45-34FD-EA13-D4EA-D3C2AF6EF4ED}"/>
+                <a16:creationId xmlns="" xmlns:a16="http://schemas.microsoft.com/office/drawing/2014/main" id="{07893A45-34FD-EA13-D4EA-D3C2AF6EF4ED}"/>
               </a:ext>
             </a:extLst>
           </p:cNvPr>
@@ -23136,7 +24827,7 @@
           <p:cNvPr id="6" name="Diagram 5">
             <a:extLst>
               <a:ext uri="{FF2B5EF4-FFF2-40B4-BE49-F238E27FC236}">
-                <a16:creationId xmlns:a16="http://schemas.microsoft.com/office/drawing/2014/main" xmlns="" id="{8FD71EFD-656D-34E1-A8CD-3024556AD499}"/>
+                <a16:creationId xmlns="" xmlns:a16="http://schemas.microsoft.com/office/drawing/2014/main" id="{8FD71EFD-656D-34E1-A8CD-3024556AD499}"/>
               </a:ext>
             </a:extLst>
           </p:cNvPr>
@@ -23194,7 +24885,7 @@
           <p:cNvPr id="7" name="Title 6">
             <a:extLst>
               <a:ext uri="{FF2B5EF4-FFF2-40B4-BE49-F238E27FC236}">
-                <a16:creationId xmlns:a16="http://schemas.microsoft.com/office/drawing/2014/main" xmlns="" id="{4D671F4D-9614-41E9-BA0C-7977DEBBBBB3}"/>
+                <a16:creationId xmlns="" xmlns:a16="http://schemas.microsoft.com/office/drawing/2014/main" id="{4D671F4D-9614-41E9-BA0C-7977DEBBBBB3}"/>
               </a:ext>
             </a:extLst>
           </p:cNvPr>
@@ -23222,10 +24913,10 @@
           <p:cNvPr id="8" name="Rectangle 7">
             <a:extLst>
               <a:ext uri="{FF2B5EF4-FFF2-40B4-BE49-F238E27FC236}">
-                <a16:creationId xmlns:a16="http://schemas.microsoft.com/office/drawing/2014/main" xmlns="" id="{1715FCDC-B95D-46B0-8EBD-FC1451D3C124}"/>
+                <a16:creationId xmlns="" xmlns:a16="http://schemas.microsoft.com/office/drawing/2014/main" id="{1715FCDC-B95D-46B0-8EBD-FC1451D3C124}"/>
               </a:ext>
               <a:ext uri="{C183D7F6-B498-43B3-948B-1728B52AA6E4}">
-                <adec:decorative xmlns:adec="http://schemas.microsoft.com/office/drawing/2017/decorative" xmlns="" val="1"/>
+                <adec:decorative xmlns="" xmlns:adec="http://schemas.microsoft.com/office/drawing/2017/decorative" val="1"/>
               </a:ext>
             </a:extLst>
           </p:cNvPr>
@@ -23277,10 +24968,10 @@
           <p:cNvPr id="9" name="Rectangle 8">
             <a:extLst>
               <a:ext uri="{FF2B5EF4-FFF2-40B4-BE49-F238E27FC236}">
-                <a16:creationId xmlns:a16="http://schemas.microsoft.com/office/drawing/2014/main" xmlns="" id="{EF85080C-B66C-4B03-BE77-8C2994DDD44D}"/>
+                <a16:creationId xmlns="" xmlns:a16="http://schemas.microsoft.com/office/drawing/2014/main" id="{EF85080C-B66C-4B03-BE77-8C2994DDD44D}"/>
               </a:ext>
               <a:ext uri="{C183D7F6-B498-43B3-948B-1728B52AA6E4}">
-                <adec:decorative xmlns:adec="http://schemas.microsoft.com/office/drawing/2017/decorative" xmlns="" val="1"/>
+                <adec:decorative xmlns="" xmlns:adec="http://schemas.microsoft.com/office/drawing/2017/decorative" val="1"/>
               </a:ext>
             </a:extLst>
           </p:cNvPr>
@@ -23623,7 +25314,7 @@
           <p:cNvPr id="2" name="Footer Placeholder 1">
             <a:extLst>
               <a:ext uri="{FF2B5EF4-FFF2-40B4-BE49-F238E27FC236}">
-                <a16:creationId xmlns:a16="http://schemas.microsoft.com/office/drawing/2014/main" xmlns="" id="{AAB9EEEE-5D24-422D-B76D-987859ECB059}"/>
+                <a16:creationId xmlns="" xmlns:a16="http://schemas.microsoft.com/office/drawing/2014/main" id="{AAB9EEEE-5D24-422D-B76D-987859ECB059}"/>
               </a:ext>
             </a:extLst>
           </p:cNvPr>
@@ -23657,7 +25348,7 @@
           <p:cNvPr id="5" name="Slide Number Placeholder 4">
             <a:extLst>
               <a:ext uri="{FF2B5EF4-FFF2-40B4-BE49-F238E27FC236}">
-                <a16:creationId xmlns:a16="http://schemas.microsoft.com/office/drawing/2014/main" xmlns="" id="{4BFC890C-B560-45C1-9FF4-08AA00E1673F}"/>
+                <a16:creationId xmlns="" xmlns:a16="http://schemas.microsoft.com/office/drawing/2014/main" id="{4BFC890C-B560-45C1-9FF4-08AA00E1673F}"/>
               </a:ext>
             </a:extLst>
           </p:cNvPr>
@@ -23684,28 +25375,58 @@
       </p:sp>
       <p:pic>
         <p:nvPicPr>
-          <p:cNvPr id="4" name="Picture 3">
-            <a:extLst>
-              <a:ext uri="{FF2B5EF4-FFF2-40B4-BE49-F238E27FC236}">
-                <a16:creationId xmlns:a16="http://schemas.microsoft.com/office/drawing/2014/main" xmlns="" id="{C1E577D6-8463-F7B0-D027-F7D4A18BB1A3}"/>
-              </a:ext>
-            </a:extLst>
-          </p:cNvPr>
+          <p:cNvPr id="3" name="Picture 2"/>
           <p:cNvPicPr>
             <a:picLocks noChangeAspect="1"/>
           </p:cNvPicPr>
           <p:nvPr/>
         </p:nvPicPr>
         <p:blipFill>
-          <a:blip r:embed="rId2"/>
+          <a:blip r:embed="rId2">
+            <a:extLst>
+              <a:ext uri="{28A0092B-C50C-407E-A947-70E740481C1C}">
+                <a14:useLocalDpi xmlns:a14="http://schemas.microsoft.com/office/drawing/2010/main" val="0"/>
+              </a:ext>
+            </a:extLst>
+          </a:blip>
           <a:stretch>
             <a:fillRect/>
           </a:stretch>
         </p:blipFill>
         <p:spPr>
           <a:xfrm>
-            <a:off x="1070518" y="1824548"/>
-            <a:ext cx="9735014" cy="4095167"/>
+            <a:off x="454415" y="2475469"/>
+            <a:ext cx="5529949" cy="2845620"/>
+          </a:xfrm>
+          <a:prstGeom prst="rect">
+            <a:avLst/>
+          </a:prstGeom>
+        </p:spPr>
+      </p:pic>
+      <p:pic>
+        <p:nvPicPr>
+          <p:cNvPr id="6" name="Picture 5"/>
+          <p:cNvPicPr>
+            <a:picLocks noChangeAspect="1"/>
+          </p:cNvPicPr>
+          <p:nvPr/>
+        </p:nvPicPr>
+        <p:blipFill>
+          <a:blip r:embed="rId3">
+            <a:extLst>
+              <a:ext uri="{28A0092B-C50C-407E-A947-70E740481C1C}">
+                <a14:useLocalDpi xmlns:a14="http://schemas.microsoft.com/office/drawing/2010/main" val="0"/>
+              </a:ext>
+            </a:extLst>
+          </a:blip>
+          <a:stretch>
+            <a:fillRect/>
+          </a:stretch>
+        </p:blipFill>
+        <p:spPr>
+          <a:xfrm>
+            <a:off x="6104945" y="3204774"/>
+            <a:ext cx="4821988" cy="1387010"/>
           </a:xfrm>
           <a:prstGeom prst="rect">
             <a:avLst/>
@@ -24517,20 +26238,20 @@
 </file>
 
 <file path=customXml/item1.xml><?xml version="1.0" encoding="utf-8"?>
+<p:properties xmlns:p="http://schemas.microsoft.com/office/2006/metadata/properties" xmlns:xsi="http://www.w3.org/2001/XMLSchema-instance" xmlns:pc="http://schemas.microsoft.com/office/infopath/2007/PartnerControls">
+  <documentManagement>
+    <MediaServiceKeyPoints xmlns="71af3243-3dd4-4a8d-8c0d-dd76da1f02a5" xsi:nil="true"/>
+  </documentManagement>
+</p:properties>
+</file>
+
+<file path=customXml/item2.xml><?xml version="1.0" encoding="utf-8"?>
 <?mso-contentType ?>
 <FormTemplates xmlns="http://schemas.microsoft.com/sharepoint/v3/contenttype/forms">
   <Display>DocumentLibraryForm</Display>
   <Edit>DocumentLibraryForm</Edit>
   <New>DocumentLibraryForm</New>
 </FormTemplates>
-</file>
-
-<file path=customXml/item2.xml><?xml version="1.0" encoding="utf-8"?>
-<p:properties xmlns:p="http://schemas.microsoft.com/office/2006/metadata/properties" xmlns:xsi="http://www.w3.org/2001/XMLSchema-instance" xmlns:pc="http://schemas.microsoft.com/office/infopath/2007/PartnerControls">
-  <documentManagement>
-    <MediaServiceKeyPoints xmlns="71af3243-3dd4-4a8d-8c0d-dd76da1f02a5" xsi:nil="true"/>
-  </documentManagement>
-</p:properties>
 </file>
 
 <file path=customXml/item3.xml><?xml version="1.0" encoding="utf-8"?>
@@ -24745,26 +26466,26 @@
 </file>
 
 <file path=customXml/itemProps1.xml><?xml version="1.0" encoding="utf-8"?>
-<ds:datastoreItem xmlns:ds="http://schemas.openxmlformats.org/officeDocument/2006/customXml" ds:itemID="{D27BEDAB-01B4-4BD0-9390-31AD9280078C}">
+<ds:datastoreItem xmlns:ds="http://schemas.openxmlformats.org/officeDocument/2006/customXml" ds:itemID="{9B19B998-C0F0-415C-AF4D-F10DCCD30A25}">
   <ds:schemaRefs>
-    <ds:schemaRef ds:uri="http://schemas.microsoft.com/sharepoint/v3/contenttype/forms"/>
+    <ds:schemaRef ds:uri="http://purl.org/dc/terms/"/>
+    <ds:schemaRef ds:uri="http://schemas.microsoft.com/office/infopath/2007/PartnerControls"/>
+    <ds:schemaRef ds:uri="http://schemas.microsoft.com/office/2006/documentManagement/types"/>
+    <ds:schemaRef ds:uri="http://schemas.microsoft.com/office/2006/metadata/properties"/>
+    <ds:schemaRef ds:uri="http://purl.org/dc/dcmitype/"/>
+    <ds:schemaRef ds:uri="http://purl.org/dc/elements/1.1/"/>
+    <ds:schemaRef ds:uri="http://schemas.openxmlformats.org/package/2006/metadata/core-properties"/>
+    <ds:schemaRef ds:uri="16c05727-aa75-4e4a-9b5f-8a80a1165891"/>
+    <ds:schemaRef ds:uri="71af3243-3dd4-4a8d-8c0d-dd76da1f02a5"/>
+    <ds:schemaRef ds:uri="http://www.w3.org/XML/1998/namespace"/>
   </ds:schemaRefs>
 </ds:datastoreItem>
 </file>
 
 <file path=customXml/itemProps2.xml><?xml version="1.0" encoding="utf-8"?>
-<ds:datastoreItem xmlns:ds="http://schemas.openxmlformats.org/officeDocument/2006/customXml" ds:itemID="{9B19B998-C0F0-415C-AF4D-F10DCCD30A25}">
+<ds:datastoreItem xmlns:ds="http://schemas.openxmlformats.org/officeDocument/2006/customXml" ds:itemID="{D27BEDAB-01B4-4BD0-9390-31AD9280078C}">
   <ds:schemaRefs>
-    <ds:schemaRef ds:uri="http://schemas.openxmlformats.org/package/2006/metadata/core-properties"/>
-    <ds:schemaRef ds:uri="16c05727-aa75-4e4a-9b5f-8a80a1165891"/>
-    <ds:schemaRef ds:uri="http://purl.org/dc/terms/"/>
-    <ds:schemaRef ds:uri="http://schemas.microsoft.com/office/infopath/2007/PartnerControls"/>
-    <ds:schemaRef ds:uri="http://purl.org/dc/dcmitype/"/>
-    <ds:schemaRef ds:uri="http://schemas.microsoft.com/office/2006/metadata/properties"/>
-    <ds:schemaRef ds:uri="http://purl.org/dc/elements/1.1/"/>
-    <ds:schemaRef ds:uri="http://schemas.microsoft.com/office/2006/documentManagement/types"/>
-    <ds:schemaRef ds:uri="71af3243-3dd4-4a8d-8c0d-dd76da1f02a5"/>
-    <ds:schemaRef ds:uri="http://www.w3.org/XML/1998/namespace"/>
+    <ds:schemaRef ds:uri="http://schemas.microsoft.com/sharepoint/v3/contenttype/forms"/>
   </ds:schemaRefs>
 </ds:datastoreItem>
 </file>
